--- a/powerpoint/siqilliyya2_definitivo.pptx
+++ b/powerpoint/siqilliyya2_definitivo.pptx
@@ -167,7 +167,7 @@
           <a:noFill/>
           <a:extLst>
             <a:ext uri="{909E8E84-426E-40dd-AFC4-6F175D3DCCD1}">
-              <a14:hiddenFill xmlns="" xmlns:a14="http://schemas.microsoft.com/office/drawing/2010/main">
+              <a14:hiddenFill xmlns:a14="http://schemas.microsoft.com/office/drawing/2010/main" xmlns="">
                 <a:solidFill>
                   <a:srgbClr val="FFFFFF"/>
                 </a:solidFill>
@@ -227,7 +227,7 @@
             </a:ln>
             <a:extLst>
               <a:ext uri="{91240B29-F687-4f45-9708-019B960494DF}">
-                <a14:hiddenLine xmlns="" xmlns:a14="http://schemas.microsoft.com/office/drawing/2010/main" w="9525">
+                <a14:hiddenLine xmlns:a14="http://schemas.microsoft.com/office/drawing/2010/main" xmlns="" w="9525">
                   <a:solidFill>
                     <a:srgbClr val="000000"/>
                   </a:solidFill>
@@ -317,7 +317,7 @@
             </a:ln>
             <a:extLst>
               <a:ext uri="{91240B29-F687-4f45-9708-019B960494DF}">
-                <a14:hiddenLine xmlns="" xmlns:a14="http://schemas.microsoft.com/office/drawing/2010/main" w="9525">
+                <a14:hiddenLine xmlns:a14="http://schemas.microsoft.com/office/drawing/2010/main" xmlns="" w="9525">
                   <a:solidFill>
                     <a:srgbClr val="000000"/>
                   </a:solidFill>
@@ -407,7 +407,7 @@
             </a:ln>
             <a:extLst>
               <a:ext uri="{91240B29-F687-4f45-9708-019B960494DF}">
-                <a14:hiddenLine xmlns="" xmlns:a14="http://schemas.microsoft.com/office/drawing/2010/main" w="9525">
+                <a14:hiddenLine xmlns:a14="http://schemas.microsoft.com/office/drawing/2010/main" xmlns="" w="9525">
                   <a:solidFill>
                     <a:srgbClr val="000000"/>
                   </a:solidFill>
@@ -441,7 +441,7 @@
             </a:ln>
             <a:extLst>
               <a:ext uri="{91240B29-F687-4f45-9708-019B960494DF}">
-                <a14:hiddenLine xmlns="" xmlns:a14="http://schemas.microsoft.com/office/drawing/2010/main" w="9525">
+                <a14:hiddenLine xmlns:a14="http://schemas.microsoft.com/office/drawing/2010/main" xmlns="" w="9525">
                   <a:solidFill>
                     <a:srgbClr val="000000"/>
                   </a:solidFill>
@@ -531,7 +531,7 @@
             </a:ln>
             <a:extLst>
               <a:ext uri="{91240B29-F687-4f45-9708-019B960494DF}">
-                <a14:hiddenLine xmlns="" xmlns:a14="http://schemas.microsoft.com/office/drawing/2010/main" w="9525">
+                <a14:hiddenLine xmlns:a14="http://schemas.microsoft.com/office/drawing/2010/main" xmlns="" w="9525">
                   <a:solidFill>
                     <a:srgbClr val="000000"/>
                   </a:solidFill>
@@ -593,7 +593,7 @@
             </a:ln>
             <a:extLst>
               <a:ext uri="{91240B29-F687-4f45-9708-019B960494DF}">
-                <a14:hiddenLine xmlns="" xmlns:a14="http://schemas.microsoft.com/office/drawing/2010/main" w="9525">
+                <a14:hiddenLine xmlns:a14="http://schemas.microsoft.com/office/drawing/2010/main" xmlns="" w="9525">
                   <a:solidFill>
                     <a:srgbClr val="000000"/>
                   </a:solidFill>
@@ -655,7 +655,7 @@
             </a:ln>
             <a:extLst>
               <a:ext uri="{91240B29-F687-4f45-9708-019B960494DF}">
-                <a14:hiddenLine xmlns="" xmlns:a14="http://schemas.microsoft.com/office/drawing/2010/main" w="9525">
+                <a14:hiddenLine xmlns:a14="http://schemas.microsoft.com/office/drawing/2010/main" xmlns="" w="9525">
                   <a:solidFill>
                     <a:srgbClr val="000000"/>
                   </a:solidFill>
@@ -745,7 +745,7 @@
             </a:ln>
             <a:extLst>
               <a:ext uri="{91240B29-F687-4f45-9708-019B960494DF}">
-                <a14:hiddenLine xmlns="" xmlns:a14="http://schemas.microsoft.com/office/drawing/2010/main" w="9525">
+                <a14:hiddenLine xmlns:a14="http://schemas.microsoft.com/office/drawing/2010/main" xmlns="" w="9525">
                   <a:solidFill>
                     <a:srgbClr val="000000"/>
                   </a:solidFill>
@@ -807,7 +807,7 @@
             </a:ln>
             <a:extLst>
               <a:ext uri="{91240B29-F687-4f45-9708-019B960494DF}">
-                <a14:hiddenLine xmlns="" xmlns:a14="http://schemas.microsoft.com/office/drawing/2010/main" w="9525">
+                <a14:hiddenLine xmlns:a14="http://schemas.microsoft.com/office/drawing/2010/main" xmlns="" w="9525">
                   <a:solidFill>
                     <a:srgbClr val="000000"/>
                   </a:solidFill>
@@ -869,7 +869,7 @@
             </a:ln>
             <a:extLst>
               <a:ext uri="{91240B29-F687-4f45-9708-019B960494DF}">
-                <a14:hiddenLine xmlns="" xmlns:a14="http://schemas.microsoft.com/office/drawing/2010/main" w="9525">
+                <a14:hiddenLine xmlns:a14="http://schemas.microsoft.com/office/drawing/2010/main" xmlns="" w="9525">
                   <a:solidFill>
                     <a:srgbClr val="000000"/>
                   </a:solidFill>
@@ -959,7 +959,7 @@
             </a:ln>
             <a:extLst>
               <a:ext uri="{91240B29-F687-4f45-9708-019B960494DF}">
-                <a14:hiddenLine xmlns="" xmlns:a14="http://schemas.microsoft.com/office/drawing/2010/main" w="9525">
+                <a14:hiddenLine xmlns:a14="http://schemas.microsoft.com/office/drawing/2010/main" xmlns="" w="9525">
                   <a:solidFill>
                     <a:srgbClr val="000000"/>
                   </a:solidFill>
@@ -1049,7 +1049,7 @@
             </a:ln>
             <a:extLst>
               <a:ext uri="{91240B29-F687-4f45-9708-019B960494DF}">
-                <a14:hiddenLine xmlns="" xmlns:a14="http://schemas.microsoft.com/office/drawing/2010/main" w="9525">
+                <a14:hiddenLine xmlns:a14="http://schemas.microsoft.com/office/drawing/2010/main" xmlns="" w="9525">
                   <a:solidFill>
                     <a:srgbClr val="000000"/>
                   </a:solidFill>
@@ -1111,7 +1111,7 @@
             </a:ln>
             <a:extLst>
               <a:ext uri="{91240B29-F687-4f45-9708-019B960494DF}">
-                <a14:hiddenLine xmlns="" xmlns:a14="http://schemas.microsoft.com/office/drawing/2010/main" w="9525">
+                <a14:hiddenLine xmlns:a14="http://schemas.microsoft.com/office/drawing/2010/main" xmlns="" w="9525">
                   <a:solidFill>
                     <a:srgbClr val="000000"/>
                   </a:solidFill>
@@ -1221,7 +1221,7 @@
             </a:ln>
             <a:extLst>
               <a:ext uri="{91240B29-F687-4f45-9708-019B960494DF}">
-                <a14:hiddenLine xmlns="" xmlns:a14="http://schemas.microsoft.com/office/drawing/2010/main" w="9525">
+                <a14:hiddenLine xmlns:a14="http://schemas.microsoft.com/office/drawing/2010/main" xmlns="" w="9525">
                   <a:solidFill>
                     <a:srgbClr val="000000"/>
                   </a:solidFill>
@@ -1283,7 +1283,7 @@
             </a:ln>
             <a:extLst>
               <a:ext uri="{91240B29-F687-4f45-9708-019B960494DF}">
-                <a14:hiddenLine xmlns="" xmlns:a14="http://schemas.microsoft.com/office/drawing/2010/main" w="9525">
+                <a14:hiddenLine xmlns:a14="http://schemas.microsoft.com/office/drawing/2010/main" xmlns="" w="9525">
                   <a:solidFill>
                     <a:srgbClr val="000000"/>
                   </a:solidFill>
@@ -1373,7 +1373,7 @@
             </a:ln>
             <a:extLst>
               <a:ext uri="{91240B29-F687-4f45-9708-019B960494DF}">
-                <a14:hiddenLine xmlns="" xmlns:a14="http://schemas.microsoft.com/office/drawing/2010/main" w="9525">
+                <a14:hiddenLine xmlns:a14="http://schemas.microsoft.com/office/drawing/2010/main" xmlns="" w="9525">
                   <a:solidFill>
                     <a:srgbClr val="000000"/>
                   </a:solidFill>
@@ -1463,7 +1463,7 @@
             </a:ln>
             <a:extLst>
               <a:ext uri="{91240B29-F687-4f45-9708-019B960494DF}">
-                <a14:hiddenLine xmlns="" xmlns:a14="http://schemas.microsoft.com/office/drawing/2010/main" w="9525">
+                <a14:hiddenLine xmlns:a14="http://schemas.microsoft.com/office/drawing/2010/main" xmlns="" w="9525">
                   <a:solidFill>
                     <a:srgbClr val="000000"/>
                   </a:solidFill>
@@ -1525,7 +1525,7 @@
             </a:ln>
             <a:extLst>
               <a:ext uri="{91240B29-F687-4f45-9708-019B960494DF}">
-                <a14:hiddenLine xmlns="" xmlns:a14="http://schemas.microsoft.com/office/drawing/2010/main" w="9525">
+                <a14:hiddenLine xmlns:a14="http://schemas.microsoft.com/office/drawing/2010/main" xmlns="" w="9525">
                   <a:solidFill>
                     <a:srgbClr val="000000"/>
                   </a:solidFill>
@@ -1615,7 +1615,7 @@
             </a:ln>
             <a:extLst>
               <a:ext uri="{91240B29-F687-4f45-9708-019B960494DF}">
-                <a14:hiddenLine xmlns="" xmlns:a14="http://schemas.microsoft.com/office/drawing/2010/main" w="9525">
+                <a14:hiddenLine xmlns:a14="http://schemas.microsoft.com/office/drawing/2010/main" xmlns="" w="9525">
                   <a:solidFill>
                     <a:srgbClr val="000000"/>
                   </a:solidFill>
@@ -1705,7 +1705,7 @@
             </a:ln>
             <a:extLst>
               <a:ext uri="{91240B29-F687-4f45-9708-019B960494DF}">
-                <a14:hiddenLine xmlns="" xmlns:a14="http://schemas.microsoft.com/office/drawing/2010/main" w="9525">
+                <a14:hiddenLine xmlns:a14="http://schemas.microsoft.com/office/drawing/2010/main" xmlns="" w="9525">
                   <a:solidFill>
                     <a:srgbClr val="000000"/>
                   </a:solidFill>
@@ -1761,7 +1761,7 @@
             </a:ln>
             <a:extLst>
               <a:ext uri="{91240B29-F687-4f45-9708-019B960494DF}">
-                <a14:hiddenLine xmlns="" xmlns:a14="http://schemas.microsoft.com/office/drawing/2010/main" w="9525">
+                <a14:hiddenLine xmlns:a14="http://schemas.microsoft.com/office/drawing/2010/main" xmlns="" w="9525">
                   <a:solidFill>
                     <a:srgbClr val="000000"/>
                   </a:solidFill>
@@ -1851,7 +1851,7 @@
             </a:ln>
             <a:extLst>
               <a:ext uri="{91240B29-F687-4f45-9708-019B960494DF}">
-                <a14:hiddenLine xmlns="" xmlns:a14="http://schemas.microsoft.com/office/drawing/2010/main" w="9525">
+                <a14:hiddenLine xmlns:a14="http://schemas.microsoft.com/office/drawing/2010/main" xmlns="" w="9525">
                   <a:solidFill>
                     <a:srgbClr val="000000"/>
                   </a:solidFill>
@@ -1907,7 +1907,7 @@
             </a:ln>
             <a:extLst>
               <a:ext uri="{91240B29-F687-4f45-9708-019B960494DF}">
-                <a14:hiddenLine xmlns="" xmlns:a14="http://schemas.microsoft.com/office/drawing/2010/main" w="9525">
+                <a14:hiddenLine xmlns:a14="http://schemas.microsoft.com/office/drawing/2010/main" xmlns="" w="9525">
                   <a:solidFill>
                     <a:srgbClr val="000000"/>
                   </a:solidFill>
@@ -1997,7 +1997,7 @@
             </a:ln>
             <a:extLst>
               <a:ext uri="{91240B29-F687-4f45-9708-019B960494DF}">
-                <a14:hiddenLine xmlns="" xmlns:a14="http://schemas.microsoft.com/office/drawing/2010/main" w="9525">
+                <a14:hiddenLine xmlns:a14="http://schemas.microsoft.com/office/drawing/2010/main" xmlns="" w="9525">
                   <a:solidFill>
                     <a:srgbClr val="000000"/>
                   </a:solidFill>
@@ -2065,7 +2065,7 @@
             </a:ln>
             <a:extLst>
               <a:ext uri="{91240B29-F687-4f45-9708-019B960494DF}">
-                <a14:hiddenLine xmlns="" xmlns:a14="http://schemas.microsoft.com/office/drawing/2010/main" w="9525">
+                <a14:hiddenLine xmlns:a14="http://schemas.microsoft.com/office/drawing/2010/main" xmlns="" w="9525">
                   <a:solidFill>
                     <a:srgbClr val="000000"/>
                   </a:solidFill>
@@ -2155,7 +2155,7 @@
             </a:ln>
             <a:extLst>
               <a:ext uri="{91240B29-F687-4f45-9708-019B960494DF}">
-                <a14:hiddenLine xmlns="" xmlns:a14="http://schemas.microsoft.com/office/drawing/2010/main" w="9525">
+                <a14:hiddenLine xmlns:a14="http://schemas.microsoft.com/office/drawing/2010/main" xmlns="" w="9525">
                   <a:solidFill>
                     <a:srgbClr val="000000"/>
                   </a:solidFill>
@@ -2223,7 +2223,7 @@
             </a:ln>
             <a:extLst>
               <a:ext uri="{91240B29-F687-4f45-9708-019B960494DF}">
-                <a14:hiddenLine xmlns="" xmlns:a14="http://schemas.microsoft.com/office/drawing/2010/main" w="9525">
+                <a14:hiddenLine xmlns:a14="http://schemas.microsoft.com/office/drawing/2010/main" xmlns="" w="9525">
                   <a:solidFill>
                     <a:srgbClr val="000000"/>
                   </a:solidFill>
@@ -2313,7 +2313,7 @@
             </a:ln>
             <a:extLst>
               <a:ext uri="{91240B29-F687-4f45-9708-019B960494DF}">
-                <a14:hiddenLine xmlns="" xmlns:a14="http://schemas.microsoft.com/office/drawing/2010/main" w="9525">
+                <a14:hiddenLine xmlns:a14="http://schemas.microsoft.com/office/drawing/2010/main" xmlns="" w="9525">
                   <a:solidFill>
                     <a:srgbClr val="000000"/>
                   </a:solidFill>
@@ -2347,7 +2347,7 @@
             </a:ln>
             <a:extLst>
               <a:ext uri="{91240B29-F687-4f45-9708-019B960494DF}">
-                <a14:hiddenLine xmlns="" xmlns:a14="http://schemas.microsoft.com/office/drawing/2010/main" w="9525">
+                <a14:hiddenLine xmlns:a14="http://schemas.microsoft.com/office/drawing/2010/main" xmlns="" w="9525">
                   <a:solidFill>
                     <a:srgbClr val="000000"/>
                   </a:solidFill>
@@ -2437,7 +2437,7 @@
             </a:ln>
             <a:extLst>
               <a:ext uri="{91240B29-F687-4f45-9708-019B960494DF}">
-                <a14:hiddenLine xmlns="" xmlns:a14="http://schemas.microsoft.com/office/drawing/2010/main" w="9525">
+                <a14:hiddenLine xmlns:a14="http://schemas.microsoft.com/office/drawing/2010/main" xmlns="" w="9525">
                   <a:solidFill>
                     <a:srgbClr val="000000"/>
                   </a:solidFill>
@@ -2499,7 +2499,7 @@
             </a:ln>
             <a:extLst>
               <a:ext uri="{91240B29-F687-4f45-9708-019B960494DF}">
-                <a14:hiddenLine xmlns="" xmlns:a14="http://schemas.microsoft.com/office/drawing/2010/main" w="9525">
+                <a14:hiddenLine xmlns:a14="http://schemas.microsoft.com/office/drawing/2010/main" xmlns="" w="9525">
                   <a:solidFill>
                     <a:srgbClr val="000000"/>
                   </a:solidFill>
@@ -2561,7 +2561,7 @@
             </a:ln>
             <a:extLst>
               <a:ext uri="{91240B29-F687-4f45-9708-019B960494DF}">
-                <a14:hiddenLine xmlns="" xmlns:a14="http://schemas.microsoft.com/office/drawing/2010/main" w="9525">
+                <a14:hiddenLine xmlns:a14="http://schemas.microsoft.com/office/drawing/2010/main" xmlns="" w="9525">
                   <a:solidFill>
                     <a:srgbClr val="000000"/>
                   </a:solidFill>
@@ -2651,7 +2651,7 @@
             </a:ln>
             <a:extLst>
               <a:ext uri="{91240B29-F687-4f45-9708-019B960494DF}">
-                <a14:hiddenLine xmlns="" xmlns:a14="http://schemas.microsoft.com/office/drawing/2010/main" w="9525">
+                <a14:hiddenLine xmlns:a14="http://schemas.microsoft.com/office/drawing/2010/main" xmlns="" w="9525">
                   <a:solidFill>
                     <a:srgbClr val="000000"/>
                   </a:solidFill>
@@ -2719,7 +2719,7 @@
             </a:ln>
             <a:extLst>
               <a:ext uri="{91240B29-F687-4f45-9708-019B960494DF}">
-                <a14:hiddenLine xmlns="" xmlns:a14="http://schemas.microsoft.com/office/drawing/2010/main" w="9525">
+                <a14:hiddenLine xmlns:a14="http://schemas.microsoft.com/office/drawing/2010/main" xmlns="" w="9525">
                   <a:solidFill>
                     <a:srgbClr val="000000"/>
                   </a:solidFill>
@@ -2781,7 +2781,7 @@
             </a:ln>
             <a:extLst>
               <a:ext uri="{91240B29-F687-4f45-9708-019B960494DF}">
-                <a14:hiddenLine xmlns="" xmlns:a14="http://schemas.microsoft.com/office/drawing/2010/main" w="9525">
+                <a14:hiddenLine xmlns:a14="http://schemas.microsoft.com/office/drawing/2010/main" xmlns="" w="9525">
                   <a:solidFill>
                     <a:srgbClr val="000000"/>
                   </a:solidFill>
@@ -2871,7 +2871,7 @@
             </a:ln>
             <a:extLst>
               <a:ext uri="{91240B29-F687-4f45-9708-019B960494DF}">
-                <a14:hiddenLine xmlns="" xmlns:a14="http://schemas.microsoft.com/office/drawing/2010/main" w="9525">
+                <a14:hiddenLine xmlns:a14="http://schemas.microsoft.com/office/drawing/2010/main" xmlns="" w="9525">
                   <a:solidFill>
                     <a:srgbClr val="000000"/>
                   </a:solidFill>
@@ -2933,7 +2933,7 @@
             </a:ln>
             <a:extLst>
               <a:ext uri="{91240B29-F687-4f45-9708-019B960494DF}">
-                <a14:hiddenLine xmlns="" xmlns:a14="http://schemas.microsoft.com/office/drawing/2010/main" w="9525">
+                <a14:hiddenLine xmlns:a14="http://schemas.microsoft.com/office/drawing/2010/main" xmlns="" w="9525">
                   <a:solidFill>
                     <a:srgbClr val="000000"/>
                   </a:solidFill>
@@ -3023,7 +3023,7 @@
             </a:ln>
             <a:extLst>
               <a:ext uri="{91240B29-F687-4f45-9708-019B960494DF}">
-                <a14:hiddenLine xmlns="" xmlns:a14="http://schemas.microsoft.com/office/drawing/2010/main" w="9525">
+                <a14:hiddenLine xmlns:a14="http://schemas.microsoft.com/office/drawing/2010/main" xmlns="" w="9525">
                   <a:solidFill>
                     <a:srgbClr val="000000"/>
                   </a:solidFill>
@@ -3085,7 +3085,7 @@
             </a:ln>
             <a:extLst>
               <a:ext uri="{91240B29-F687-4f45-9708-019B960494DF}">
-                <a14:hiddenLine xmlns="" xmlns:a14="http://schemas.microsoft.com/office/drawing/2010/main" w="9525">
+                <a14:hiddenLine xmlns:a14="http://schemas.microsoft.com/office/drawing/2010/main" xmlns="" w="9525">
                   <a:solidFill>
                     <a:srgbClr val="000000"/>
                   </a:solidFill>
@@ -3175,7 +3175,7 @@
             </a:ln>
             <a:extLst>
               <a:ext uri="{91240B29-F687-4f45-9708-019B960494DF}">
-                <a14:hiddenLine xmlns="" xmlns:a14="http://schemas.microsoft.com/office/drawing/2010/main" w="9525">
+                <a14:hiddenLine xmlns:a14="http://schemas.microsoft.com/office/drawing/2010/main" xmlns="" w="9525">
                   <a:solidFill>
                     <a:srgbClr val="000000"/>
                   </a:solidFill>
@@ -3209,7 +3209,7 @@
             </a:ln>
             <a:extLst>
               <a:ext uri="{91240B29-F687-4f45-9708-019B960494DF}">
-                <a14:hiddenLine xmlns="" xmlns:a14="http://schemas.microsoft.com/office/drawing/2010/main" w="9525">
+                <a14:hiddenLine xmlns:a14="http://schemas.microsoft.com/office/drawing/2010/main" xmlns="" w="9525">
                   <a:solidFill>
                     <a:srgbClr val="000000"/>
                   </a:solidFill>
@@ -3274,7 +3274,7 @@
             </a:ln>
             <a:extLst>
               <a:ext uri="{91240B29-F687-4f45-9708-019B960494DF}">
-                <a14:hiddenLine xmlns="" xmlns:a14="http://schemas.microsoft.com/office/drawing/2010/main" w="9525">
+                <a14:hiddenLine xmlns:a14="http://schemas.microsoft.com/office/drawing/2010/main" xmlns="" w="9525">
                   <a:solidFill>
                     <a:srgbClr val="000000"/>
                   </a:solidFill>
@@ -3364,7 +3364,7 @@
             </a:ln>
             <a:extLst>
               <a:ext uri="{91240B29-F687-4f45-9708-019B960494DF}">
-                <a14:hiddenLine xmlns="" xmlns:a14="http://schemas.microsoft.com/office/drawing/2010/main" w="9525">
+                <a14:hiddenLine xmlns:a14="http://schemas.microsoft.com/office/drawing/2010/main" xmlns="" w="9525">
                   <a:solidFill>
                     <a:srgbClr val="000000"/>
                   </a:solidFill>
@@ -3426,7 +3426,7 @@
             </a:ln>
             <a:extLst>
               <a:ext uri="{91240B29-F687-4f45-9708-019B960494DF}">
-                <a14:hiddenLine xmlns="" xmlns:a14="http://schemas.microsoft.com/office/drawing/2010/main" w="9525">
+                <a14:hiddenLine xmlns:a14="http://schemas.microsoft.com/office/drawing/2010/main" xmlns="" w="9525">
                   <a:solidFill>
                     <a:srgbClr val="000000"/>
                   </a:solidFill>
@@ -3516,7 +3516,7 @@
             </a:ln>
             <a:extLst>
               <a:ext uri="{91240B29-F687-4f45-9708-019B960494DF}">
-                <a14:hiddenLine xmlns="" xmlns:a14="http://schemas.microsoft.com/office/drawing/2010/main" w="9525">
+                <a14:hiddenLine xmlns:a14="http://schemas.microsoft.com/office/drawing/2010/main" xmlns="" w="9525">
                   <a:solidFill>
                     <a:srgbClr val="000000"/>
                   </a:solidFill>
@@ -3606,7 +3606,7 @@
             </a:ln>
             <a:extLst>
               <a:ext uri="{91240B29-F687-4f45-9708-019B960494DF}">
-                <a14:hiddenLine xmlns="" xmlns:a14="http://schemas.microsoft.com/office/drawing/2010/main" w="9525">
+                <a14:hiddenLine xmlns:a14="http://schemas.microsoft.com/office/drawing/2010/main" xmlns="" w="9525">
                   <a:solidFill>
                     <a:srgbClr val="000000"/>
                   </a:solidFill>
@@ -3671,7 +3671,7 @@
             </a:ln>
             <a:extLst>
               <a:ext uri="{91240B29-F687-4f45-9708-019B960494DF}">
-                <a14:hiddenLine xmlns="" xmlns:a14="http://schemas.microsoft.com/office/drawing/2010/main" w="9525">
+                <a14:hiddenLine xmlns:a14="http://schemas.microsoft.com/office/drawing/2010/main" xmlns="" w="9525">
                   <a:solidFill>
                     <a:srgbClr val="000000"/>
                   </a:solidFill>
@@ -3733,7 +3733,7 @@
             </a:ln>
             <a:extLst>
               <a:ext uri="{91240B29-F687-4f45-9708-019B960494DF}">
-                <a14:hiddenLine xmlns="" xmlns:a14="http://schemas.microsoft.com/office/drawing/2010/main" w="9525">
+                <a14:hiddenLine xmlns:a14="http://schemas.microsoft.com/office/drawing/2010/main" xmlns="" w="9525">
                   <a:solidFill>
                     <a:srgbClr val="000000"/>
                   </a:solidFill>
@@ -3823,7 +3823,7 @@
             </a:ln>
             <a:extLst>
               <a:ext uri="{91240B29-F687-4f45-9708-019B960494DF}">
-                <a14:hiddenLine xmlns="" xmlns:a14="http://schemas.microsoft.com/office/drawing/2010/main" w="9525">
+                <a14:hiddenLine xmlns:a14="http://schemas.microsoft.com/office/drawing/2010/main" xmlns="" w="9525">
                   <a:solidFill>
                     <a:srgbClr val="000000"/>
                   </a:solidFill>
@@ -3913,7 +3913,7 @@
             </a:ln>
             <a:extLst>
               <a:ext uri="{91240B29-F687-4f45-9708-019B960494DF}">
-                <a14:hiddenLine xmlns="" xmlns:a14="http://schemas.microsoft.com/office/drawing/2010/main" w="9525">
+                <a14:hiddenLine xmlns:a14="http://schemas.microsoft.com/office/drawing/2010/main" xmlns="" w="9525">
                   <a:solidFill>
                     <a:srgbClr val="000000"/>
                   </a:solidFill>
@@ -3975,7 +3975,7 @@
             </a:ln>
             <a:extLst>
               <a:ext uri="{91240B29-F687-4f45-9708-019B960494DF}">
-                <a14:hiddenLine xmlns="" xmlns:a14="http://schemas.microsoft.com/office/drawing/2010/main" w="9525">
+                <a14:hiddenLine xmlns:a14="http://schemas.microsoft.com/office/drawing/2010/main" xmlns="" w="9525">
                   <a:solidFill>
                     <a:srgbClr val="000000"/>
                   </a:solidFill>
@@ -4095,7 +4095,7 @@
             </a:ln>
             <a:extLst>
               <a:ext uri="{91240B29-F687-4f45-9708-019B960494DF}">
-                <a14:hiddenLine xmlns="" xmlns:a14="http://schemas.microsoft.com/office/drawing/2010/main" w="9525">
+                <a14:hiddenLine xmlns:a14="http://schemas.microsoft.com/office/drawing/2010/main" xmlns="" w="9525">
                   <a:solidFill>
                     <a:srgbClr val="000000"/>
                   </a:solidFill>
@@ -4163,7 +4163,7 @@
             </a:ln>
             <a:extLst>
               <a:ext uri="{91240B29-F687-4f45-9708-019B960494DF}">
-                <a14:hiddenLine xmlns="" xmlns:a14="http://schemas.microsoft.com/office/drawing/2010/main" w="9525">
+                <a14:hiddenLine xmlns:a14="http://schemas.microsoft.com/office/drawing/2010/main" xmlns="" w="9525">
                   <a:solidFill>
                     <a:srgbClr val="000000"/>
                   </a:solidFill>
@@ -4253,7 +4253,7 @@
             </a:ln>
             <a:extLst>
               <a:ext uri="{91240B29-F687-4f45-9708-019B960494DF}">
-                <a14:hiddenLine xmlns="" xmlns:a14="http://schemas.microsoft.com/office/drawing/2010/main" w="9525">
+                <a14:hiddenLine xmlns:a14="http://schemas.microsoft.com/office/drawing/2010/main" xmlns="" w="9525">
                   <a:solidFill>
                     <a:srgbClr val="000000"/>
                   </a:solidFill>
@@ -4393,7 +4393,7 @@
           <a:p>
             <a:fld id="{48A87A34-81AB-432B-8DAE-1953F412C126}" type="datetimeFigureOut">
               <a:rPr lang="en-US" dirty="0"/>
-              <a:t>7/16/2022</a:t>
+              <a:t>7/19/2022</a:t>
             </a:fld>
             <a:endParaRPr lang="en-US" dirty="0"/>
           </a:p>
@@ -4655,7 +4655,7 @@
           <a:p>
             <a:fld id="{48A87A34-81AB-432B-8DAE-1953F412C126}" type="datetimeFigureOut">
               <a:rPr lang="en-US" dirty="0"/>
-              <a:t>7/16/2022</a:t>
+              <a:t>7/19/2022</a:t>
             </a:fld>
             <a:endParaRPr lang="en-US" dirty="0"/>
           </a:p>
@@ -4846,7 +4846,7 @@
           <a:p>
             <a:fld id="{48A87A34-81AB-432B-8DAE-1953F412C126}" type="datetimeFigureOut">
               <a:rPr lang="en-US" dirty="0"/>
-              <a:t>7/16/2022</a:t>
+              <a:t>7/19/2022</a:t>
             </a:fld>
             <a:endParaRPr lang="en-US" dirty="0"/>
           </a:p>
@@ -5104,7 +5104,7 @@
           <a:p>
             <a:fld id="{48A87A34-81AB-432B-8DAE-1953F412C126}" type="datetimeFigureOut">
               <a:rPr lang="en-US" dirty="0"/>
-              <a:t>7/16/2022</a:t>
+              <a:t>7/19/2022</a:t>
             </a:fld>
             <a:endParaRPr lang="en-US" dirty="0"/>
           </a:p>
@@ -5533,7 +5533,7 @@
           <a:p>
             <a:fld id="{48A87A34-81AB-432B-8DAE-1953F412C126}" type="datetimeFigureOut">
               <a:rPr lang="en-US" dirty="0"/>
-              <a:t>7/16/2022</a:t>
+              <a:t>7/19/2022</a:t>
             </a:fld>
             <a:endParaRPr lang="en-US" dirty="0"/>
           </a:p>
@@ -6074,7 +6074,7 @@
           <a:p>
             <a:fld id="{48A87A34-81AB-432B-8DAE-1953F412C126}" type="datetimeFigureOut">
               <a:rPr lang="en-US" dirty="0"/>
-              <a:t>7/16/2022</a:t>
+              <a:t>7/19/2022</a:t>
             </a:fld>
             <a:endParaRPr lang="en-US" dirty="0"/>
           </a:p>
@@ -6789,7 +6789,7 @@
           <a:p>
             <a:fld id="{48A87A34-81AB-432B-8DAE-1953F412C126}" type="datetimeFigureOut">
               <a:rPr lang="en-US" dirty="0"/>
-              <a:t>7/16/2022</a:t>
+              <a:t>7/19/2022</a:t>
             </a:fld>
             <a:endParaRPr lang="en-US" dirty="0"/>
           </a:p>
@@ -6954,7 +6954,7 @@
           <a:p>
             <a:fld id="{48A87A34-81AB-432B-8DAE-1953F412C126}" type="datetimeFigureOut">
               <a:rPr lang="en-US" dirty="0"/>
-              <a:t>7/16/2022</a:t>
+              <a:t>7/19/2022</a:t>
             </a:fld>
             <a:endParaRPr lang="en-US" dirty="0"/>
           </a:p>
@@ -7129,7 +7129,7 @@
           <a:p>
             <a:fld id="{48A87A34-81AB-432B-8DAE-1953F412C126}" type="datetimeFigureOut">
               <a:rPr lang="en-US" dirty="0"/>
-              <a:t>7/16/2022</a:t>
+              <a:t>7/19/2022</a:t>
             </a:fld>
             <a:endParaRPr lang="en-US" dirty="0"/>
           </a:p>
@@ -7294,7 +7294,7 @@
           <a:p>
             <a:fld id="{48A87A34-81AB-432B-8DAE-1953F412C126}" type="datetimeFigureOut">
               <a:rPr lang="en-US" dirty="0"/>
-              <a:t>7/16/2022</a:t>
+              <a:t>7/19/2022</a:t>
             </a:fld>
             <a:endParaRPr lang="en-US" dirty="0"/>
           </a:p>
@@ -7539,7 +7539,7 @@
           <a:p>
             <a:fld id="{48A87A34-81AB-432B-8DAE-1953F412C126}" type="datetimeFigureOut">
               <a:rPr lang="en-US" dirty="0"/>
-              <a:t>7/16/2022</a:t>
+              <a:t>7/19/2022</a:t>
             </a:fld>
             <a:endParaRPr lang="en-US" dirty="0"/>
           </a:p>
@@ -7766,7 +7766,7 @@
           <a:p>
             <a:fld id="{48A87A34-81AB-432B-8DAE-1953F412C126}" type="datetimeFigureOut">
               <a:rPr lang="en-US" dirty="0"/>
-              <a:t>7/16/2022</a:t>
+              <a:t>7/19/2022</a:t>
             </a:fld>
             <a:endParaRPr lang="en-US" dirty="0"/>
           </a:p>
@@ -8142,7 +8142,7 @@
           <a:p>
             <a:fld id="{48A87A34-81AB-432B-8DAE-1953F412C126}" type="datetimeFigureOut">
               <a:rPr lang="en-US" dirty="0"/>
-              <a:t>7/16/2022</a:t>
+              <a:t>7/19/2022</a:t>
             </a:fld>
             <a:endParaRPr lang="en-US" dirty="0"/>
           </a:p>
@@ -8255,7 +8255,7 @@
           <a:p>
             <a:fld id="{48A87A34-81AB-432B-8DAE-1953F412C126}" type="datetimeFigureOut">
               <a:rPr lang="en-US" dirty="0"/>
-              <a:t>7/16/2022</a:t>
+              <a:t>7/19/2022</a:t>
             </a:fld>
             <a:endParaRPr lang="en-US" dirty="0"/>
           </a:p>
@@ -8345,7 +8345,7 @@
           <a:p>
             <a:fld id="{48A87A34-81AB-432B-8DAE-1953F412C126}" type="datetimeFigureOut">
               <a:rPr lang="en-US" dirty="0"/>
-              <a:t>7/16/2022</a:t>
+              <a:t>7/19/2022</a:t>
             </a:fld>
             <a:endParaRPr lang="en-US" dirty="0"/>
           </a:p>
@@ -8589,7 +8589,7 @@
           <a:p>
             <a:fld id="{48A87A34-81AB-432B-8DAE-1953F412C126}" type="datetimeFigureOut">
               <a:rPr lang="en-US" dirty="0"/>
-              <a:t>7/16/2022</a:t>
+              <a:t>7/19/2022</a:t>
             </a:fld>
             <a:endParaRPr lang="en-US" dirty="0"/>
           </a:p>
@@ -8864,7 +8864,7 @@
           <a:p>
             <a:fld id="{48A87A34-81AB-432B-8DAE-1953F412C126}" type="datetimeFigureOut">
               <a:rPr lang="en-US" dirty="0"/>
-              <a:t>7/16/2022</a:t>
+              <a:t>7/19/2022</a:t>
             </a:fld>
             <a:endParaRPr lang="en-US" dirty="0"/>
           </a:p>
@@ -8975,7 +8975,7 @@
           <a:noFill/>
           <a:extLst>
             <a:ext uri="{909E8E84-426E-40dd-AFC4-6F175D3DCCD1}">
-              <a14:hiddenFill xmlns="" xmlns:a14="http://schemas.microsoft.com/office/drawing/2010/main">
+              <a14:hiddenFill xmlns:a14="http://schemas.microsoft.com/office/drawing/2010/main" xmlns="">
                 <a:solidFill>
                   <a:srgbClr val="FFFFFF"/>
                 </a:solidFill>
@@ -9049,7 +9049,7 @@
               </a:ln>
               <a:extLst>
                 <a:ext uri="{91240B29-F687-4f45-9708-019B960494DF}">
-                  <a14:hiddenLine xmlns="" xmlns:a14="http://schemas.microsoft.com/office/drawing/2010/main" w="9525">
+                  <a14:hiddenLine xmlns:a14="http://schemas.microsoft.com/office/drawing/2010/main" xmlns="" w="9525">
                     <a:solidFill>
                       <a:srgbClr val="000000"/>
                     </a:solidFill>
@@ -9139,7 +9139,7 @@
               </a:ln>
               <a:extLst>
                 <a:ext uri="{91240B29-F687-4f45-9708-019B960494DF}">
-                  <a14:hiddenLine xmlns="" xmlns:a14="http://schemas.microsoft.com/office/drawing/2010/main" w="9525">
+                  <a14:hiddenLine xmlns:a14="http://schemas.microsoft.com/office/drawing/2010/main" xmlns="" w="9525">
                     <a:solidFill>
                       <a:srgbClr val="000000"/>
                     </a:solidFill>
@@ -9229,7 +9229,7 @@
               </a:ln>
               <a:extLst>
                 <a:ext uri="{91240B29-F687-4f45-9708-019B960494DF}">
-                  <a14:hiddenLine xmlns="" xmlns:a14="http://schemas.microsoft.com/office/drawing/2010/main" w="9525">
+                  <a14:hiddenLine xmlns:a14="http://schemas.microsoft.com/office/drawing/2010/main" xmlns="" w="9525">
                     <a:solidFill>
                       <a:srgbClr val="000000"/>
                     </a:solidFill>
@@ -9291,7 +9291,7 @@
               </a:ln>
               <a:extLst>
                 <a:ext uri="{91240B29-F687-4f45-9708-019B960494DF}">
-                  <a14:hiddenLine xmlns="" xmlns:a14="http://schemas.microsoft.com/office/drawing/2010/main" w="9525">
+                  <a14:hiddenLine xmlns:a14="http://schemas.microsoft.com/office/drawing/2010/main" xmlns="" w="9525">
                     <a:solidFill>
                       <a:srgbClr val="000000"/>
                     </a:solidFill>
@@ -9381,7 +9381,7 @@
               </a:ln>
               <a:extLst>
                 <a:ext uri="{91240B29-F687-4f45-9708-019B960494DF}">
-                  <a14:hiddenLine xmlns="" xmlns:a14="http://schemas.microsoft.com/office/drawing/2010/main" w="9525">
+                  <a14:hiddenLine xmlns:a14="http://schemas.microsoft.com/office/drawing/2010/main" xmlns="" w="9525">
                     <a:solidFill>
                       <a:srgbClr val="000000"/>
                     </a:solidFill>
@@ -9443,7 +9443,7 @@
               </a:ln>
               <a:extLst>
                 <a:ext uri="{91240B29-F687-4f45-9708-019B960494DF}">
-                  <a14:hiddenLine xmlns="" xmlns:a14="http://schemas.microsoft.com/office/drawing/2010/main" w="9525">
+                  <a14:hiddenLine xmlns:a14="http://schemas.microsoft.com/office/drawing/2010/main" xmlns="" w="9525">
                     <a:solidFill>
                       <a:srgbClr val="000000"/>
                     </a:solidFill>
@@ -9505,7 +9505,7 @@
               </a:ln>
               <a:extLst>
                 <a:ext uri="{91240B29-F687-4f45-9708-019B960494DF}">
-                  <a14:hiddenLine xmlns="" xmlns:a14="http://schemas.microsoft.com/office/drawing/2010/main" w="9525">
+                  <a14:hiddenLine xmlns:a14="http://schemas.microsoft.com/office/drawing/2010/main" xmlns="" w="9525">
                     <a:solidFill>
                       <a:srgbClr val="000000"/>
                     </a:solidFill>
@@ -9595,7 +9595,7 @@
               </a:ln>
               <a:extLst>
                 <a:ext uri="{91240B29-F687-4f45-9708-019B960494DF}">
-                  <a14:hiddenLine xmlns="" xmlns:a14="http://schemas.microsoft.com/office/drawing/2010/main" w="9525">
+                  <a14:hiddenLine xmlns:a14="http://schemas.microsoft.com/office/drawing/2010/main" xmlns="" w="9525">
                     <a:solidFill>
                       <a:srgbClr val="000000"/>
                     </a:solidFill>
@@ -9685,7 +9685,7 @@
               </a:ln>
               <a:extLst>
                 <a:ext uri="{91240B29-F687-4f45-9708-019B960494DF}">
-                  <a14:hiddenLine xmlns="" xmlns:a14="http://schemas.microsoft.com/office/drawing/2010/main" w="9525">
+                  <a14:hiddenLine xmlns:a14="http://schemas.microsoft.com/office/drawing/2010/main" xmlns="" w="9525">
                     <a:solidFill>
                       <a:srgbClr val="000000"/>
                     </a:solidFill>
@@ -9747,7 +9747,7 @@
               </a:ln>
               <a:extLst>
                 <a:ext uri="{91240B29-F687-4f45-9708-019B960494DF}">
-                  <a14:hiddenLine xmlns="" xmlns:a14="http://schemas.microsoft.com/office/drawing/2010/main" w="9525">
+                  <a14:hiddenLine xmlns:a14="http://schemas.microsoft.com/office/drawing/2010/main" xmlns="" w="9525">
                     <a:solidFill>
                       <a:srgbClr val="000000"/>
                     </a:solidFill>
@@ -9857,7 +9857,7 @@
               </a:ln>
               <a:extLst>
                 <a:ext uri="{91240B29-F687-4f45-9708-019B960494DF}">
-                  <a14:hiddenLine xmlns="" xmlns:a14="http://schemas.microsoft.com/office/drawing/2010/main" w="9525">
+                  <a14:hiddenLine xmlns:a14="http://schemas.microsoft.com/office/drawing/2010/main" xmlns="" w="9525">
                     <a:solidFill>
                       <a:srgbClr val="000000"/>
                     </a:solidFill>
@@ -9941,7 +9941,7 @@
               </a:ln>
               <a:extLst>
                 <a:ext uri="{91240B29-F687-4f45-9708-019B960494DF}">
-                  <a14:hiddenLine xmlns="" xmlns:a14="http://schemas.microsoft.com/office/drawing/2010/main" w="9525">
+                  <a14:hiddenLine xmlns:a14="http://schemas.microsoft.com/office/drawing/2010/main" xmlns="" w="9525">
                     <a:solidFill>
                       <a:srgbClr val="000000"/>
                     </a:solidFill>
@@ -10003,7 +10003,7 @@
               </a:ln>
               <a:extLst>
                 <a:ext uri="{91240B29-F687-4f45-9708-019B960494DF}">
-                  <a14:hiddenLine xmlns="" xmlns:a14="http://schemas.microsoft.com/office/drawing/2010/main" w="9525">
+                  <a14:hiddenLine xmlns:a14="http://schemas.microsoft.com/office/drawing/2010/main" xmlns="" w="9525">
                     <a:solidFill>
                       <a:srgbClr val="000000"/>
                     </a:solidFill>
@@ -10065,7 +10065,7 @@
               </a:ln>
               <a:extLst>
                 <a:ext uri="{91240B29-F687-4f45-9708-019B960494DF}">
-                  <a14:hiddenLine xmlns="" xmlns:a14="http://schemas.microsoft.com/office/drawing/2010/main" w="9525">
+                  <a14:hiddenLine xmlns:a14="http://schemas.microsoft.com/office/drawing/2010/main" xmlns="" w="9525">
                     <a:solidFill>
                       <a:srgbClr val="000000"/>
                     </a:solidFill>
@@ -10155,7 +10155,7 @@
               </a:ln>
               <a:extLst>
                 <a:ext uri="{91240B29-F687-4f45-9708-019B960494DF}">
-                  <a14:hiddenLine xmlns="" xmlns:a14="http://schemas.microsoft.com/office/drawing/2010/main" w="9525">
+                  <a14:hiddenLine xmlns:a14="http://schemas.microsoft.com/office/drawing/2010/main" xmlns="" w="9525">
                     <a:solidFill>
                       <a:srgbClr val="000000"/>
                     </a:solidFill>
@@ -10189,7 +10189,7 @@
               </a:ln>
               <a:extLst>
                 <a:ext uri="{91240B29-F687-4f45-9708-019B960494DF}">
-                  <a14:hiddenLine xmlns="" xmlns:a14="http://schemas.microsoft.com/office/drawing/2010/main" w="9525">
+                  <a14:hiddenLine xmlns:a14="http://schemas.microsoft.com/office/drawing/2010/main" xmlns="" w="9525">
                     <a:solidFill>
                       <a:srgbClr val="000000"/>
                     </a:solidFill>
@@ -10254,7 +10254,7 @@
               </a:ln>
               <a:extLst>
                 <a:ext uri="{91240B29-F687-4f45-9708-019B960494DF}">
-                  <a14:hiddenLine xmlns="" xmlns:a14="http://schemas.microsoft.com/office/drawing/2010/main" w="9525">
+                  <a14:hiddenLine xmlns:a14="http://schemas.microsoft.com/office/drawing/2010/main" xmlns="" w="9525">
                     <a:solidFill>
                       <a:srgbClr val="000000"/>
                     </a:solidFill>
@@ -10344,7 +10344,7 @@
               </a:ln>
               <a:extLst>
                 <a:ext uri="{91240B29-F687-4f45-9708-019B960494DF}">
-                  <a14:hiddenLine xmlns="" xmlns:a14="http://schemas.microsoft.com/office/drawing/2010/main" w="9525">
+                  <a14:hiddenLine xmlns:a14="http://schemas.microsoft.com/office/drawing/2010/main" xmlns="" w="9525">
                     <a:solidFill>
                       <a:srgbClr val="000000"/>
                     </a:solidFill>
@@ -10406,7 +10406,7 @@
               </a:ln>
               <a:extLst>
                 <a:ext uri="{91240B29-F687-4f45-9708-019B960494DF}">
-                  <a14:hiddenLine xmlns="" xmlns:a14="http://schemas.microsoft.com/office/drawing/2010/main" w="9525">
+                  <a14:hiddenLine xmlns:a14="http://schemas.microsoft.com/office/drawing/2010/main" xmlns="" w="9525">
                     <a:solidFill>
                       <a:srgbClr val="000000"/>
                     </a:solidFill>
@@ -10496,7 +10496,7 @@
               </a:ln>
               <a:extLst>
                 <a:ext uri="{91240B29-F687-4f45-9708-019B960494DF}">
-                  <a14:hiddenLine xmlns="" xmlns:a14="http://schemas.microsoft.com/office/drawing/2010/main" w="9525">
+                  <a14:hiddenLine xmlns:a14="http://schemas.microsoft.com/office/drawing/2010/main" xmlns="" w="9525">
                     <a:solidFill>
                       <a:srgbClr val="000000"/>
                     </a:solidFill>
@@ -10561,7 +10561,7 @@
               </a:ln>
               <a:extLst>
                 <a:ext uri="{91240B29-F687-4f45-9708-019B960494DF}">
-                  <a14:hiddenLine xmlns="" xmlns:a14="http://schemas.microsoft.com/office/drawing/2010/main" w="9525">
+                  <a14:hiddenLine xmlns:a14="http://schemas.microsoft.com/office/drawing/2010/main" xmlns="" w="9525">
                     <a:solidFill>
                       <a:srgbClr val="000000"/>
                     </a:solidFill>
@@ -10623,7 +10623,7 @@
               </a:ln>
               <a:extLst>
                 <a:ext uri="{91240B29-F687-4f45-9708-019B960494DF}">
-                  <a14:hiddenLine xmlns="" xmlns:a14="http://schemas.microsoft.com/office/drawing/2010/main" w="9525">
+                  <a14:hiddenLine xmlns:a14="http://schemas.microsoft.com/office/drawing/2010/main" xmlns="" w="9525">
                     <a:solidFill>
                       <a:srgbClr val="000000"/>
                     </a:solidFill>
@@ -10713,7 +10713,7 @@
               </a:ln>
               <a:extLst>
                 <a:ext uri="{91240B29-F687-4f45-9708-019B960494DF}">
-                  <a14:hiddenLine xmlns="" xmlns:a14="http://schemas.microsoft.com/office/drawing/2010/main" w="9525">
+                  <a14:hiddenLine xmlns:a14="http://schemas.microsoft.com/office/drawing/2010/main" xmlns="" w="9525">
                     <a:solidFill>
                       <a:srgbClr val="000000"/>
                     </a:solidFill>
@@ -10803,7 +10803,7 @@
               </a:ln>
               <a:extLst>
                 <a:ext uri="{91240B29-F687-4f45-9708-019B960494DF}">
-                  <a14:hiddenLine xmlns="" xmlns:a14="http://schemas.microsoft.com/office/drawing/2010/main" w="9525">
+                  <a14:hiddenLine xmlns:a14="http://schemas.microsoft.com/office/drawing/2010/main" xmlns="" w="9525">
                     <a:solidFill>
                       <a:srgbClr val="000000"/>
                     </a:solidFill>
@@ -10868,7 +10868,7 @@
               </a:ln>
               <a:extLst>
                 <a:ext uri="{91240B29-F687-4f45-9708-019B960494DF}">
-                  <a14:hiddenLine xmlns="" xmlns:a14="http://schemas.microsoft.com/office/drawing/2010/main" w="9525">
+                  <a14:hiddenLine xmlns:a14="http://schemas.microsoft.com/office/drawing/2010/main" xmlns="" w="9525">
                     <a:solidFill>
                       <a:srgbClr val="000000"/>
                     </a:solidFill>
@@ -10988,7 +10988,7 @@
               </a:ln>
               <a:extLst>
                 <a:ext uri="{91240B29-F687-4f45-9708-019B960494DF}">
-                  <a14:hiddenLine xmlns="" xmlns:a14="http://schemas.microsoft.com/office/drawing/2010/main" w="9525">
+                  <a14:hiddenLine xmlns:a14="http://schemas.microsoft.com/office/drawing/2010/main" xmlns="" w="9525">
                     <a:solidFill>
                       <a:srgbClr val="000000"/>
                     </a:solidFill>
@@ -11086,7 +11086,7 @@
               </a:ln>
               <a:extLst>
                 <a:ext uri="{91240B29-F687-4f45-9708-019B960494DF}">
-                  <a14:hiddenLine xmlns="" xmlns:a14="http://schemas.microsoft.com/office/drawing/2010/main" w="9525">
+                  <a14:hiddenLine xmlns:a14="http://schemas.microsoft.com/office/drawing/2010/main" xmlns="" w="9525">
                     <a:solidFill>
                       <a:srgbClr val="000000"/>
                     </a:solidFill>
@@ -11201,7 +11201,7 @@
               </a:ln>
               <a:extLst>
                 <a:ext uri="{91240B29-F687-4f45-9708-019B960494DF}">
-                  <a14:hiddenLine xmlns="" xmlns:a14="http://schemas.microsoft.com/office/drawing/2010/main" w="9525">
+                  <a14:hiddenLine xmlns:a14="http://schemas.microsoft.com/office/drawing/2010/main" xmlns="" w="9525">
                     <a:solidFill>
                       <a:srgbClr val="000000"/>
                     </a:solidFill>
@@ -11291,7 +11291,7 @@
               </a:ln>
               <a:extLst>
                 <a:ext uri="{91240B29-F687-4f45-9708-019B960494DF}">
-                  <a14:hiddenLine xmlns="" xmlns:a14="http://schemas.microsoft.com/office/drawing/2010/main" w="9525">
+                  <a14:hiddenLine xmlns:a14="http://schemas.microsoft.com/office/drawing/2010/main" xmlns="" w="9525">
                     <a:solidFill>
                       <a:srgbClr val="000000"/>
                     </a:solidFill>
@@ -11356,7 +11356,7 @@
               </a:ln>
               <a:extLst>
                 <a:ext uri="{91240B29-F687-4f45-9708-019B960494DF}">
-                  <a14:hiddenLine xmlns="" xmlns:a14="http://schemas.microsoft.com/office/drawing/2010/main" w="9525">
+                  <a14:hiddenLine xmlns:a14="http://schemas.microsoft.com/office/drawing/2010/main" xmlns="" w="9525">
                     <a:solidFill>
                       <a:srgbClr val="000000"/>
                     </a:solidFill>
@@ -11446,7 +11446,7 @@
               </a:ln>
               <a:extLst>
                 <a:ext uri="{91240B29-F687-4f45-9708-019B960494DF}">
-                  <a14:hiddenLine xmlns="" xmlns:a14="http://schemas.microsoft.com/office/drawing/2010/main" w="9525">
+                  <a14:hiddenLine xmlns:a14="http://schemas.microsoft.com/office/drawing/2010/main" xmlns="" w="9525">
                     <a:solidFill>
                       <a:srgbClr val="000000"/>
                     </a:solidFill>
@@ -11514,7 +11514,7 @@
               </a:ln>
               <a:extLst>
                 <a:ext uri="{91240B29-F687-4f45-9708-019B960494DF}">
-                  <a14:hiddenLine xmlns="" xmlns:a14="http://schemas.microsoft.com/office/drawing/2010/main" w="9525">
+                  <a14:hiddenLine xmlns:a14="http://schemas.microsoft.com/office/drawing/2010/main" xmlns="" w="9525">
                     <a:solidFill>
                       <a:srgbClr val="000000"/>
                     </a:solidFill>
@@ -11604,7 +11604,7 @@
               </a:ln>
               <a:extLst>
                 <a:ext uri="{91240B29-F687-4f45-9708-019B960494DF}">
-                  <a14:hiddenLine xmlns="" xmlns:a14="http://schemas.microsoft.com/office/drawing/2010/main" w="9525">
+                  <a14:hiddenLine xmlns:a14="http://schemas.microsoft.com/office/drawing/2010/main" xmlns="" w="9525">
                     <a:solidFill>
                       <a:srgbClr val="000000"/>
                     </a:solidFill>
@@ -11672,7 +11672,7 @@
               </a:ln>
               <a:extLst>
                 <a:ext uri="{91240B29-F687-4f45-9708-019B960494DF}">
-                  <a14:hiddenLine xmlns="" xmlns:a14="http://schemas.microsoft.com/office/drawing/2010/main" w="9525">
+                  <a14:hiddenLine xmlns:a14="http://schemas.microsoft.com/office/drawing/2010/main" xmlns="" w="9525">
                     <a:solidFill>
                       <a:srgbClr val="000000"/>
                     </a:solidFill>
@@ -11762,7 +11762,7 @@
               </a:ln>
               <a:extLst>
                 <a:ext uri="{91240B29-F687-4f45-9708-019B960494DF}">
-                  <a14:hiddenLine xmlns="" xmlns:a14="http://schemas.microsoft.com/office/drawing/2010/main" w="9525">
+                  <a14:hiddenLine xmlns:a14="http://schemas.microsoft.com/office/drawing/2010/main" xmlns="" w="9525">
                     <a:solidFill>
                       <a:srgbClr val="000000"/>
                     </a:solidFill>
@@ -11796,7 +11796,7 @@
               </a:ln>
               <a:extLst>
                 <a:ext uri="{91240B29-F687-4f45-9708-019B960494DF}">
-                  <a14:hiddenLine xmlns="" xmlns:a14="http://schemas.microsoft.com/office/drawing/2010/main" w="9525">
+                  <a14:hiddenLine xmlns:a14="http://schemas.microsoft.com/office/drawing/2010/main" xmlns="" w="9525">
                     <a:solidFill>
                       <a:srgbClr val="000000"/>
                     </a:solidFill>
@@ -11937,7 +11937,7 @@
             <a:fld id="{48A87A34-81AB-432B-8DAE-1953F412C126}" type="datetimeFigureOut">
               <a:rPr lang="en-US" dirty="0"/>
               <a:pPr/>
-              <a:t>7/16/2022</a:t>
+              <a:t>7/19/2022</a:t>
             </a:fld>
             <a:endParaRPr lang="en-US" dirty="0"/>
           </a:p>
@@ -12654,7 +12654,7 @@
         </p:nvSpPr>
         <p:spPr>
           <a:xfrm>
-            <a:off x="1141411" y="619126"/>
+            <a:off x="1066801" y="38501"/>
             <a:ext cx="9906000" cy="823913"/>
           </a:xfrm>
         </p:spPr>
@@ -12688,7 +12688,7 @@
         </p:nvSpPr>
         <p:spPr>
           <a:xfrm>
-            <a:off x="1141409" y="1566092"/>
+            <a:off x="1141410" y="619126"/>
             <a:ext cx="4878392" cy="823912"/>
           </a:xfrm>
         </p:spPr>
@@ -12721,13 +12721,13 @@
         </p:nvSpPr>
         <p:spPr>
           <a:xfrm>
-            <a:off x="1141410" y="2513057"/>
-            <a:ext cx="4878391" cy="3725817"/>
+            <a:off x="1066800" y="1443039"/>
+            <a:ext cx="4953001" cy="5236894"/>
           </a:xfrm>
         </p:spPr>
         <p:txBody>
           <a:bodyPr>
-            <a:normAutofit lnSpcReduction="10000"/>
+            <a:normAutofit fontScale="92500" lnSpcReduction="20000"/>
           </a:bodyPr>
           <a:lstStyle/>
           <a:p>
@@ -12751,7 +12751,7 @@
             </a:pPr>
             <a:r>
               <a:rPr lang="it-IT" dirty="0"/>
-              <a:t>Forum sulla linguistica</a:t>
+              <a:t>Cards (con bottoni) degli items</a:t>
             </a:r>
           </a:p>
           <a:p>
@@ -12762,8 +12762,12 @@
               <a:defRPr/>
             </a:pPr>
             <a:r>
+              <a:rPr lang="it-IT" dirty="0" err="1"/>
+              <a:t>Accordion</a:t>
+            </a:r>
+            <a:r>
               <a:rPr lang="it-IT" dirty="0"/>
-              <a:t>Catalogo</a:t>
+              <a:t> per la ricerca avanzata</a:t>
             </a:r>
           </a:p>
           <a:p>
@@ -12774,9 +12778,10 @@
               <a:defRPr/>
             </a:pPr>
             <a:r>
-              <a:rPr lang="it-IT" dirty="0"/>
-              <a:t>Off-canvas sugli autori</a:t>
-            </a:r>
+              <a:rPr lang="it-IT" dirty="0" err="1"/>
+              <a:t>Breadcrumbs</a:t>
+            </a:r>
+            <a:endParaRPr lang="it-IT" dirty="0"/>
           </a:p>
           <a:p>
             <a:pPr algn="just" fontAlgn="auto">
@@ -12787,28 +12792,25 @@
             </a:pPr>
             <a:r>
               <a:rPr lang="it-IT" dirty="0" err="1"/>
-              <a:t>Cirrus</a:t>
+              <a:t>Dropdown</a:t>
             </a:r>
             <a:r>
               <a:rPr lang="it-IT" dirty="0"/>
-              <a:t>, </a:t>
+              <a:t> e </a:t>
             </a:r>
             <a:r>
               <a:rPr lang="it-IT" dirty="0" err="1"/>
-              <a:t>terms</a:t>
+              <a:t>collapse</a:t>
             </a:r>
             <a:r>
               <a:rPr lang="it-IT" dirty="0"/>
-              <a:t> </a:t>
+              <a:t> in </a:t>
             </a:r>
             <a:r>
               <a:rPr lang="it-IT" dirty="0" err="1"/>
-              <a:t>berry</a:t>
-            </a:r>
-            <a:r>
-              <a:rPr lang="it-IT" dirty="0"/>
-              <a:t>, andamenti e sommario dei testi</a:t>
-            </a:r>
+              <a:t>aside</a:t>
+            </a:r>
+            <a:endParaRPr lang="it-IT" dirty="0"/>
           </a:p>
           <a:p>
             <a:pPr algn="just" fontAlgn="auto">
@@ -12818,8 +12820,98 @@
               <a:defRPr/>
             </a:pPr>
             <a:r>
+              <a:rPr lang="it-IT" dirty="0" err="1"/>
+              <a:t>Navbar</a:t>
+            </a:r>
+            <a:r>
               <a:rPr lang="it-IT" dirty="0"/>
-              <a:t>Analisi figure retoriche</a:t>
+              <a:t> e </a:t>
+            </a:r>
+            <a:r>
+              <a:rPr lang="it-IT" dirty="0" err="1"/>
+              <a:t>navs</a:t>
+            </a:r>
+            <a:r>
+              <a:rPr lang="it-IT" dirty="0"/>
+              <a:t> &amp; </a:t>
+            </a:r>
+            <a:r>
+              <a:rPr lang="it-IT" dirty="0" err="1"/>
+              <a:t>tabs</a:t>
+            </a:r>
+            <a:endParaRPr lang="it-IT" dirty="0"/>
+          </a:p>
+          <a:p>
+            <a:pPr algn="just" fontAlgn="auto">
+              <a:spcAft>
+                <a:spcPts val="0"/>
+              </a:spcAft>
+              <a:defRPr/>
+            </a:pPr>
+            <a:r>
+              <a:rPr lang="it-IT" dirty="0" err="1"/>
+              <a:t>Tooltips</a:t>
+            </a:r>
+            <a:r>
+              <a:rPr lang="it-IT" dirty="0"/>
+              <a:t> sui bottoni degli item</a:t>
+            </a:r>
+          </a:p>
+          <a:p>
+            <a:pPr algn="just" fontAlgn="auto">
+              <a:spcAft>
+                <a:spcPts val="0"/>
+              </a:spcAft>
+              <a:defRPr/>
+            </a:pPr>
+            <a:r>
+              <a:rPr lang="it-IT" dirty="0" err="1"/>
+              <a:t>Pagination</a:t>
+            </a:r>
+            <a:endParaRPr lang="it-IT" dirty="0"/>
+          </a:p>
+          <a:p>
+            <a:pPr algn="just" fontAlgn="auto">
+              <a:spcAft>
+                <a:spcPts val="0"/>
+              </a:spcAft>
+              <a:defRPr/>
+            </a:pPr>
+            <a:r>
+              <a:rPr lang="it-IT" dirty="0"/>
+              <a:t>Off-canvas sugli autori</a:t>
+            </a:r>
+          </a:p>
+          <a:p>
+            <a:pPr algn="just" fontAlgn="auto">
+              <a:spcAft>
+                <a:spcPts val="0"/>
+              </a:spcAft>
+              <a:defRPr/>
+            </a:pPr>
+            <a:r>
+              <a:rPr lang="it-IT" dirty="0" err="1"/>
+              <a:t>Cirrus</a:t>
+            </a:r>
+            <a:r>
+              <a:rPr lang="it-IT" dirty="0"/>
+              <a:t>, </a:t>
+            </a:r>
+            <a:r>
+              <a:rPr lang="it-IT" dirty="0" err="1"/>
+              <a:t>terms</a:t>
+            </a:r>
+            <a:r>
+              <a:rPr lang="it-IT" dirty="0"/>
+              <a:t> </a:t>
+            </a:r>
+            <a:r>
+              <a:rPr lang="it-IT" dirty="0" err="1"/>
+              <a:t>berry</a:t>
+            </a:r>
+            <a:r>
+              <a:rPr lang="it-IT" dirty="0"/>
+              <a:t>, andamenti e sommario dei testi</a:t>
             </a:r>
           </a:p>
         </p:txBody>
@@ -12842,7 +12934,7 @@
         </p:nvSpPr>
         <p:spPr>
           <a:xfrm>
-            <a:off x="6172200" y="1566092"/>
+            <a:off x="6057104" y="619126"/>
             <a:ext cx="4878392" cy="823912"/>
           </a:xfrm>
         </p:spPr>
@@ -12875,13 +12967,13 @@
         </p:nvSpPr>
         <p:spPr>
           <a:xfrm>
-            <a:off x="6173791" y="2513057"/>
+            <a:off x="6172200" y="1443038"/>
             <a:ext cx="4875210" cy="2289949"/>
           </a:xfrm>
         </p:spPr>
         <p:txBody>
           <a:bodyPr>
-            <a:normAutofit lnSpcReduction="10000"/>
+            <a:normAutofit fontScale="92500" lnSpcReduction="20000"/>
           </a:bodyPr>
           <a:lstStyle/>
           <a:p>
@@ -12948,8 +13040,8 @@
         </p:blipFill>
         <p:spPr>
           <a:xfrm>
-            <a:off x="6608268" y="4677878"/>
-            <a:ext cx="3164181" cy="1560996"/>
+            <a:off x="6384493" y="3732987"/>
+            <a:ext cx="4223614" cy="2083650"/>
           </a:xfrm>
           <a:prstGeom prst="rect">
             <a:avLst/>

--- a/powerpoint/siqilliyya2_definitivo.pptx
+++ b/powerpoint/siqilliyya2_definitivo.pptx
@@ -167,7 +167,7 @@
           <a:noFill/>
           <a:extLst>
             <a:ext uri="{909E8E84-426E-40dd-AFC4-6F175D3DCCD1}">
-              <a14:hiddenFill xmlns:a14="http://schemas.microsoft.com/office/drawing/2010/main" xmlns="">
+              <a14:hiddenFill xmlns="" xmlns:a14="http://schemas.microsoft.com/office/drawing/2010/main">
                 <a:solidFill>
                   <a:srgbClr val="FFFFFF"/>
                 </a:solidFill>
@@ -227,7 +227,7 @@
             </a:ln>
             <a:extLst>
               <a:ext uri="{91240B29-F687-4f45-9708-019B960494DF}">
-                <a14:hiddenLine xmlns:a14="http://schemas.microsoft.com/office/drawing/2010/main" xmlns="" w="9525">
+                <a14:hiddenLine xmlns="" xmlns:a14="http://schemas.microsoft.com/office/drawing/2010/main" w="9525">
                   <a:solidFill>
                     <a:srgbClr val="000000"/>
                   </a:solidFill>
@@ -317,7 +317,7 @@
             </a:ln>
             <a:extLst>
               <a:ext uri="{91240B29-F687-4f45-9708-019B960494DF}">
-                <a14:hiddenLine xmlns:a14="http://schemas.microsoft.com/office/drawing/2010/main" xmlns="" w="9525">
+                <a14:hiddenLine xmlns="" xmlns:a14="http://schemas.microsoft.com/office/drawing/2010/main" w="9525">
                   <a:solidFill>
                     <a:srgbClr val="000000"/>
                   </a:solidFill>
@@ -407,7 +407,7 @@
             </a:ln>
             <a:extLst>
               <a:ext uri="{91240B29-F687-4f45-9708-019B960494DF}">
-                <a14:hiddenLine xmlns:a14="http://schemas.microsoft.com/office/drawing/2010/main" xmlns="" w="9525">
+                <a14:hiddenLine xmlns="" xmlns:a14="http://schemas.microsoft.com/office/drawing/2010/main" w="9525">
                   <a:solidFill>
                     <a:srgbClr val="000000"/>
                   </a:solidFill>
@@ -441,7 +441,7 @@
             </a:ln>
             <a:extLst>
               <a:ext uri="{91240B29-F687-4f45-9708-019B960494DF}">
-                <a14:hiddenLine xmlns:a14="http://schemas.microsoft.com/office/drawing/2010/main" xmlns="" w="9525">
+                <a14:hiddenLine xmlns="" xmlns:a14="http://schemas.microsoft.com/office/drawing/2010/main" w="9525">
                   <a:solidFill>
                     <a:srgbClr val="000000"/>
                   </a:solidFill>
@@ -531,7 +531,7 @@
             </a:ln>
             <a:extLst>
               <a:ext uri="{91240B29-F687-4f45-9708-019B960494DF}">
-                <a14:hiddenLine xmlns:a14="http://schemas.microsoft.com/office/drawing/2010/main" xmlns="" w="9525">
+                <a14:hiddenLine xmlns="" xmlns:a14="http://schemas.microsoft.com/office/drawing/2010/main" w="9525">
                   <a:solidFill>
                     <a:srgbClr val="000000"/>
                   </a:solidFill>
@@ -593,7 +593,7 @@
             </a:ln>
             <a:extLst>
               <a:ext uri="{91240B29-F687-4f45-9708-019B960494DF}">
-                <a14:hiddenLine xmlns:a14="http://schemas.microsoft.com/office/drawing/2010/main" xmlns="" w="9525">
+                <a14:hiddenLine xmlns="" xmlns:a14="http://schemas.microsoft.com/office/drawing/2010/main" w="9525">
                   <a:solidFill>
                     <a:srgbClr val="000000"/>
                   </a:solidFill>
@@ -655,7 +655,7 @@
             </a:ln>
             <a:extLst>
               <a:ext uri="{91240B29-F687-4f45-9708-019B960494DF}">
-                <a14:hiddenLine xmlns:a14="http://schemas.microsoft.com/office/drawing/2010/main" xmlns="" w="9525">
+                <a14:hiddenLine xmlns="" xmlns:a14="http://schemas.microsoft.com/office/drawing/2010/main" w="9525">
                   <a:solidFill>
                     <a:srgbClr val="000000"/>
                   </a:solidFill>
@@ -745,7 +745,7 @@
             </a:ln>
             <a:extLst>
               <a:ext uri="{91240B29-F687-4f45-9708-019B960494DF}">
-                <a14:hiddenLine xmlns:a14="http://schemas.microsoft.com/office/drawing/2010/main" xmlns="" w="9525">
+                <a14:hiddenLine xmlns="" xmlns:a14="http://schemas.microsoft.com/office/drawing/2010/main" w="9525">
                   <a:solidFill>
                     <a:srgbClr val="000000"/>
                   </a:solidFill>
@@ -807,7 +807,7 @@
             </a:ln>
             <a:extLst>
               <a:ext uri="{91240B29-F687-4f45-9708-019B960494DF}">
-                <a14:hiddenLine xmlns:a14="http://schemas.microsoft.com/office/drawing/2010/main" xmlns="" w="9525">
+                <a14:hiddenLine xmlns="" xmlns:a14="http://schemas.microsoft.com/office/drawing/2010/main" w="9525">
                   <a:solidFill>
                     <a:srgbClr val="000000"/>
                   </a:solidFill>
@@ -869,7 +869,7 @@
             </a:ln>
             <a:extLst>
               <a:ext uri="{91240B29-F687-4f45-9708-019B960494DF}">
-                <a14:hiddenLine xmlns:a14="http://schemas.microsoft.com/office/drawing/2010/main" xmlns="" w="9525">
+                <a14:hiddenLine xmlns="" xmlns:a14="http://schemas.microsoft.com/office/drawing/2010/main" w="9525">
                   <a:solidFill>
                     <a:srgbClr val="000000"/>
                   </a:solidFill>
@@ -959,7 +959,7 @@
             </a:ln>
             <a:extLst>
               <a:ext uri="{91240B29-F687-4f45-9708-019B960494DF}">
-                <a14:hiddenLine xmlns:a14="http://schemas.microsoft.com/office/drawing/2010/main" xmlns="" w="9525">
+                <a14:hiddenLine xmlns="" xmlns:a14="http://schemas.microsoft.com/office/drawing/2010/main" w="9525">
                   <a:solidFill>
                     <a:srgbClr val="000000"/>
                   </a:solidFill>
@@ -1049,7 +1049,7 @@
             </a:ln>
             <a:extLst>
               <a:ext uri="{91240B29-F687-4f45-9708-019B960494DF}">
-                <a14:hiddenLine xmlns:a14="http://schemas.microsoft.com/office/drawing/2010/main" xmlns="" w="9525">
+                <a14:hiddenLine xmlns="" xmlns:a14="http://schemas.microsoft.com/office/drawing/2010/main" w="9525">
                   <a:solidFill>
                     <a:srgbClr val="000000"/>
                   </a:solidFill>
@@ -1111,7 +1111,7 @@
             </a:ln>
             <a:extLst>
               <a:ext uri="{91240B29-F687-4f45-9708-019B960494DF}">
-                <a14:hiddenLine xmlns:a14="http://schemas.microsoft.com/office/drawing/2010/main" xmlns="" w="9525">
+                <a14:hiddenLine xmlns="" xmlns:a14="http://schemas.microsoft.com/office/drawing/2010/main" w="9525">
                   <a:solidFill>
                     <a:srgbClr val="000000"/>
                   </a:solidFill>
@@ -1221,7 +1221,7 @@
             </a:ln>
             <a:extLst>
               <a:ext uri="{91240B29-F687-4f45-9708-019B960494DF}">
-                <a14:hiddenLine xmlns:a14="http://schemas.microsoft.com/office/drawing/2010/main" xmlns="" w="9525">
+                <a14:hiddenLine xmlns="" xmlns:a14="http://schemas.microsoft.com/office/drawing/2010/main" w="9525">
                   <a:solidFill>
                     <a:srgbClr val="000000"/>
                   </a:solidFill>
@@ -1283,7 +1283,7 @@
             </a:ln>
             <a:extLst>
               <a:ext uri="{91240B29-F687-4f45-9708-019B960494DF}">
-                <a14:hiddenLine xmlns:a14="http://schemas.microsoft.com/office/drawing/2010/main" xmlns="" w="9525">
+                <a14:hiddenLine xmlns="" xmlns:a14="http://schemas.microsoft.com/office/drawing/2010/main" w="9525">
                   <a:solidFill>
                     <a:srgbClr val="000000"/>
                   </a:solidFill>
@@ -1373,7 +1373,7 @@
             </a:ln>
             <a:extLst>
               <a:ext uri="{91240B29-F687-4f45-9708-019B960494DF}">
-                <a14:hiddenLine xmlns:a14="http://schemas.microsoft.com/office/drawing/2010/main" xmlns="" w="9525">
+                <a14:hiddenLine xmlns="" xmlns:a14="http://schemas.microsoft.com/office/drawing/2010/main" w="9525">
                   <a:solidFill>
                     <a:srgbClr val="000000"/>
                   </a:solidFill>
@@ -1463,7 +1463,7 @@
             </a:ln>
             <a:extLst>
               <a:ext uri="{91240B29-F687-4f45-9708-019B960494DF}">
-                <a14:hiddenLine xmlns:a14="http://schemas.microsoft.com/office/drawing/2010/main" xmlns="" w="9525">
+                <a14:hiddenLine xmlns="" xmlns:a14="http://schemas.microsoft.com/office/drawing/2010/main" w="9525">
                   <a:solidFill>
                     <a:srgbClr val="000000"/>
                   </a:solidFill>
@@ -1525,7 +1525,7 @@
             </a:ln>
             <a:extLst>
               <a:ext uri="{91240B29-F687-4f45-9708-019B960494DF}">
-                <a14:hiddenLine xmlns:a14="http://schemas.microsoft.com/office/drawing/2010/main" xmlns="" w="9525">
+                <a14:hiddenLine xmlns="" xmlns:a14="http://schemas.microsoft.com/office/drawing/2010/main" w="9525">
                   <a:solidFill>
                     <a:srgbClr val="000000"/>
                   </a:solidFill>
@@ -1615,7 +1615,7 @@
             </a:ln>
             <a:extLst>
               <a:ext uri="{91240B29-F687-4f45-9708-019B960494DF}">
-                <a14:hiddenLine xmlns:a14="http://schemas.microsoft.com/office/drawing/2010/main" xmlns="" w="9525">
+                <a14:hiddenLine xmlns="" xmlns:a14="http://schemas.microsoft.com/office/drawing/2010/main" w="9525">
                   <a:solidFill>
                     <a:srgbClr val="000000"/>
                   </a:solidFill>
@@ -1705,7 +1705,7 @@
             </a:ln>
             <a:extLst>
               <a:ext uri="{91240B29-F687-4f45-9708-019B960494DF}">
-                <a14:hiddenLine xmlns:a14="http://schemas.microsoft.com/office/drawing/2010/main" xmlns="" w="9525">
+                <a14:hiddenLine xmlns="" xmlns:a14="http://schemas.microsoft.com/office/drawing/2010/main" w="9525">
                   <a:solidFill>
                     <a:srgbClr val="000000"/>
                   </a:solidFill>
@@ -1761,7 +1761,7 @@
             </a:ln>
             <a:extLst>
               <a:ext uri="{91240B29-F687-4f45-9708-019B960494DF}">
-                <a14:hiddenLine xmlns:a14="http://schemas.microsoft.com/office/drawing/2010/main" xmlns="" w="9525">
+                <a14:hiddenLine xmlns="" xmlns:a14="http://schemas.microsoft.com/office/drawing/2010/main" w="9525">
                   <a:solidFill>
                     <a:srgbClr val="000000"/>
                   </a:solidFill>
@@ -1851,7 +1851,7 @@
             </a:ln>
             <a:extLst>
               <a:ext uri="{91240B29-F687-4f45-9708-019B960494DF}">
-                <a14:hiddenLine xmlns:a14="http://schemas.microsoft.com/office/drawing/2010/main" xmlns="" w="9525">
+                <a14:hiddenLine xmlns="" xmlns:a14="http://schemas.microsoft.com/office/drawing/2010/main" w="9525">
                   <a:solidFill>
                     <a:srgbClr val="000000"/>
                   </a:solidFill>
@@ -1907,7 +1907,7 @@
             </a:ln>
             <a:extLst>
               <a:ext uri="{91240B29-F687-4f45-9708-019B960494DF}">
-                <a14:hiddenLine xmlns:a14="http://schemas.microsoft.com/office/drawing/2010/main" xmlns="" w="9525">
+                <a14:hiddenLine xmlns="" xmlns:a14="http://schemas.microsoft.com/office/drawing/2010/main" w="9525">
                   <a:solidFill>
                     <a:srgbClr val="000000"/>
                   </a:solidFill>
@@ -1997,7 +1997,7 @@
             </a:ln>
             <a:extLst>
               <a:ext uri="{91240B29-F687-4f45-9708-019B960494DF}">
-                <a14:hiddenLine xmlns:a14="http://schemas.microsoft.com/office/drawing/2010/main" xmlns="" w="9525">
+                <a14:hiddenLine xmlns="" xmlns:a14="http://schemas.microsoft.com/office/drawing/2010/main" w="9525">
                   <a:solidFill>
                     <a:srgbClr val="000000"/>
                   </a:solidFill>
@@ -2065,7 +2065,7 @@
             </a:ln>
             <a:extLst>
               <a:ext uri="{91240B29-F687-4f45-9708-019B960494DF}">
-                <a14:hiddenLine xmlns:a14="http://schemas.microsoft.com/office/drawing/2010/main" xmlns="" w="9525">
+                <a14:hiddenLine xmlns="" xmlns:a14="http://schemas.microsoft.com/office/drawing/2010/main" w="9525">
                   <a:solidFill>
                     <a:srgbClr val="000000"/>
                   </a:solidFill>
@@ -2155,7 +2155,7 @@
             </a:ln>
             <a:extLst>
               <a:ext uri="{91240B29-F687-4f45-9708-019B960494DF}">
-                <a14:hiddenLine xmlns:a14="http://schemas.microsoft.com/office/drawing/2010/main" xmlns="" w="9525">
+                <a14:hiddenLine xmlns="" xmlns:a14="http://schemas.microsoft.com/office/drawing/2010/main" w="9525">
                   <a:solidFill>
                     <a:srgbClr val="000000"/>
                   </a:solidFill>
@@ -2223,7 +2223,7 @@
             </a:ln>
             <a:extLst>
               <a:ext uri="{91240B29-F687-4f45-9708-019B960494DF}">
-                <a14:hiddenLine xmlns:a14="http://schemas.microsoft.com/office/drawing/2010/main" xmlns="" w="9525">
+                <a14:hiddenLine xmlns="" xmlns:a14="http://schemas.microsoft.com/office/drawing/2010/main" w="9525">
                   <a:solidFill>
                     <a:srgbClr val="000000"/>
                   </a:solidFill>
@@ -2313,7 +2313,7 @@
             </a:ln>
             <a:extLst>
               <a:ext uri="{91240B29-F687-4f45-9708-019B960494DF}">
-                <a14:hiddenLine xmlns:a14="http://schemas.microsoft.com/office/drawing/2010/main" xmlns="" w="9525">
+                <a14:hiddenLine xmlns="" xmlns:a14="http://schemas.microsoft.com/office/drawing/2010/main" w="9525">
                   <a:solidFill>
                     <a:srgbClr val="000000"/>
                   </a:solidFill>
@@ -2347,7 +2347,7 @@
             </a:ln>
             <a:extLst>
               <a:ext uri="{91240B29-F687-4f45-9708-019B960494DF}">
-                <a14:hiddenLine xmlns:a14="http://schemas.microsoft.com/office/drawing/2010/main" xmlns="" w="9525">
+                <a14:hiddenLine xmlns="" xmlns:a14="http://schemas.microsoft.com/office/drawing/2010/main" w="9525">
                   <a:solidFill>
                     <a:srgbClr val="000000"/>
                   </a:solidFill>
@@ -2437,7 +2437,7 @@
             </a:ln>
             <a:extLst>
               <a:ext uri="{91240B29-F687-4f45-9708-019B960494DF}">
-                <a14:hiddenLine xmlns:a14="http://schemas.microsoft.com/office/drawing/2010/main" xmlns="" w="9525">
+                <a14:hiddenLine xmlns="" xmlns:a14="http://schemas.microsoft.com/office/drawing/2010/main" w="9525">
                   <a:solidFill>
                     <a:srgbClr val="000000"/>
                   </a:solidFill>
@@ -2499,7 +2499,7 @@
             </a:ln>
             <a:extLst>
               <a:ext uri="{91240B29-F687-4f45-9708-019B960494DF}">
-                <a14:hiddenLine xmlns:a14="http://schemas.microsoft.com/office/drawing/2010/main" xmlns="" w="9525">
+                <a14:hiddenLine xmlns="" xmlns:a14="http://schemas.microsoft.com/office/drawing/2010/main" w="9525">
                   <a:solidFill>
                     <a:srgbClr val="000000"/>
                   </a:solidFill>
@@ -2561,7 +2561,7 @@
             </a:ln>
             <a:extLst>
               <a:ext uri="{91240B29-F687-4f45-9708-019B960494DF}">
-                <a14:hiddenLine xmlns:a14="http://schemas.microsoft.com/office/drawing/2010/main" xmlns="" w="9525">
+                <a14:hiddenLine xmlns="" xmlns:a14="http://schemas.microsoft.com/office/drawing/2010/main" w="9525">
                   <a:solidFill>
                     <a:srgbClr val="000000"/>
                   </a:solidFill>
@@ -2651,7 +2651,7 @@
             </a:ln>
             <a:extLst>
               <a:ext uri="{91240B29-F687-4f45-9708-019B960494DF}">
-                <a14:hiddenLine xmlns:a14="http://schemas.microsoft.com/office/drawing/2010/main" xmlns="" w="9525">
+                <a14:hiddenLine xmlns="" xmlns:a14="http://schemas.microsoft.com/office/drawing/2010/main" w="9525">
                   <a:solidFill>
                     <a:srgbClr val="000000"/>
                   </a:solidFill>
@@ -2719,7 +2719,7 @@
             </a:ln>
             <a:extLst>
               <a:ext uri="{91240B29-F687-4f45-9708-019B960494DF}">
-                <a14:hiddenLine xmlns:a14="http://schemas.microsoft.com/office/drawing/2010/main" xmlns="" w="9525">
+                <a14:hiddenLine xmlns="" xmlns:a14="http://schemas.microsoft.com/office/drawing/2010/main" w="9525">
                   <a:solidFill>
                     <a:srgbClr val="000000"/>
                   </a:solidFill>
@@ -2781,7 +2781,7 @@
             </a:ln>
             <a:extLst>
               <a:ext uri="{91240B29-F687-4f45-9708-019B960494DF}">
-                <a14:hiddenLine xmlns:a14="http://schemas.microsoft.com/office/drawing/2010/main" xmlns="" w="9525">
+                <a14:hiddenLine xmlns="" xmlns:a14="http://schemas.microsoft.com/office/drawing/2010/main" w="9525">
                   <a:solidFill>
                     <a:srgbClr val="000000"/>
                   </a:solidFill>
@@ -2871,7 +2871,7 @@
             </a:ln>
             <a:extLst>
               <a:ext uri="{91240B29-F687-4f45-9708-019B960494DF}">
-                <a14:hiddenLine xmlns:a14="http://schemas.microsoft.com/office/drawing/2010/main" xmlns="" w="9525">
+                <a14:hiddenLine xmlns="" xmlns:a14="http://schemas.microsoft.com/office/drawing/2010/main" w="9525">
                   <a:solidFill>
                     <a:srgbClr val="000000"/>
                   </a:solidFill>
@@ -2933,7 +2933,7 @@
             </a:ln>
             <a:extLst>
               <a:ext uri="{91240B29-F687-4f45-9708-019B960494DF}">
-                <a14:hiddenLine xmlns:a14="http://schemas.microsoft.com/office/drawing/2010/main" xmlns="" w="9525">
+                <a14:hiddenLine xmlns="" xmlns:a14="http://schemas.microsoft.com/office/drawing/2010/main" w="9525">
                   <a:solidFill>
                     <a:srgbClr val="000000"/>
                   </a:solidFill>
@@ -3023,7 +3023,7 @@
             </a:ln>
             <a:extLst>
               <a:ext uri="{91240B29-F687-4f45-9708-019B960494DF}">
-                <a14:hiddenLine xmlns:a14="http://schemas.microsoft.com/office/drawing/2010/main" xmlns="" w="9525">
+                <a14:hiddenLine xmlns="" xmlns:a14="http://schemas.microsoft.com/office/drawing/2010/main" w="9525">
                   <a:solidFill>
                     <a:srgbClr val="000000"/>
                   </a:solidFill>
@@ -3085,7 +3085,7 @@
             </a:ln>
             <a:extLst>
               <a:ext uri="{91240B29-F687-4f45-9708-019B960494DF}">
-                <a14:hiddenLine xmlns:a14="http://schemas.microsoft.com/office/drawing/2010/main" xmlns="" w="9525">
+                <a14:hiddenLine xmlns="" xmlns:a14="http://schemas.microsoft.com/office/drawing/2010/main" w="9525">
                   <a:solidFill>
                     <a:srgbClr val="000000"/>
                   </a:solidFill>
@@ -3175,7 +3175,7 @@
             </a:ln>
             <a:extLst>
               <a:ext uri="{91240B29-F687-4f45-9708-019B960494DF}">
-                <a14:hiddenLine xmlns:a14="http://schemas.microsoft.com/office/drawing/2010/main" xmlns="" w="9525">
+                <a14:hiddenLine xmlns="" xmlns:a14="http://schemas.microsoft.com/office/drawing/2010/main" w="9525">
                   <a:solidFill>
                     <a:srgbClr val="000000"/>
                   </a:solidFill>
@@ -3209,7 +3209,7 @@
             </a:ln>
             <a:extLst>
               <a:ext uri="{91240B29-F687-4f45-9708-019B960494DF}">
-                <a14:hiddenLine xmlns:a14="http://schemas.microsoft.com/office/drawing/2010/main" xmlns="" w="9525">
+                <a14:hiddenLine xmlns="" xmlns:a14="http://schemas.microsoft.com/office/drawing/2010/main" w="9525">
                   <a:solidFill>
                     <a:srgbClr val="000000"/>
                   </a:solidFill>
@@ -3274,7 +3274,7 @@
             </a:ln>
             <a:extLst>
               <a:ext uri="{91240B29-F687-4f45-9708-019B960494DF}">
-                <a14:hiddenLine xmlns:a14="http://schemas.microsoft.com/office/drawing/2010/main" xmlns="" w="9525">
+                <a14:hiddenLine xmlns="" xmlns:a14="http://schemas.microsoft.com/office/drawing/2010/main" w="9525">
                   <a:solidFill>
                     <a:srgbClr val="000000"/>
                   </a:solidFill>
@@ -3364,7 +3364,7 @@
             </a:ln>
             <a:extLst>
               <a:ext uri="{91240B29-F687-4f45-9708-019B960494DF}">
-                <a14:hiddenLine xmlns:a14="http://schemas.microsoft.com/office/drawing/2010/main" xmlns="" w="9525">
+                <a14:hiddenLine xmlns="" xmlns:a14="http://schemas.microsoft.com/office/drawing/2010/main" w="9525">
                   <a:solidFill>
                     <a:srgbClr val="000000"/>
                   </a:solidFill>
@@ -3426,7 +3426,7 @@
             </a:ln>
             <a:extLst>
               <a:ext uri="{91240B29-F687-4f45-9708-019B960494DF}">
-                <a14:hiddenLine xmlns:a14="http://schemas.microsoft.com/office/drawing/2010/main" xmlns="" w="9525">
+                <a14:hiddenLine xmlns="" xmlns:a14="http://schemas.microsoft.com/office/drawing/2010/main" w="9525">
                   <a:solidFill>
                     <a:srgbClr val="000000"/>
                   </a:solidFill>
@@ -3516,7 +3516,7 @@
             </a:ln>
             <a:extLst>
               <a:ext uri="{91240B29-F687-4f45-9708-019B960494DF}">
-                <a14:hiddenLine xmlns:a14="http://schemas.microsoft.com/office/drawing/2010/main" xmlns="" w="9525">
+                <a14:hiddenLine xmlns="" xmlns:a14="http://schemas.microsoft.com/office/drawing/2010/main" w="9525">
                   <a:solidFill>
                     <a:srgbClr val="000000"/>
                   </a:solidFill>
@@ -3606,7 +3606,7 @@
             </a:ln>
             <a:extLst>
               <a:ext uri="{91240B29-F687-4f45-9708-019B960494DF}">
-                <a14:hiddenLine xmlns:a14="http://schemas.microsoft.com/office/drawing/2010/main" xmlns="" w="9525">
+                <a14:hiddenLine xmlns="" xmlns:a14="http://schemas.microsoft.com/office/drawing/2010/main" w="9525">
                   <a:solidFill>
                     <a:srgbClr val="000000"/>
                   </a:solidFill>
@@ -3671,7 +3671,7 @@
             </a:ln>
             <a:extLst>
               <a:ext uri="{91240B29-F687-4f45-9708-019B960494DF}">
-                <a14:hiddenLine xmlns:a14="http://schemas.microsoft.com/office/drawing/2010/main" xmlns="" w="9525">
+                <a14:hiddenLine xmlns="" xmlns:a14="http://schemas.microsoft.com/office/drawing/2010/main" w="9525">
                   <a:solidFill>
                     <a:srgbClr val="000000"/>
                   </a:solidFill>
@@ -3733,7 +3733,7 @@
             </a:ln>
             <a:extLst>
               <a:ext uri="{91240B29-F687-4f45-9708-019B960494DF}">
-                <a14:hiddenLine xmlns:a14="http://schemas.microsoft.com/office/drawing/2010/main" xmlns="" w="9525">
+                <a14:hiddenLine xmlns="" xmlns:a14="http://schemas.microsoft.com/office/drawing/2010/main" w="9525">
                   <a:solidFill>
                     <a:srgbClr val="000000"/>
                   </a:solidFill>
@@ -3823,7 +3823,7 @@
             </a:ln>
             <a:extLst>
               <a:ext uri="{91240B29-F687-4f45-9708-019B960494DF}">
-                <a14:hiddenLine xmlns:a14="http://schemas.microsoft.com/office/drawing/2010/main" xmlns="" w="9525">
+                <a14:hiddenLine xmlns="" xmlns:a14="http://schemas.microsoft.com/office/drawing/2010/main" w="9525">
                   <a:solidFill>
                     <a:srgbClr val="000000"/>
                   </a:solidFill>
@@ -3913,7 +3913,7 @@
             </a:ln>
             <a:extLst>
               <a:ext uri="{91240B29-F687-4f45-9708-019B960494DF}">
-                <a14:hiddenLine xmlns:a14="http://schemas.microsoft.com/office/drawing/2010/main" xmlns="" w="9525">
+                <a14:hiddenLine xmlns="" xmlns:a14="http://schemas.microsoft.com/office/drawing/2010/main" w="9525">
                   <a:solidFill>
                     <a:srgbClr val="000000"/>
                   </a:solidFill>
@@ -3975,7 +3975,7 @@
             </a:ln>
             <a:extLst>
               <a:ext uri="{91240B29-F687-4f45-9708-019B960494DF}">
-                <a14:hiddenLine xmlns:a14="http://schemas.microsoft.com/office/drawing/2010/main" xmlns="" w="9525">
+                <a14:hiddenLine xmlns="" xmlns:a14="http://schemas.microsoft.com/office/drawing/2010/main" w="9525">
                   <a:solidFill>
                     <a:srgbClr val="000000"/>
                   </a:solidFill>
@@ -4095,7 +4095,7 @@
             </a:ln>
             <a:extLst>
               <a:ext uri="{91240B29-F687-4f45-9708-019B960494DF}">
-                <a14:hiddenLine xmlns:a14="http://schemas.microsoft.com/office/drawing/2010/main" xmlns="" w="9525">
+                <a14:hiddenLine xmlns="" xmlns:a14="http://schemas.microsoft.com/office/drawing/2010/main" w="9525">
                   <a:solidFill>
                     <a:srgbClr val="000000"/>
                   </a:solidFill>
@@ -4163,7 +4163,7 @@
             </a:ln>
             <a:extLst>
               <a:ext uri="{91240B29-F687-4f45-9708-019B960494DF}">
-                <a14:hiddenLine xmlns:a14="http://schemas.microsoft.com/office/drawing/2010/main" xmlns="" w="9525">
+                <a14:hiddenLine xmlns="" xmlns:a14="http://schemas.microsoft.com/office/drawing/2010/main" w="9525">
                   <a:solidFill>
                     <a:srgbClr val="000000"/>
                   </a:solidFill>
@@ -4253,7 +4253,7 @@
             </a:ln>
             <a:extLst>
               <a:ext uri="{91240B29-F687-4f45-9708-019B960494DF}">
-                <a14:hiddenLine xmlns:a14="http://schemas.microsoft.com/office/drawing/2010/main" xmlns="" w="9525">
+                <a14:hiddenLine xmlns="" xmlns:a14="http://schemas.microsoft.com/office/drawing/2010/main" w="9525">
                   <a:solidFill>
                     <a:srgbClr val="000000"/>
                   </a:solidFill>
@@ -4393,7 +4393,7 @@
           <a:p>
             <a:fld id="{48A87A34-81AB-432B-8DAE-1953F412C126}" type="datetimeFigureOut">
               <a:rPr lang="en-US" dirty="0"/>
-              <a:t>7/19/2022</a:t>
+              <a:t>7/20/2022</a:t>
             </a:fld>
             <a:endParaRPr lang="en-US" dirty="0"/>
           </a:p>
@@ -4655,7 +4655,7 @@
           <a:p>
             <a:fld id="{48A87A34-81AB-432B-8DAE-1953F412C126}" type="datetimeFigureOut">
               <a:rPr lang="en-US" dirty="0"/>
-              <a:t>7/19/2022</a:t>
+              <a:t>7/20/2022</a:t>
             </a:fld>
             <a:endParaRPr lang="en-US" dirty="0"/>
           </a:p>
@@ -4846,7 +4846,7 @@
           <a:p>
             <a:fld id="{48A87A34-81AB-432B-8DAE-1953F412C126}" type="datetimeFigureOut">
               <a:rPr lang="en-US" dirty="0"/>
-              <a:t>7/19/2022</a:t>
+              <a:t>7/20/2022</a:t>
             </a:fld>
             <a:endParaRPr lang="en-US" dirty="0"/>
           </a:p>
@@ -5104,7 +5104,7 @@
           <a:p>
             <a:fld id="{48A87A34-81AB-432B-8DAE-1953F412C126}" type="datetimeFigureOut">
               <a:rPr lang="en-US" dirty="0"/>
-              <a:t>7/19/2022</a:t>
+              <a:t>7/20/2022</a:t>
             </a:fld>
             <a:endParaRPr lang="en-US" dirty="0"/>
           </a:p>
@@ -5533,7 +5533,7 @@
           <a:p>
             <a:fld id="{48A87A34-81AB-432B-8DAE-1953F412C126}" type="datetimeFigureOut">
               <a:rPr lang="en-US" dirty="0"/>
-              <a:t>7/19/2022</a:t>
+              <a:t>7/20/2022</a:t>
             </a:fld>
             <a:endParaRPr lang="en-US" dirty="0"/>
           </a:p>
@@ -6074,7 +6074,7 @@
           <a:p>
             <a:fld id="{48A87A34-81AB-432B-8DAE-1953F412C126}" type="datetimeFigureOut">
               <a:rPr lang="en-US" dirty="0"/>
-              <a:t>7/19/2022</a:t>
+              <a:t>7/20/2022</a:t>
             </a:fld>
             <a:endParaRPr lang="en-US" dirty="0"/>
           </a:p>
@@ -6789,7 +6789,7 @@
           <a:p>
             <a:fld id="{48A87A34-81AB-432B-8DAE-1953F412C126}" type="datetimeFigureOut">
               <a:rPr lang="en-US" dirty="0"/>
-              <a:t>7/19/2022</a:t>
+              <a:t>7/20/2022</a:t>
             </a:fld>
             <a:endParaRPr lang="en-US" dirty="0"/>
           </a:p>
@@ -6954,7 +6954,7 @@
           <a:p>
             <a:fld id="{48A87A34-81AB-432B-8DAE-1953F412C126}" type="datetimeFigureOut">
               <a:rPr lang="en-US" dirty="0"/>
-              <a:t>7/19/2022</a:t>
+              <a:t>7/20/2022</a:t>
             </a:fld>
             <a:endParaRPr lang="en-US" dirty="0"/>
           </a:p>
@@ -7129,7 +7129,7 @@
           <a:p>
             <a:fld id="{48A87A34-81AB-432B-8DAE-1953F412C126}" type="datetimeFigureOut">
               <a:rPr lang="en-US" dirty="0"/>
-              <a:t>7/19/2022</a:t>
+              <a:t>7/20/2022</a:t>
             </a:fld>
             <a:endParaRPr lang="en-US" dirty="0"/>
           </a:p>
@@ -7294,7 +7294,7 @@
           <a:p>
             <a:fld id="{48A87A34-81AB-432B-8DAE-1953F412C126}" type="datetimeFigureOut">
               <a:rPr lang="en-US" dirty="0"/>
-              <a:t>7/19/2022</a:t>
+              <a:t>7/20/2022</a:t>
             </a:fld>
             <a:endParaRPr lang="en-US" dirty="0"/>
           </a:p>
@@ -7539,7 +7539,7 @@
           <a:p>
             <a:fld id="{48A87A34-81AB-432B-8DAE-1953F412C126}" type="datetimeFigureOut">
               <a:rPr lang="en-US" dirty="0"/>
-              <a:t>7/19/2022</a:t>
+              <a:t>7/20/2022</a:t>
             </a:fld>
             <a:endParaRPr lang="en-US" dirty="0"/>
           </a:p>
@@ -7766,7 +7766,7 @@
           <a:p>
             <a:fld id="{48A87A34-81AB-432B-8DAE-1953F412C126}" type="datetimeFigureOut">
               <a:rPr lang="en-US" dirty="0"/>
-              <a:t>7/19/2022</a:t>
+              <a:t>7/20/2022</a:t>
             </a:fld>
             <a:endParaRPr lang="en-US" dirty="0"/>
           </a:p>
@@ -8142,7 +8142,7 @@
           <a:p>
             <a:fld id="{48A87A34-81AB-432B-8DAE-1953F412C126}" type="datetimeFigureOut">
               <a:rPr lang="en-US" dirty="0"/>
-              <a:t>7/19/2022</a:t>
+              <a:t>7/20/2022</a:t>
             </a:fld>
             <a:endParaRPr lang="en-US" dirty="0"/>
           </a:p>
@@ -8255,7 +8255,7 @@
           <a:p>
             <a:fld id="{48A87A34-81AB-432B-8DAE-1953F412C126}" type="datetimeFigureOut">
               <a:rPr lang="en-US" dirty="0"/>
-              <a:t>7/19/2022</a:t>
+              <a:t>7/20/2022</a:t>
             </a:fld>
             <a:endParaRPr lang="en-US" dirty="0"/>
           </a:p>
@@ -8345,7 +8345,7 @@
           <a:p>
             <a:fld id="{48A87A34-81AB-432B-8DAE-1953F412C126}" type="datetimeFigureOut">
               <a:rPr lang="en-US" dirty="0"/>
-              <a:t>7/19/2022</a:t>
+              <a:t>7/20/2022</a:t>
             </a:fld>
             <a:endParaRPr lang="en-US" dirty="0"/>
           </a:p>
@@ -8589,7 +8589,7 @@
           <a:p>
             <a:fld id="{48A87A34-81AB-432B-8DAE-1953F412C126}" type="datetimeFigureOut">
               <a:rPr lang="en-US" dirty="0"/>
-              <a:t>7/19/2022</a:t>
+              <a:t>7/20/2022</a:t>
             </a:fld>
             <a:endParaRPr lang="en-US" dirty="0"/>
           </a:p>
@@ -8864,7 +8864,7 @@
           <a:p>
             <a:fld id="{48A87A34-81AB-432B-8DAE-1953F412C126}" type="datetimeFigureOut">
               <a:rPr lang="en-US" dirty="0"/>
-              <a:t>7/19/2022</a:t>
+              <a:t>7/20/2022</a:t>
             </a:fld>
             <a:endParaRPr lang="en-US" dirty="0"/>
           </a:p>
@@ -8975,7 +8975,7 @@
           <a:noFill/>
           <a:extLst>
             <a:ext uri="{909E8E84-426E-40dd-AFC4-6F175D3DCCD1}">
-              <a14:hiddenFill xmlns:a14="http://schemas.microsoft.com/office/drawing/2010/main" xmlns="">
+              <a14:hiddenFill xmlns="" xmlns:a14="http://schemas.microsoft.com/office/drawing/2010/main">
                 <a:solidFill>
                   <a:srgbClr val="FFFFFF"/>
                 </a:solidFill>
@@ -9049,7 +9049,7 @@
               </a:ln>
               <a:extLst>
                 <a:ext uri="{91240B29-F687-4f45-9708-019B960494DF}">
-                  <a14:hiddenLine xmlns:a14="http://schemas.microsoft.com/office/drawing/2010/main" xmlns="" w="9525">
+                  <a14:hiddenLine xmlns="" xmlns:a14="http://schemas.microsoft.com/office/drawing/2010/main" w="9525">
                     <a:solidFill>
                       <a:srgbClr val="000000"/>
                     </a:solidFill>
@@ -9139,7 +9139,7 @@
               </a:ln>
               <a:extLst>
                 <a:ext uri="{91240B29-F687-4f45-9708-019B960494DF}">
-                  <a14:hiddenLine xmlns:a14="http://schemas.microsoft.com/office/drawing/2010/main" xmlns="" w="9525">
+                  <a14:hiddenLine xmlns="" xmlns:a14="http://schemas.microsoft.com/office/drawing/2010/main" w="9525">
                     <a:solidFill>
                       <a:srgbClr val="000000"/>
                     </a:solidFill>
@@ -9229,7 +9229,7 @@
               </a:ln>
               <a:extLst>
                 <a:ext uri="{91240B29-F687-4f45-9708-019B960494DF}">
-                  <a14:hiddenLine xmlns:a14="http://schemas.microsoft.com/office/drawing/2010/main" xmlns="" w="9525">
+                  <a14:hiddenLine xmlns="" xmlns:a14="http://schemas.microsoft.com/office/drawing/2010/main" w="9525">
                     <a:solidFill>
                       <a:srgbClr val="000000"/>
                     </a:solidFill>
@@ -9291,7 +9291,7 @@
               </a:ln>
               <a:extLst>
                 <a:ext uri="{91240B29-F687-4f45-9708-019B960494DF}">
-                  <a14:hiddenLine xmlns:a14="http://schemas.microsoft.com/office/drawing/2010/main" xmlns="" w="9525">
+                  <a14:hiddenLine xmlns="" xmlns:a14="http://schemas.microsoft.com/office/drawing/2010/main" w="9525">
                     <a:solidFill>
                       <a:srgbClr val="000000"/>
                     </a:solidFill>
@@ -9381,7 +9381,7 @@
               </a:ln>
               <a:extLst>
                 <a:ext uri="{91240B29-F687-4f45-9708-019B960494DF}">
-                  <a14:hiddenLine xmlns:a14="http://schemas.microsoft.com/office/drawing/2010/main" xmlns="" w="9525">
+                  <a14:hiddenLine xmlns="" xmlns:a14="http://schemas.microsoft.com/office/drawing/2010/main" w="9525">
                     <a:solidFill>
                       <a:srgbClr val="000000"/>
                     </a:solidFill>
@@ -9443,7 +9443,7 @@
               </a:ln>
               <a:extLst>
                 <a:ext uri="{91240B29-F687-4f45-9708-019B960494DF}">
-                  <a14:hiddenLine xmlns:a14="http://schemas.microsoft.com/office/drawing/2010/main" xmlns="" w="9525">
+                  <a14:hiddenLine xmlns="" xmlns:a14="http://schemas.microsoft.com/office/drawing/2010/main" w="9525">
                     <a:solidFill>
                       <a:srgbClr val="000000"/>
                     </a:solidFill>
@@ -9505,7 +9505,7 @@
               </a:ln>
               <a:extLst>
                 <a:ext uri="{91240B29-F687-4f45-9708-019B960494DF}">
-                  <a14:hiddenLine xmlns:a14="http://schemas.microsoft.com/office/drawing/2010/main" xmlns="" w="9525">
+                  <a14:hiddenLine xmlns="" xmlns:a14="http://schemas.microsoft.com/office/drawing/2010/main" w="9525">
                     <a:solidFill>
                       <a:srgbClr val="000000"/>
                     </a:solidFill>
@@ -9595,7 +9595,7 @@
               </a:ln>
               <a:extLst>
                 <a:ext uri="{91240B29-F687-4f45-9708-019B960494DF}">
-                  <a14:hiddenLine xmlns:a14="http://schemas.microsoft.com/office/drawing/2010/main" xmlns="" w="9525">
+                  <a14:hiddenLine xmlns="" xmlns:a14="http://schemas.microsoft.com/office/drawing/2010/main" w="9525">
                     <a:solidFill>
                       <a:srgbClr val="000000"/>
                     </a:solidFill>
@@ -9685,7 +9685,7 @@
               </a:ln>
               <a:extLst>
                 <a:ext uri="{91240B29-F687-4f45-9708-019B960494DF}">
-                  <a14:hiddenLine xmlns:a14="http://schemas.microsoft.com/office/drawing/2010/main" xmlns="" w="9525">
+                  <a14:hiddenLine xmlns="" xmlns:a14="http://schemas.microsoft.com/office/drawing/2010/main" w="9525">
                     <a:solidFill>
                       <a:srgbClr val="000000"/>
                     </a:solidFill>
@@ -9747,7 +9747,7 @@
               </a:ln>
               <a:extLst>
                 <a:ext uri="{91240B29-F687-4f45-9708-019B960494DF}">
-                  <a14:hiddenLine xmlns:a14="http://schemas.microsoft.com/office/drawing/2010/main" xmlns="" w="9525">
+                  <a14:hiddenLine xmlns="" xmlns:a14="http://schemas.microsoft.com/office/drawing/2010/main" w="9525">
                     <a:solidFill>
                       <a:srgbClr val="000000"/>
                     </a:solidFill>
@@ -9857,7 +9857,7 @@
               </a:ln>
               <a:extLst>
                 <a:ext uri="{91240B29-F687-4f45-9708-019B960494DF}">
-                  <a14:hiddenLine xmlns:a14="http://schemas.microsoft.com/office/drawing/2010/main" xmlns="" w="9525">
+                  <a14:hiddenLine xmlns="" xmlns:a14="http://schemas.microsoft.com/office/drawing/2010/main" w="9525">
                     <a:solidFill>
                       <a:srgbClr val="000000"/>
                     </a:solidFill>
@@ -9941,7 +9941,7 @@
               </a:ln>
               <a:extLst>
                 <a:ext uri="{91240B29-F687-4f45-9708-019B960494DF}">
-                  <a14:hiddenLine xmlns:a14="http://schemas.microsoft.com/office/drawing/2010/main" xmlns="" w="9525">
+                  <a14:hiddenLine xmlns="" xmlns:a14="http://schemas.microsoft.com/office/drawing/2010/main" w="9525">
                     <a:solidFill>
                       <a:srgbClr val="000000"/>
                     </a:solidFill>
@@ -10003,7 +10003,7 @@
               </a:ln>
               <a:extLst>
                 <a:ext uri="{91240B29-F687-4f45-9708-019B960494DF}">
-                  <a14:hiddenLine xmlns:a14="http://schemas.microsoft.com/office/drawing/2010/main" xmlns="" w="9525">
+                  <a14:hiddenLine xmlns="" xmlns:a14="http://schemas.microsoft.com/office/drawing/2010/main" w="9525">
                     <a:solidFill>
                       <a:srgbClr val="000000"/>
                     </a:solidFill>
@@ -10065,7 +10065,7 @@
               </a:ln>
               <a:extLst>
                 <a:ext uri="{91240B29-F687-4f45-9708-019B960494DF}">
-                  <a14:hiddenLine xmlns:a14="http://schemas.microsoft.com/office/drawing/2010/main" xmlns="" w="9525">
+                  <a14:hiddenLine xmlns="" xmlns:a14="http://schemas.microsoft.com/office/drawing/2010/main" w="9525">
                     <a:solidFill>
                       <a:srgbClr val="000000"/>
                     </a:solidFill>
@@ -10155,7 +10155,7 @@
               </a:ln>
               <a:extLst>
                 <a:ext uri="{91240B29-F687-4f45-9708-019B960494DF}">
-                  <a14:hiddenLine xmlns:a14="http://schemas.microsoft.com/office/drawing/2010/main" xmlns="" w="9525">
+                  <a14:hiddenLine xmlns="" xmlns:a14="http://schemas.microsoft.com/office/drawing/2010/main" w="9525">
                     <a:solidFill>
                       <a:srgbClr val="000000"/>
                     </a:solidFill>
@@ -10189,7 +10189,7 @@
               </a:ln>
               <a:extLst>
                 <a:ext uri="{91240B29-F687-4f45-9708-019B960494DF}">
-                  <a14:hiddenLine xmlns:a14="http://schemas.microsoft.com/office/drawing/2010/main" xmlns="" w="9525">
+                  <a14:hiddenLine xmlns="" xmlns:a14="http://schemas.microsoft.com/office/drawing/2010/main" w="9525">
                     <a:solidFill>
                       <a:srgbClr val="000000"/>
                     </a:solidFill>
@@ -10254,7 +10254,7 @@
               </a:ln>
               <a:extLst>
                 <a:ext uri="{91240B29-F687-4f45-9708-019B960494DF}">
-                  <a14:hiddenLine xmlns:a14="http://schemas.microsoft.com/office/drawing/2010/main" xmlns="" w="9525">
+                  <a14:hiddenLine xmlns="" xmlns:a14="http://schemas.microsoft.com/office/drawing/2010/main" w="9525">
                     <a:solidFill>
                       <a:srgbClr val="000000"/>
                     </a:solidFill>
@@ -10344,7 +10344,7 @@
               </a:ln>
               <a:extLst>
                 <a:ext uri="{91240B29-F687-4f45-9708-019B960494DF}">
-                  <a14:hiddenLine xmlns:a14="http://schemas.microsoft.com/office/drawing/2010/main" xmlns="" w="9525">
+                  <a14:hiddenLine xmlns="" xmlns:a14="http://schemas.microsoft.com/office/drawing/2010/main" w="9525">
                     <a:solidFill>
                       <a:srgbClr val="000000"/>
                     </a:solidFill>
@@ -10406,7 +10406,7 @@
               </a:ln>
               <a:extLst>
                 <a:ext uri="{91240B29-F687-4f45-9708-019B960494DF}">
-                  <a14:hiddenLine xmlns:a14="http://schemas.microsoft.com/office/drawing/2010/main" xmlns="" w="9525">
+                  <a14:hiddenLine xmlns="" xmlns:a14="http://schemas.microsoft.com/office/drawing/2010/main" w="9525">
                     <a:solidFill>
                       <a:srgbClr val="000000"/>
                     </a:solidFill>
@@ -10496,7 +10496,7 @@
               </a:ln>
               <a:extLst>
                 <a:ext uri="{91240B29-F687-4f45-9708-019B960494DF}">
-                  <a14:hiddenLine xmlns:a14="http://schemas.microsoft.com/office/drawing/2010/main" xmlns="" w="9525">
+                  <a14:hiddenLine xmlns="" xmlns:a14="http://schemas.microsoft.com/office/drawing/2010/main" w="9525">
                     <a:solidFill>
                       <a:srgbClr val="000000"/>
                     </a:solidFill>
@@ -10561,7 +10561,7 @@
               </a:ln>
               <a:extLst>
                 <a:ext uri="{91240B29-F687-4f45-9708-019B960494DF}">
-                  <a14:hiddenLine xmlns:a14="http://schemas.microsoft.com/office/drawing/2010/main" xmlns="" w="9525">
+                  <a14:hiddenLine xmlns="" xmlns:a14="http://schemas.microsoft.com/office/drawing/2010/main" w="9525">
                     <a:solidFill>
                       <a:srgbClr val="000000"/>
                     </a:solidFill>
@@ -10623,7 +10623,7 @@
               </a:ln>
               <a:extLst>
                 <a:ext uri="{91240B29-F687-4f45-9708-019B960494DF}">
-                  <a14:hiddenLine xmlns:a14="http://schemas.microsoft.com/office/drawing/2010/main" xmlns="" w="9525">
+                  <a14:hiddenLine xmlns="" xmlns:a14="http://schemas.microsoft.com/office/drawing/2010/main" w="9525">
                     <a:solidFill>
                       <a:srgbClr val="000000"/>
                     </a:solidFill>
@@ -10713,7 +10713,7 @@
               </a:ln>
               <a:extLst>
                 <a:ext uri="{91240B29-F687-4f45-9708-019B960494DF}">
-                  <a14:hiddenLine xmlns:a14="http://schemas.microsoft.com/office/drawing/2010/main" xmlns="" w="9525">
+                  <a14:hiddenLine xmlns="" xmlns:a14="http://schemas.microsoft.com/office/drawing/2010/main" w="9525">
                     <a:solidFill>
                       <a:srgbClr val="000000"/>
                     </a:solidFill>
@@ -10803,7 +10803,7 @@
               </a:ln>
               <a:extLst>
                 <a:ext uri="{91240B29-F687-4f45-9708-019B960494DF}">
-                  <a14:hiddenLine xmlns:a14="http://schemas.microsoft.com/office/drawing/2010/main" xmlns="" w="9525">
+                  <a14:hiddenLine xmlns="" xmlns:a14="http://schemas.microsoft.com/office/drawing/2010/main" w="9525">
                     <a:solidFill>
                       <a:srgbClr val="000000"/>
                     </a:solidFill>
@@ -10868,7 +10868,7 @@
               </a:ln>
               <a:extLst>
                 <a:ext uri="{91240B29-F687-4f45-9708-019B960494DF}">
-                  <a14:hiddenLine xmlns:a14="http://schemas.microsoft.com/office/drawing/2010/main" xmlns="" w="9525">
+                  <a14:hiddenLine xmlns="" xmlns:a14="http://schemas.microsoft.com/office/drawing/2010/main" w="9525">
                     <a:solidFill>
                       <a:srgbClr val="000000"/>
                     </a:solidFill>
@@ -10988,7 +10988,7 @@
               </a:ln>
               <a:extLst>
                 <a:ext uri="{91240B29-F687-4f45-9708-019B960494DF}">
-                  <a14:hiddenLine xmlns:a14="http://schemas.microsoft.com/office/drawing/2010/main" xmlns="" w="9525">
+                  <a14:hiddenLine xmlns="" xmlns:a14="http://schemas.microsoft.com/office/drawing/2010/main" w="9525">
                     <a:solidFill>
                       <a:srgbClr val="000000"/>
                     </a:solidFill>
@@ -11086,7 +11086,7 @@
               </a:ln>
               <a:extLst>
                 <a:ext uri="{91240B29-F687-4f45-9708-019B960494DF}">
-                  <a14:hiddenLine xmlns:a14="http://schemas.microsoft.com/office/drawing/2010/main" xmlns="" w="9525">
+                  <a14:hiddenLine xmlns="" xmlns:a14="http://schemas.microsoft.com/office/drawing/2010/main" w="9525">
                     <a:solidFill>
                       <a:srgbClr val="000000"/>
                     </a:solidFill>
@@ -11201,7 +11201,7 @@
               </a:ln>
               <a:extLst>
                 <a:ext uri="{91240B29-F687-4f45-9708-019B960494DF}">
-                  <a14:hiddenLine xmlns:a14="http://schemas.microsoft.com/office/drawing/2010/main" xmlns="" w="9525">
+                  <a14:hiddenLine xmlns="" xmlns:a14="http://schemas.microsoft.com/office/drawing/2010/main" w="9525">
                     <a:solidFill>
                       <a:srgbClr val="000000"/>
                     </a:solidFill>
@@ -11291,7 +11291,7 @@
               </a:ln>
               <a:extLst>
                 <a:ext uri="{91240B29-F687-4f45-9708-019B960494DF}">
-                  <a14:hiddenLine xmlns:a14="http://schemas.microsoft.com/office/drawing/2010/main" xmlns="" w="9525">
+                  <a14:hiddenLine xmlns="" xmlns:a14="http://schemas.microsoft.com/office/drawing/2010/main" w="9525">
                     <a:solidFill>
                       <a:srgbClr val="000000"/>
                     </a:solidFill>
@@ -11356,7 +11356,7 @@
               </a:ln>
               <a:extLst>
                 <a:ext uri="{91240B29-F687-4f45-9708-019B960494DF}">
-                  <a14:hiddenLine xmlns:a14="http://schemas.microsoft.com/office/drawing/2010/main" xmlns="" w="9525">
+                  <a14:hiddenLine xmlns="" xmlns:a14="http://schemas.microsoft.com/office/drawing/2010/main" w="9525">
                     <a:solidFill>
                       <a:srgbClr val="000000"/>
                     </a:solidFill>
@@ -11446,7 +11446,7 @@
               </a:ln>
               <a:extLst>
                 <a:ext uri="{91240B29-F687-4f45-9708-019B960494DF}">
-                  <a14:hiddenLine xmlns:a14="http://schemas.microsoft.com/office/drawing/2010/main" xmlns="" w="9525">
+                  <a14:hiddenLine xmlns="" xmlns:a14="http://schemas.microsoft.com/office/drawing/2010/main" w="9525">
                     <a:solidFill>
                       <a:srgbClr val="000000"/>
                     </a:solidFill>
@@ -11514,7 +11514,7 @@
               </a:ln>
               <a:extLst>
                 <a:ext uri="{91240B29-F687-4f45-9708-019B960494DF}">
-                  <a14:hiddenLine xmlns:a14="http://schemas.microsoft.com/office/drawing/2010/main" xmlns="" w="9525">
+                  <a14:hiddenLine xmlns="" xmlns:a14="http://schemas.microsoft.com/office/drawing/2010/main" w="9525">
                     <a:solidFill>
                       <a:srgbClr val="000000"/>
                     </a:solidFill>
@@ -11604,7 +11604,7 @@
               </a:ln>
               <a:extLst>
                 <a:ext uri="{91240B29-F687-4f45-9708-019B960494DF}">
-                  <a14:hiddenLine xmlns:a14="http://schemas.microsoft.com/office/drawing/2010/main" xmlns="" w="9525">
+                  <a14:hiddenLine xmlns="" xmlns:a14="http://schemas.microsoft.com/office/drawing/2010/main" w="9525">
                     <a:solidFill>
                       <a:srgbClr val="000000"/>
                     </a:solidFill>
@@ -11672,7 +11672,7 @@
               </a:ln>
               <a:extLst>
                 <a:ext uri="{91240B29-F687-4f45-9708-019B960494DF}">
-                  <a14:hiddenLine xmlns:a14="http://schemas.microsoft.com/office/drawing/2010/main" xmlns="" w="9525">
+                  <a14:hiddenLine xmlns="" xmlns:a14="http://schemas.microsoft.com/office/drawing/2010/main" w="9525">
                     <a:solidFill>
                       <a:srgbClr val="000000"/>
                     </a:solidFill>
@@ -11762,7 +11762,7 @@
               </a:ln>
               <a:extLst>
                 <a:ext uri="{91240B29-F687-4f45-9708-019B960494DF}">
-                  <a14:hiddenLine xmlns:a14="http://schemas.microsoft.com/office/drawing/2010/main" xmlns="" w="9525">
+                  <a14:hiddenLine xmlns="" xmlns:a14="http://schemas.microsoft.com/office/drawing/2010/main" w="9525">
                     <a:solidFill>
                       <a:srgbClr val="000000"/>
                     </a:solidFill>
@@ -11796,7 +11796,7 @@
               </a:ln>
               <a:extLst>
                 <a:ext uri="{91240B29-F687-4f45-9708-019B960494DF}">
-                  <a14:hiddenLine xmlns:a14="http://schemas.microsoft.com/office/drawing/2010/main" xmlns="" w="9525">
+                  <a14:hiddenLine xmlns="" xmlns:a14="http://schemas.microsoft.com/office/drawing/2010/main" w="9525">
                     <a:solidFill>
                       <a:srgbClr val="000000"/>
                     </a:solidFill>
@@ -11937,7 +11937,7 @@
             <a:fld id="{48A87A34-81AB-432B-8DAE-1953F412C126}" type="datetimeFigureOut">
               <a:rPr lang="en-US" dirty="0"/>
               <a:pPr/>
-              <a:t>7/19/2022</a:t>
+              <a:t>7/20/2022</a:t>
             </a:fld>
             <a:endParaRPr lang="en-US" dirty="0"/>
           </a:p>
@@ -13109,7 +13109,7 @@
         </p:nvSpPr>
         <p:spPr>
           <a:xfrm>
-            <a:off x="1141413" y="618518"/>
+            <a:off x="1228040" y="118005"/>
             <a:ext cx="9905998" cy="960025"/>
           </a:xfrm>
         </p:spPr>
@@ -13143,13 +13143,13 @@
         </p:nvSpPr>
         <p:spPr>
           <a:xfrm>
-            <a:off x="1141412" y="1511166"/>
-            <a:ext cx="9905999" cy="4976261"/>
+            <a:off x="1141412" y="972152"/>
+            <a:ext cx="9905999" cy="5515275"/>
           </a:xfrm>
         </p:spPr>
         <p:txBody>
           <a:bodyPr>
-            <a:normAutofit fontScale="85000" lnSpcReduction="20000"/>
+            <a:normAutofit fontScale="77500" lnSpcReduction="20000"/>
           </a:bodyPr>
           <a:lstStyle/>
           <a:p>
@@ -13163,7 +13163,21 @@
             </a:pPr>
             <a:r>
               <a:rPr lang="it-IT" dirty="0"/>
-              <a:t>La maggior parte degli items sono testi di vario tipo, con delle eccezioni.</a:t>
+              <a:t>Gli items, appartenenti a cinque categorie tipologiche, sono diversificati anche cromaticamente (blu per le poesie, rosso per le storiografie, verde per le leggende, nero per le ricette e giallo per le opere architettoniche).</a:t>
+            </a:r>
+          </a:p>
+          <a:p>
+            <a:pPr marL="0" indent="0" algn="just" fontAlgn="auto">
+              <a:spcAft>
+                <a:spcPts val="0"/>
+              </a:spcAft>
+              <a:buFont typeface="Arial" panose="020B0604020202020204" pitchFamily="34" charset="0"/>
+              <a:buNone/>
+              <a:defRPr/>
+            </a:pPr>
+            <a:r>
+              <a:rPr lang="it-IT" dirty="0"/>
+              <a:t>La maggior parte degli items sono testi di vario tipo, con un’eccezione.</a:t>
             </a:r>
           </a:p>
           <a:p>
@@ -13221,7 +13235,7 @@
             </a:pPr>
             <a:r>
               <a:rPr lang="it-IT" dirty="0"/>
-              <a:t>Le ricette e le leggende sono testi liberi, provenienti da fonti diversificate (scritte online e in cartaceo oppure orali) e trascritte in modo omogeneo dalla responsabile del progetto. Vengono inoltre mostrate delle fotografie.</a:t>
+              <a:t>Le ricette e le leggende sono testi liberi, provenienti da fonti diversificate (scritte online o in cartaceo oppure orali) e trascritte in modo omogeneo dalla responsabile del progetto. Vengono inoltre mostrate delle fotografie.</a:t>
             </a:r>
           </a:p>
           <a:p>
@@ -13540,7 +13554,7 @@
         </p:nvSpPr>
         <p:spPr>
           <a:xfrm>
-            <a:off x="1141413" y="618518"/>
+            <a:off x="1141413" y="320135"/>
             <a:ext cx="9905998" cy="988901"/>
           </a:xfrm>
         </p:spPr>
@@ -13574,12 +13588,14 @@
         </p:nvSpPr>
         <p:spPr>
           <a:xfrm>
-            <a:off x="1141412" y="1953928"/>
-            <a:ext cx="9905999" cy="4129238"/>
+            <a:off x="1141412" y="1501541"/>
+            <a:ext cx="9905999" cy="4947385"/>
           </a:xfrm>
         </p:spPr>
         <p:txBody>
-          <a:bodyPr/>
+          <a:bodyPr>
+            <a:normAutofit lnSpcReduction="10000"/>
+          </a:bodyPr>
           <a:lstStyle/>
           <a:p>
             <a:pPr marL="0" indent="0" algn="just" fontAlgn="auto">
@@ -13623,6 +13639,20 @@
             <a:r>
               <a:rPr lang="it-IT" dirty="0"/>
               <a:t>Inoltre i documenti possono essere ordinati in ordine alfabetico (A-Z oppure Z-A) e cronologico (crescente o decrescente).</a:t>
+            </a:r>
+          </a:p>
+          <a:p>
+            <a:pPr marL="0" indent="0" algn="just" fontAlgn="auto">
+              <a:spcAft>
+                <a:spcPts val="0"/>
+              </a:spcAft>
+              <a:buFont typeface="Arial" panose="020B0604020202020204" pitchFamily="34" charset="0"/>
+              <a:buNone/>
+              <a:defRPr/>
+            </a:pPr>
+            <a:r>
+              <a:rPr lang="it-IT" dirty="0"/>
+              <a:t>In ultimo, alla fine di ogni pagina-foglia vengono consigliati altri item che potrebbero interessare all’utente, presentati tramite cards e facilmente accessibili attraverso un bottone.</a:t>
             </a:r>
           </a:p>
         </p:txBody>

--- a/powerpoint/siqilliyya2_definitivo.pptx
+++ b/powerpoint/siqilliyya2_definitivo.pptx
@@ -13624,8 +13624,13 @@
             </a:r>
             <a:r>
               <a:rPr lang="it-IT" dirty="0"/>
-              <a:t> del catalogo o dal carosello dell’homepage, è quello tematico.</a:t>
-            </a:r>
+              <a:t> del catalogo o dal carosello dell’homepage, è </a:t>
+            </a:r>
+            <a:r>
+              <a:rPr lang="it-IT"/>
+              <a:t>quello tipologico.</a:t>
+            </a:r>
+            <a:endParaRPr lang="it-IT" dirty="0"/>
           </a:p>
           <a:p>
             <a:pPr marL="0" indent="0" algn="just" fontAlgn="auto">

--- a/powerpoint/siqilliyya2_definitivo.pptx
+++ b/powerpoint/siqilliyya2_definitivo.pptx
@@ -167,7 +167,7 @@
           <a:noFill/>
           <a:extLst>
             <a:ext uri="{909E8E84-426E-40dd-AFC4-6F175D3DCCD1}">
-              <a14:hiddenFill xmlns="" xmlns:a14="http://schemas.microsoft.com/office/drawing/2010/main">
+              <a14:hiddenFill xmlns:a14="http://schemas.microsoft.com/office/drawing/2010/main" xmlns="">
                 <a:solidFill>
                   <a:srgbClr val="FFFFFF"/>
                 </a:solidFill>
@@ -227,7 +227,7 @@
             </a:ln>
             <a:extLst>
               <a:ext uri="{91240B29-F687-4f45-9708-019B960494DF}">
-                <a14:hiddenLine xmlns="" xmlns:a14="http://schemas.microsoft.com/office/drawing/2010/main" w="9525">
+                <a14:hiddenLine xmlns:a14="http://schemas.microsoft.com/office/drawing/2010/main" xmlns="" w="9525">
                   <a:solidFill>
                     <a:srgbClr val="000000"/>
                   </a:solidFill>
@@ -317,7 +317,7 @@
             </a:ln>
             <a:extLst>
               <a:ext uri="{91240B29-F687-4f45-9708-019B960494DF}">
-                <a14:hiddenLine xmlns="" xmlns:a14="http://schemas.microsoft.com/office/drawing/2010/main" w="9525">
+                <a14:hiddenLine xmlns:a14="http://schemas.microsoft.com/office/drawing/2010/main" xmlns="" w="9525">
                   <a:solidFill>
                     <a:srgbClr val="000000"/>
                   </a:solidFill>
@@ -407,7 +407,7 @@
             </a:ln>
             <a:extLst>
               <a:ext uri="{91240B29-F687-4f45-9708-019B960494DF}">
-                <a14:hiddenLine xmlns="" xmlns:a14="http://schemas.microsoft.com/office/drawing/2010/main" w="9525">
+                <a14:hiddenLine xmlns:a14="http://schemas.microsoft.com/office/drawing/2010/main" xmlns="" w="9525">
                   <a:solidFill>
                     <a:srgbClr val="000000"/>
                   </a:solidFill>
@@ -441,7 +441,7 @@
             </a:ln>
             <a:extLst>
               <a:ext uri="{91240B29-F687-4f45-9708-019B960494DF}">
-                <a14:hiddenLine xmlns="" xmlns:a14="http://schemas.microsoft.com/office/drawing/2010/main" w="9525">
+                <a14:hiddenLine xmlns:a14="http://schemas.microsoft.com/office/drawing/2010/main" xmlns="" w="9525">
                   <a:solidFill>
                     <a:srgbClr val="000000"/>
                   </a:solidFill>
@@ -531,7 +531,7 @@
             </a:ln>
             <a:extLst>
               <a:ext uri="{91240B29-F687-4f45-9708-019B960494DF}">
-                <a14:hiddenLine xmlns="" xmlns:a14="http://schemas.microsoft.com/office/drawing/2010/main" w="9525">
+                <a14:hiddenLine xmlns:a14="http://schemas.microsoft.com/office/drawing/2010/main" xmlns="" w="9525">
                   <a:solidFill>
                     <a:srgbClr val="000000"/>
                   </a:solidFill>
@@ -593,7 +593,7 @@
             </a:ln>
             <a:extLst>
               <a:ext uri="{91240B29-F687-4f45-9708-019B960494DF}">
-                <a14:hiddenLine xmlns="" xmlns:a14="http://schemas.microsoft.com/office/drawing/2010/main" w="9525">
+                <a14:hiddenLine xmlns:a14="http://schemas.microsoft.com/office/drawing/2010/main" xmlns="" w="9525">
                   <a:solidFill>
                     <a:srgbClr val="000000"/>
                   </a:solidFill>
@@ -655,7 +655,7 @@
             </a:ln>
             <a:extLst>
               <a:ext uri="{91240B29-F687-4f45-9708-019B960494DF}">
-                <a14:hiddenLine xmlns="" xmlns:a14="http://schemas.microsoft.com/office/drawing/2010/main" w="9525">
+                <a14:hiddenLine xmlns:a14="http://schemas.microsoft.com/office/drawing/2010/main" xmlns="" w="9525">
                   <a:solidFill>
                     <a:srgbClr val="000000"/>
                   </a:solidFill>
@@ -745,7 +745,7 @@
             </a:ln>
             <a:extLst>
               <a:ext uri="{91240B29-F687-4f45-9708-019B960494DF}">
-                <a14:hiddenLine xmlns="" xmlns:a14="http://schemas.microsoft.com/office/drawing/2010/main" w="9525">
+                <a14:hiddenLine xmlns:a14="http://schemas.microsoft.com/office/drawing/2010/main" xmlns="" w="9525">
                   <a:solidFill>
                     <a:srgbClr val="000000"/>
                   </a:solidFill>
@@ -807,7 +807,7 @@
             </a:ln>
             <a:extLst>
               <a:ext uri="{91240B29-F687-4f45-9708-019B960494DF}">
-                <a14:hiddenLine xmlns="" xmlns:a14="http://schemas.microsoft.com/office/drawing/2010/main" w="9525">
+                <a14:hiddenLine xmlns:a14="http://schemas.microsoft.com/office/drawing/2010/main" xmlns="" w="9525">
                   <a:solidFill>
                     <a:srgbClr val="000000"/>
                   </a:solidFill>
@@ -869,7 +869,7 @@
             </a:ln>
             <a:extLst>
               <a:ext uri="{91240B29-F687-4f45-9708-019B960494DF}">
-                <a14:hiddenLine xmlns="" xmlns:a14="http://schemas.microsoft.com/office/drawing/2010/main" w="9525">
+                <a14:hiddenLine xmlns:a14="http://schemas.microsoft.com/office/drawing/2010/main" xmlns="" w="9525">
                   <a:solidFill>
                     <a:srgbClr val="000000"/>
                   </a:solidFill>
@@ -959,7 +959,7 @@
             </a:ln>
             <a:extLst>
               <a:ext uri="{91240B29-F687-4f45-9708-019B960494DF}">
-                <a14:hiddenLine xmlns="" xmlns:a14="http://schemas.microsoft.com/office/drawing/2010/main" w="9525">
+                <a14:hiddenLine xmlns:a14="http://schemas.microsoft.com/office/drawing/2010/main" xmlns="" w="9525">
                   <a:solidFill>
                     <a:srgbClr val="000000"/>
                   </a:solidFill>
@@ -1049,7 +1049,7 @@
             </a:ln>
             <a:extLst>
               <a:ext uri="{91240B29-F687-4f45-9708-019B960494DF}">
-                <a14:hiddenLine xmlns="" xmlns:a14="http://schemas.microsoft.com/office/drawing/2010/main" w="9525">
+                <a14:hiddenLine xmlns:a14="http://schemas.microsoft.com/office/drawing/2010/main" xmlns="" w="9525">
                   <a:solidFill>
                     <a:srgbClr val="000000"/>
                   </a:solidFill>
@@ -1111,7 +1111,7 @@
             </a:ln>
             <a:extLst>
               <a:ext uri="{91240B29-F687-4f45-9708-019B960494DF}">
-                <a14:hiddenLine xmlns="" xmlns:a14="http://schemas.microsoft.com/office/drawing/2010/main" w="9525">
+                <a14:hiddenLine xmlns:a14="http://schemas.microsoft.com/office/drawing/2010/main" xmlns="" w="9525">
                   <a:solidFill>
                     <a:srgbClr val="000000"/>
                   </a:solidFill>
@@ -1221,7 +1221,7 @@
             </a:ln>
             <a:extLst>
               <a:ext uri="{91240B29-F687-4f45-9708-019B960494DF}">
-                <a14:hiddenLine xmlns="" xmlns:a14="http://schemas.microsoft.com/office/drawing/2010/main" w="9525">
+                <a14:hiddenLine xmlns:a14="http://schemas.microsoft.com/office/drawing/2010/main" xmlns="" w="9525">
                   <a:solidFill>
                     <a:srgbClr val="000000"/>
                   </a:solidFill>
@@ -1283,7 +1283,7 @@
             </a:ln>
             <a:extLst>
               <a:ext uri="{91240B29-F687-4f45-9708-019B960494DF}">
-                <a14:hiddenLine xmlns="" xmlns:a14="http://schemas.microsoft.com/office/drawing/2010/main" w="9525">
+                <a14:hiddenLine xmlns:a14="http://schemas.microsoft.com/office/drawing/2010/main" xmlns="" w="9525">
                   <a:solidFill>
                     <a:srgbClr val="000000"/>
                   </a:solidFill>
@@ -1373,7 +1373,7 @@
             </a:ln>
             <a:extLst>
               <a:ext uri="{91240B29-F687-4f45-9708-019B960494DF}">
-                <a14:hiddenLine xmlns="" xmlns:a14="http://schemas.microsoft.com/office/drawing/2010/main" w="9525">
+                <a14:hiddenLine xmlns:a14="http://schemas.microsoft.com/office/drawing/2010/main" xmlns="" w="9525">
                   <a:solidFill>
                     <a:srgbClr val="000000"/>
                   </a:solidFill>
@@ -1463,7 +1463,7 @@
             </a:ln>
             <a:extLst>
               <a:ext uri="{91240B29-F687-4f45-9708-019B960494DF}">
-                <a14:hiddenLine xmlns="" xmlns:a14="http://schemas.microsoft.com/office/drawing/2010/main" w="9525">
+                <a14:hiddenLine xmlns:a14="http://schemas.microsoft.com/office/drawing/2010/main" xmlns="" w="9525">
                   <a:solidFill>
                     <a:srgbClr val="000000"/>
                   </a:solidFill>
@@ -1525,7 +1525,7 @@
             </a:ln>
             <a:extLst>
               <a:ext uri="{91240B29-F687-4f45-9708-019B960494DF}">
-                <a14:hiddenLine xmlns="" xmlns:a14="http://schemas.microsoft.com/office/drawing/2010/main" w="9525">
+                <a14:hiddenLine xmlns:a14="http://schemas.microsoft.com/office/drawing/2010/main" xmlns="" w="9525">
                   <a:solidFill>
                     <a:srgbClr val="000000"/>
                   </a:solidFill>
@@ -1615,7 +1615,7 @@
             </a:ln>
             <a:extLst>
               <a:ext uri="{91240B29-F687-4f45-9708-019B960494DF}">
-                <a14:hiddenLine xmlns="" xmlns:a14="http://schemas.microsoft.com/office/drawing/2010/main" w="9525">
+                <a14:hiddenLine xmlns:a14="http://schemas.microsoft.com/office/drawing/2010/main" xmlns="" w="9525">
                   <a:solidFill>
                     <a:srgbClr val="000000"/>
                   </a:solidFill>
@@ -1705,7 +1705,7 @@
             </a:ln>
             <a:extLst>
               <a:ext uri="{91240B29-F687-4f45-9708-019B960494DF}">
-                <a14:hiddenLine xmlns="" xmlns:a14="http://schemas.microsoft.com/office/drawing/2010/main" w="9525">
+                <a14:hiddenLine xmlns:a14="http://schemas.microsoft.com/office/drawing/2010/main" xmlns="" w="9525">
                   <a:solidFill>
                     <a:srgbClr val="000000"/>
                   </a:solidFill>
@@ -1761,7 +1761,7 @@
             </a:ln>
             <a:extLst>
               <a:ext uri="{91240B29-F687-4f45-9708-019B960494DF}">
-                <a14:hiddenLine xmlns="" xmlns:a14="http://schemas.microsoft.com/office/drawing/2010/main" w="9525">
+                <a14:hiddenLine xmlns:a14="http://schemas.microsoft.com/office/drawing/2010/main" xmlns="" w="9525">
                   <a:solidFill>
                     <a:srgbClr val="000000"/>
                   </a:solidFill>
@@ -1851,7 +1851,7 @@
             </a:ln>
             <a:extLst>
               <a:ext uri="{91240B29-F687-4f45-9708-019B960494DF}">
-                <a14:hiddenLine xmlns="" xmlns:a14="http://schemas.microsoft.com/office/drawing/2010/main" w="9525">
+                <a14:hiddenLine xmlns:a14="http://schemas.microsoft.com/office/drawing/2010/main" xmlns="" w="9525">
                   <a:solidFill>
                     <a:srgbClr val="000000"/>
                   </a:solidFill>
@@ -1907,7 +1907,7 @@
             </a:ln>
             <a:extLst>
               <a:ext uri="{91240B29-F687-4f45-9708-019B960494DF}">
-                <a14:hiddenLine xmlns="" xmlns:a14="http://schemas.microsoft.com/office/drawing/2010/main" w="9525">
+                <a14:hiddenLine xmlns:a14="http://schemas.microsoft.com/office/drawing/2010/main" xmlns="" w="9525">
                   <a:solidFill>
                     <a:srgbClr val="000000"/>
                   </a:solidFill>
@@ -1997,7 +1997,7 @@
             </a:ln>
             <a:extLst>
               <a:ext uri="{91240B29-F687-4f45-9708-019B960494DF}">
-                <a14:hiddenLine xmlns="" xmlns:a14="http://schemas.microsoft.com/office/drawing/2010/main" w="9525">
+                <a14:hiddenLine xmlns:a14="http://schemas.microsoft.com/office/drawing/2010/main" xmlns="" w="9525">
                   <a:solidFill>
                     <a:srgbClr val="000000"/>
                   </a:solidFill>
@@ -2065,7 +2065,7 @@
             </a:ln>
             <a:extLst>
               <a:ext uri="{91240B29-F687-4f45-9708-019B960494DF}">
-                <a14:hiddenLine xmlns="" xmlns:a14="http://schemas.microsoft.com/office/drawing/2010/main" w="9525">
+                <a14:hiddenLine xmlns:a14="http://schemas.microsoft.com/office/drawing/2010/main" xmlns="" w="9525">
                   <a:solidFill>
                     <a:srgbClr val="000000"/>
                   </a:solidFill>
@@ -2155,7 +2155,7 @@
             </a:ln>
             <a:extLst>
               <a:ext uri="{91240B29-F687-4f45-9708-019B960494DF}">
-                <a14:hiddenLine xmlns="" xmlns:a14="http://schemas.microsoft.com/office/drawing/2010/main" w="9525">
+                <a14:hiddenLine xmlns:a14="http://schemas.microsoft.com/office/drawing/2010/main" xmlns="" w="9525">
                   <a:solidFill>
                     <a:srgbClr val="000000"/>
                   </a:solidFill>
@@ -2223,7 +2223,7 @@
             </a:ln>
             <a:extLst>
               <a:ext uri="{91240B29-F687-4f45-9708-019B960494DF}">
-                <a14:hiddenLine xmlns="" xmlns:a14="http://schemas.microsoft.com/office/drawing/2010/main" w="9525">
+                <a14:hiddenLine xmlns:a14="http://schemas.microsoft.com/office/drawing/2010/main" xmlns="" w="9525">
                   <a:solidFill>
                     <a:srgbClr val="000000"/>
                   </a:solidFill>
@@ -2313,7 +2313,7 @@
             </a:ln>
             <a:extLst>
               <a:ext uri="{91240B29-F687-4f45-9708-019B960494DF}">
-                <a14:hiddenLine xmlns="" xmlns:a14="http://schemas.microsoft.com/office/drawing/2010/main" w="9525">
+                <a14:hiddenLine xmlns:a14="http://schemas.microsoft.com/office/drawing/2010/main" xmlns="" w="9525">
                   <a:solidFill>
                     <a:srgbClr val="000000"/>
                   </a:solidFill>
@@ -2347,7 +2347,7 @@
             </a:ln>
             <a:extLst>
               <a:ext uri="{91240B29-F687-4f45-9708-019B960494DF}">
-                <a14:hiddenLine xmlns="" xmlns:a14="http://schemas.microsoft.com/office/drawing/2010/main" w="9525">
+                <a14:hiddenLine xmlns:a14="http://schemas.microsoft.com/office/drawing/2010/main" xmlns="" w="9525">
                   <a:solidFill>
                     <a:srgbClr val="000000"/>
                   </a:solidFill>
@@ -2437,7 +2437,7 @@
             </a:ln>
             <a:extLst>
               <a:ext uri="{91240B29-F687-4f45-9708-019B960494DF}">
-                <a14:hiddenLine xmlns="" xmlns:a14="http://schemas.microsoft.com/office/drawing/2010/main" w="9525">
+                <a14:hiddenLine xmlns:a14="http://schemas.microsoft.com/office/drawing/2010/main" xmlns="" w="9525">
                   <a:solidFill>
                     <a:srgbClr val="000000"/>
                   </a:solidFill>
@@ -2499,7 +2499,7 @@
             </a:ln>
             <a:extLst>
               <a:ext uri="{91240B29-F687-4f45-9708-019B960494DF}">
-                <a14:hiddenLine xmlns="" xmlns:a14="http://schemas.microsoft.com/office/drawing/2010/main" w="9525">
+                <a14:hiddenLine xmlns:a14="http://schemas.microsoft.com/office/drawing/2010/main" xmlns="" w="9525">
                   <a:solidFill>
                     <a:srgbClr val="000000"/>
                   </a:solidFill>
@@ -2561,7 +2561,7 @@
             </a:ln>
             <a:extLst>
               <a:ext uri="{91240B29-F687-4f45-9708-019B960494DF}">
-                <a14:hiddenLine xmlns="" xmlns:a14="http://schemas.microsoft.com/office/drawing/2010/main" w="9525">
+                <a14:hiddenLine xmlns:a14="http://schemas.microsoft.com/office/drawing/2010/main" xmlns="" w="9525">
                   <a:solidFill>
                     <a:srgbClr val="000000"/>
                   </a:solidFill>
@@ -2651,7 +2651,7 @@
             </a:ln>
             <a:extLst>
               <a:ext uri="{91240B29-F687-4f45-9708-019B960494DF}">
-                <a14:hiddenLine xmlns="" xmlns:a14="http://schemas.microsoft.com/office/drawing/2010/main" w="9525">
+                <a14:hiddenLine xmlns:a14="http://schemas.microsoft.com/office/drawing/2010/main" xmlns="" w="9525">
                   <a:solidFill>
                     <a:srgbClr val="000000"/>
                   </a:solidFill>
@@ -2719,7 +2719,7 @@
             </a:ln>
             <a:extLst>
               <a:ext uri="{91240B29-F687-4f45-9708-019B960494DF}">
-                <a14:hiddenLine xmlns="" xmlns:a14="http://schemas.microsoft.com/office/drawing/2010/main" w="9525">
+                <a14:hiddenLine xmlns:a14="http://schemas.microsoft.com/office/drawing/2010/main" xmlns="" w="9525">
                   <a:solidFill>
                     <a:srgbClr val="000000"/>
                   </a:solidFill>
@@ -2781,7 +2781,7 @@
             </a:ln>
             <a:extLst>
               <a:ext uri="{91240B29-F687-4f45-9708-019B960494DF}">
-                <a14:hiddenLine xmlns="" xmlns:a14="http://schemas.microsoft.com/office/drawing/2010/main" w="9525">
+                <a14:hiddenLine xmlns:a14="http://schemas.microsoft.com/office/drawing/2010/main" xmlns="" w="9525">
                   <a:solidFill>
                     <a:srgbClr val="000000"/>
                   </a:solidFill>
@@ -2871,7 +2871,7 @@
             </a:ln>
             <a:extLst>
               <a:ext uri="{91240B29-F687-4f45-9708-019B960494DF}">
-                <a14:hiddenLine xmlns="" xmlns:a14="http://schemas.microsoft.com/office/drawing/2010/main" w="9525">
+                <a14:hiddenLine xmlns:a14="http://schemas.microsoft.com/office/drawing/2010/main" xmlns="" w="9525">
                   <a:solidFill>
                     <a:srgbClr val="000000"/>
                   </a:solidFill>
@@ -2933,7 +2933,7 @@
             </a:ln>
             <a:extLst>
               <a:ext uri="{91240B29-F687-4f45-9708-019B960494DF}">
-                <a14:hiddenLine xmlns="" xmlns:a14="http://schemas.microsoft.com/office/drawing/2010/main" w="9525">
+                <a14:hiddenLine xmlns:a14="http://schemas.microsoft.com/office/drawing/2010/main" xmlns="" w="9525">
                   <a:solidFill>
                     <a:srgbClr val="000000"/>
                   </a:solidFill>
@@ -3023,7 +3023,7 @@
             </a:ln>
             <a:extLst>
               <a:ext uri="{91240B29-F687-4f45-9708-019B960494DF}">
-                <a14:hiddenLine xmlns="" xmlns:a14="http://schemas.microsoft.com/office/drawing/2010/main" w="9525">
+                <a14:hiddenLine xmlns:a14="http://schemas.microsoft.com/office/drawing/2010/main" xmlns="" w="9525">
                   <a:solidFill>
                     <a:srgbClr val="000000"/>
                   </a:solidFill>
@@ -3085,7 +3085,7 @@
             </a:ln>
             <a:extLst>
               <a:ext uri="{91240B29-F687-4f45-9708-019B960494DF}">
-                <a14:hiddenLine xmlns="" xmlns:a14="http://schemas.microsoft.com/office/drawing/2010/main" w="9525">
+                <a14:hiddenLine xmlns:a14="http://schemas.microsoft.com/office/drawing/2010/main" xmlns="" w="9525">
                   <a:solidFill>
                     <a:srgbClr val="000000"/>
                   </a:solidFill>
@@ -3175,7 +3175,7 @@
             </a:ln>
             <a:extLst>
               <a:ext uri="{91240B29-F687-4f45-9708-019B960494DF}">
-                <a14:hiddenLine xmlns="" xmlns:a14="http://schemas.microsoft.com/office/drawing/2010/main" w="9525">
+                <a14:hiddenLine xmlns:a14="http://schemas.microsoft.com/office/drawing/2010/main" xmlns="" w="9525">
                   <a:solidFill>
                     <a:srgbClr val="000000"/>
                   </a:solidFill>
@@ -3209,7 +3209,7 @@
             </a:ln>
             <a:extLst>
               <a:ext uri="{91240B29-F687-4f45-9708-019B960494DF}">
-                <a14:hiddenLine xmlns="" xmlns:a14="http://schemas.microsoft.com/office/drawing/2010/main" w="9525">
+                <a14:hiddenLine xmlns:a14="http://schemas.microsoft.com/office/drawing/2010/main" xmlns="" w="9525">
                   <a:solidFill>
                     <a:srgbClr val="000000"/>
                   </a:solidFill>
@@ -3274,7 +3274,7 @@
             </a:ln>
             <a:extLst>
               <a:ext uri="{91240B29-F687-4f45-9708-019B960494DF}">
-                <a14:hiddenLine xmlns="" xmlns:a14="http://schemas.microsoft.com/office/drawing/2010/main" w="9525">
+                <a14:hiddenLine xmlns:a14="http://schemas.microsoft.com/office/drawing/2010/main" xmlns="" w="9525">
                   <a:solidFill>
                     <a:srgbClr val="000000"/>
                   </a:solidFill>
@@ -3364,7 +3364,7 @@
             </a:ln>
             <a:extLst>
               <a:ext uri="{91240B29-F687-4f45-9708-019B960494DF}">
-                <a14:hiddenLine xmlns="" xmlns:a14="http://schemas.microsoft.com/office/drawing/2010/main" w="9525">
+                <a14:hiddenLine xmlns:a14="http://schemas.microsoft.com/office/drawing/2010/main" xmlns="" w="9525">
                   <a:solidFill>
                     <a:srgbClr val="000000"/>
                   </a:solidFill>
@@ -3426,7 +3426,7 @@
             </a:ln>
             <a:extLst>
               <a:ext uri="{91240B29-F687-4f45-9708-019B960494DF}">
-                <a14:hiddenLine xmlns="" xmlns:a14="http://schemas.microsoft.com/office/drawing/2010/main" w="9525">
+                <a14:hiddenLine xmlns:a14="http://schemas.microsoft.com/office/drawing/2010/main" xmlns="" w="9525">
                   <a:solidFill>
                     <a:srgbClr val="000000"/>
                   </a:solidFill>
@@ -3516,7 +3516,7 @@
             </a:ln>
             <a:extLst>
               <a:ext uri="{91240B29-F687-4f45-9708-019B960494DF}">
-                <a14:hiddenLine xmlns="" xmlns:a14="http://schemas.microsoft.com/office/drawing/2010/main" w="9525">
+                <a14:hiddenLine xmlns:a14="http://schemas.microsoft.com/office/drawing/2010/main" xmlns="" w="9525">
                   <a:solidFill>
                     <a:srgbClr val="000000"/>
                   </a:solidFill>
@@ -3606,7 +3606,7 @@
             </a:ln>
             <a:extLst>
               <a:ext uri="{91240B29-F687-4f45-9708-019B960494DF}">
-                <a14:hiddenLine xmlns="" xmlns:a14="http://schemas.microsoft.com/office/drawing/2010/main" w="9525">
+                <a14:hiddenLine xmlns:a14="http://schemas.microsoft.com/office/drawing/2010/main" xmlns="" w="9525">
                   <a:solidFill>
                     <a:srgbClr val="000000"/>
                   </a:solidFill>
@@ -3671,7 +3671,7 @@
             </a:ln>
             <a:extLst>
               <a:ext uri="{91240B29-F687-4f45-9708-019B960494DF}">
-                <a14:hiddenLine xmlns="" xmlns:a14="http://schemas.microsoft.com/office/drawing/2010/main" w="9525">
+                <a14:hiddenLine xmlns:a14="http://schemas.microsoft.com/office/drawing/2010/main" xmlns="" w="9525">
                   <a:solidFill>
                     <a:srgbClr val="000000"/>
                   </a:solidFill>
@@ -3733,7 +3733,7 @@
             </a:ln>
             <a:extLst>
               <a:ext uri="{91240B29-F687-4f45-9708-019B960494DF}">
-                <a14:hiddenLine xmlns="" xmlns:a14="http://schemas.microsoft.com/office/drawing/2010/main" w="9525">
+                <a14:hiddenLine xmlns:a14="http://schemas.microsoft.com/office/drawing/2010/main" xmlns="" w="9525">
                   <a:solidFill>
                     <a:srgbClr val="000000"/>
                   </a:solidFill>
@@ -3823,7 +3823,7 @@
             </a:ln>
             <a:extLst>
               <a:ext uri="{91240B29-F687-4f45-9708-019B960494DF}">
-                <a14:hiddenLine xmlns="" xmlns:a14="http://schemas.microsoft.com/office/drawing/2010/main" w="9525">
+                <a14:hiddenLine xmlns:a14="http://schemas.microsoft.com/office/drawing/2010/main" xmlns="" w="9525">
                   <a:solidFill>
                     <a:srgbClr val="000000"/>
                   </a:solidFill>
@@ -3913,7 +3913,7 @@
             </a:ln>
             <a:extLst>
               <a:ext uri="{91240B29-F687-4f45-9708-019B960494DF}">
-                <a14:hiddenLine xmlns="" xmlns:a14="http://schemas.microsoft.com/office/drawing/2010/main" w="9525">
+                <a14:hiddenLine xmlns:a14="http://schemas.microsoft.com/office/drawing/2010/main" xmlns="" w="9525">
                   <a:solidFill>
                     <a:srgbClr val="000000"/>
                   </a:solidFill>
@@ -3975,7 +3975,7 @@
             </a:ln>
             <a:extLst>
               <a:ext uri="{91240B29-F687-4f45-9708-019B960494DF}">
-                <a14:hiddenLine xmlns="" xmlns:a14="http://schemas.microsoft.com/office/drawing/2010/main" w="9525">
+                <a14:hiddenLine xmlns:a14="http://schemas.microsoft.com/office/drawing/2010/main" xmlns="" w="9525">
                   <a:solidFill>
                     <a:srgbClr val="000000"/>
                   </a:solidFill>
@@ -4095,7 +4095,7 @@
             </a:ln>
             <a:extLst>
               <a:ext uri="{91240B29-F687-4f45-9708-019B960494DF}">
-                <a14:hiddenLine xmlns="" xmlns:a14="http://schemas.microsoft.com/office/drawing/2010/main" w="9525">
+                <a14:hiddenLine xmlns:a14="http://schemas.microsoft.com/office/drawing/2010/main" xmlns="" w="9525">
                   <a:solidFill>
                     <a:srgbClr val="000000"/>
                   </a:solidFill>
@@ -4163,7 +4163,7 @@
             </a:ln>
             <a:extLst>
               <a:ext uri="{91240B29-F687-4f45-9708-019B960494DF}">
-                <a14:hiddenLine xmlns="" xmlns:a14="http://schemas.microsoft.com/office/drawing/2010/main" w="9525">
+                <a14:hiddenLine xmlns:a14="http://schemas.microsoft.com/office/drawing/2010/main" xmlns="" w="9525">
                   <a:solidFill>
                     <a:srgbClr val="000000"/>
                   </a:solidFill>
@@ -4253,7 +4253,7 @@
             </a:ln>
             <a:extLst>
               <a:ext uri="{91240B29-F687-4f45-9708-019B960494DF}">
-                <a14:hiddenLine xmlns="" xmlns:a14="http://schemas.microsoft.com/office/drawing/2010/main" w="9525">
+                <a14:hiddenLine xmlns:a14="http://schemas.microsoft.com/office/drawing/2010/main" xmlns="" w="9525">
                   <a:solidFill>
                     <a:srgbClr val="000000"/>
                   </a:solidFill>
@@ -4393,7 +4393,7 @@
           <a:p>
             <a:fld id="{48A87A34-81AB-432B-8DAE-1953F412C126}" type="datetimeFigureOut">
               <a:rPr lang="en-US" dirty="0"/>
-              <a:t>7/20/2022</a:t>
+              <a:t>7/21/2022</a:t>
             </a:fld>
             <a:endParaRPr lang="en-US" dirty="0"/>
           </a:p>
@@ -4655,7 +4655,7 @@
           <a:p>
             <a:fld id="{48A87A34-81AB-432B-8DAE-1953F412C126}" type="datetimeFigureOut">
               <a:rPr lang="en-US" dirty="0"/>
-              <a:t>7/20/2022</a:t>
+              <a:t>7/21/2022</a:t>
             </a:fld>
             <a:endParaRPr lang="en-US" dirty="0"/>
           </a:p>
@@ -4846,7 +4846,7 @@
           <a:p>
             <a:fld id="{48A87A34-81AB-432B-8DAE-1953F412C126}" type="datetimeFigureOut">
               <a:rPr lang="en-US" dirty="0"/>
-              <a:t>7/20/2022</a:t>
+              <a:t>7/21/2022</a:t>
             </a:fld>
             <a:endParaRPr lang="en-US" dirty="0"/>
           </a:p>
@@ -5104,7 +5104,7 @@
           <a:p>
             <a:fld id="{48A87A34-81AB-432B-8DAE-1953F412C126}" type="datetimeFigureOut">
               <a:rPr lang="en-US" dirty="0"/>
-              <a:t>7/20/2022</a:t>
+              <a:t>7/21/2022</a:t>
             </a:fld>
             <a:endParaRPr lang="en-US" dirty="0"/>
           </a:p>
@@ -5533,7 +5533,7 @@
           <a:p>
             <a:fld id="{48A87A34-81AB-432B-8DAE-1953F412C126}" type="datetimeFigureOut">
               <a:rPr lang="en-US" dirty="0"/>
-              <a:t>7/20/2022</a:t>
+              <a:t>7/21/2022</a:t>
             </a:fld>
             <a:endParaRPr lang="en-US" dirty="0"/>
           </a:p>
@@ -6074,7 +6074,7 @@
           <a:p>
             <a:fld id="{48A87A34-81AB-432B-8DAE-1953F412C126}" type="datetimeFigureOut">
               <a:rPr lang="en-US" dirty="0"/>
-              <a:t>7/20/2022</a:t>
+              <a:t>7/21/2022</a:t>
             </a:fld>
             <a:endParaRPr lang="en-US" dirty="0"/>
           </a:p>
@@ -6789,7 +6789,7 @@
           <a:p>
             <a:fld id="{48A87A34-81AB-432B-8DAE-1953F412C126}" type="datetimeFigureOut">
               <a:rPr lang="en-US" dirty="0"/>
-              <a:t>7/20/2022</a:t>
+              <a:t>7/21/2022</a:t>
             </a:fld>
             <a:endParaRPr lang="en-US" dirty="0"/>
           </a:p>
@@ -6954,7 +6954,7 @@
           <a:p>
             <a:fld id="{48A87A34-81AB-432B-8DAE-1953F412C126}" type="datetimeFigureOut">
               <a:rPr lang="en-US" dirty="0"/>
-              <a:t>7/20/2022</a:t>
+              <a:t>7/21/2022</a:t>
             </a:fld>
             <a:endParaRPr lang="en-US" dirty="0"/>
           </a:p>
@@ -7129,7 +7129,7 @@
           <a:p>
             <a:fld id="{48A87A34-81AB-432B-8DAE-1953F412C126}" type="datetimeFigureOut">
               <a:rPr lang="en-US" dirty="0"/>
-              <a:t>7/20/2022</a:t>
+              <a:t>7/21/2022</a:t>
             </a:fld>
             <a:endParaRPr lang="en-US" dirty="0"/>
           </a:p>
@@ -7294,7 +7294,7 @@
           <a:p>
             <a:fld id="{48A87A34-81AB-432B-8DAE-1953F412C126}" type="datetimeFigureOut">
               <a:rPr lang="en-US" dirty="0"/>
-              <a:t>7/20/2022</a:t>
+              <a:t>7/21/2022</a:t>
             </a:fld>
             <a:endParaRPr lang="en-US" dirty="0"/>
           </a:p>
@@ -7539,7 +7539,7 @@
           <a:p>
             <a:fld id="{48A87A34-81AB-432B-8DAE-1953F412C126}" type="datetimeFigureOut">
               <a:rPr lang="en-US" dirty="0"/>
-              <a:t>7/20/2022</a:t>
+              <a:t>7/21/2022</a:t>
             </a:fld>
             <a:endParaRPr lang="en-US" dirty="0"/>
           </a:p>
@@ -7766,7 +7766,7 @@
           <a:p>
             <a:fld id="{48A87A34-81AB-432B-8DAE-1953F412C126}" type="datetimeFigureOut">
               <a:rPr lang="en-US" dirty="0"/>
-              <a:t>7/20/2022</a:t>
+              <a:t>7/21/2022</a:t>
             </a:fld>
             <a:endParaRPr lang="en-US" dirty="0"/>
           </a:p>
@@ -8142,7 +8142,7 @@
           <a:p>
             <a:fld id="{48A87A34-81AB-432B-8DAE-1953F412C126}" type="datetimeFigureOut">
               <a:rPr lang="en-US" dirty="0"/>
-              <a:t>7/20/2022</a:t>
+              <a:t>7/21/2022</a:t>
             </a:fld>
             <a:endParaRPr lang="en-US" dirty="0"/>
           </a:p>
@@ -8255,7 +8255,7 @@
           <a:p>
             <a:fld id="{48A87A34-81AB-432B-8DAE-1953F412C126}" type="datetimeFigureOut">
               <a:rPr lang="en-US" dirty="0"/>
-              <a:t>7/20/2022</a:t>
+              <a:t>7/21/2022</a:t>
             </a:fld>
             <a:endParaRPr lang="en-US" dirty="0"/>
           </a:p>
@@ -8345,7 +8345,7 @@
           <a:p>
             <a:fld id="{48A87A34-81AB-432B-8DAE-1953F412C126}" type="datetimeFigureOut">
               <a:rPr lang="en-US" dirty="0"/>
-              <a:t>7/20/2022</a:t>
+              <a:t>7/21/2022</a:t>
             </a:fld>
             <a:endParaRPr lang="en-US" dirty="0"/>
           </a:p>
@@ -8589,7 +8589,7 @@
           <a:p>
             <a:fld id="{48A87A34-81AB-432B-8DAE-1953F412C126}" type="datetimeFigureOut">
               <a:rPr lang="en-US" dirty="0"/>
-              <a:t>7/20/2022</a:t>
+              <a:t>7/21/2022</a:t>
             </a:fld>
             <a:endParaRPr lang="en-US" dirty="0"/>
           </a:p>
@@ -8864,7 +8864,7 @@
           <a:p>
             <a:fld id="{48A87A34-81AB-432B-8DAE-1953F412C126}" type="datetimeFigureOut">
               <a:rPr lang="en-US" dirty="0"/>
-              <a:t>7/20/2022</a:t>
+              <a:t>7/21/2022</a:t>
             </a:fld>
             <a:endParaRPr lang="en-US" dirty="0"/>
           </a:p>
@@ -8975,7 +8975,7 @@
           <a:noFill/>
           <a:extLst>
             <a:ext uri="{909E8E84-426E-40dd-AFC4-6F175D3DCCD1}">
-              <a14:hiddenFill xmlns="" xmlns:a14="http://schemas.microsoft.com/office/drawing/2010/main">
+              <a14:hiddenFill xmlns:a14="http://schemas.microsoft.com/office/drawing/2010/main" xmlns="">
                 <a:solidFill>
                   <a:srgbClr val="FFFFFF"/>
                 </a:solidFill>
@@ -9049,7 +9049,7 @@
               </a:ln>
               <a:extLst>
                 <a:ext uri="{91240B29-F687-4f45-9708-019B960494DF}">
-                  <a14:hiddenLine xmlns="" xmlns:a14="http://schemas.microsoft.com/office/drawing/2010/main" w="9525">
+                  <a14:hiddenLine xmlns:a14="http://schemas.microsoft.com/office/drawing/2010/main" xmlns="" w="9525">
                     <a:solidFill>
                       <a:srgbClr val="000000"/>
                     </a:solidFill>
@@ -9139,7 +9139,7 @@
               </a:ln>
               <a:extLst>
                 <a:ext uri="{91240B29-F687-4f45-9708-019B960494DF}">
-                  <a14:hiddenLine xmlns="" xmlns:a14="http://schemas.microsoft.com/office/drawing/2010/main" w="9525">
+                  <a14:hiddenLine xmlns:a14="http://schemas.microsoft.com/office/drawing/2010/main" xmlns="" w="9525">
                     <a:solidFill>
                       <a:srgbClr val="000000"/>
                     </a:solidFill>
@@ -9229,7 +9229,7 @@
               </a:ln>
               <a:extLst>
                 <a:ext uri="{91240B29-F687-4f45-9708-019B960494DF}">
-                  <a14:hiddenLine xmlns="" xmlns:a14="http://schemas.microsoft.com/office/drawing/2010/main" w="9525">
+                  <a14:hiddenLine xmlns:a14="http://schemas.microsoft.com/office/drawing/2010/main" xmlns="" w="9525">
                     <a:solidFill>
                       <a:srgbClr val="000000"/>
                     </a:solidFill>
@@ -9291,7 +9291,7 @@
               </a:ln>
               <a:extLst>
                 <a:ext uri="{91240B29-F687-4f45-9708-019B960494DF}">
-                  <a14:hiddenLine xmlns="" xmlns:a14="http://schemas.microsoft.com/office/drawing/2010/main" w="9525">
+                  <a14:hiddenLine xmlns:a14="http://schemas.microsoft.com/office/drawing/2010/main" xmlns="" w="9525">
                     <a:solidFill>
                       <a:srgbClr val="000000"/>
                     </a:solidFill>
@@ -9381,7 +9381,7 @@
               </a:ln>
               <a:extLst>
                 <a:ext uri="{91240B29-F687-4f45-9708-019B960494DF}">
-                  <a14:hiddenLine xmlns="" xmlns:a14="http://schemas.microsoft.com/office/drawing/2010/main" w="9525">
+                  <a14:hiddenLine xmlns:a14="http://schemas.microsoft.com/office/drawing/2010/main" xmlns="" w="9525">
                     <a:solidFill>
                       <a:srgbClr val="000000"/>
                     </a:solidFill>
@@ -9443,7 +9443,7 @@
               </a:ln>
               <a:extLst>
                 <a:ext uri="{91240B29-F687-4f45-9708-019B960494DF}">
-                  <a14:hiddenLine xmlns="" xmlns:a14="http://schemas.microsoft.com/office/drawing/2010/main" w="9525">
+                  <a14:hiddenLine xmlns:a14="http://schemas.microsoft.com/office/drawing/2010/main" xmlns="" w="9525">
                     <a:solidFill>
                       <a:srgbClr val="000000"/>
                     </a:solidFill>
@@ -9505,7 +9505,7 @@
               </a:ln>
               <a:extLst>
                 <a:ext uri="{91240B29-F687-4f45-9708-019B960494DF}">
-                  <a14:hiddenLine xmlns="" xmlns:a14="http://schemas.microsoft.com/office/drawing/2010/main" w="9525">
+                  <a14:hiddenLine xmlns:a14="http://schemas.microsoft.com/office/drawing/2010/main" xmlns="" w="9525">
                     <a:solidFill>
                       <a:srgbClr val="000000"/>
                     </a:solidFill>
@@ -9595,7 +9595,7 @@
               </a:ln>
               <a:extLst>
                 <a:ext uri="{91240B29-F687-4f45-9708-019B960494DF}">
-                  <a14:hiddenLine xmlns="" xmlns:a14="http://schemas.microsoft.com/office/drawing/2010/main" w="9525">
+                  <a14:hiddenLine xmlns:a14="http://schemas.microsoft.com/office/drawing/2010/main" xmlns="" w="9525">
                     <a:solidFill>
                       <a:srgbClr val="000000"/>
                     </a:solidFill>
@@ -9685,7 +9685,7 @@
               </a:ln>
               <a:extLst>
                 <a:ext uri="{91240B29-F687-4f45-9708-019B960494DF}">
-                  <a14:hiddenLine xmlns="" xmlns:a14="http://schemas.microsoft.com/office/drawing/2010/main" w="9525">
+                  <a14:hiddenLine xmlns:a14="http://schemas.microsoft.com/office/drawing/2010/main" xmlns="" w="9525">
                     <a:solidFill>
                       <a:srgbClr val="000000"/>
                     </a:solidFill>
@@ -9747,7 +9747,7 @@
               </a:ln>
               <a:extLst>
                 <a:ext uri="{91240B29-F687-4f45-9708-019B960494DF}">
-                  <a14:hiddenLine xmlns="" xmlns:a14="http://schemas.microsoft.com/office/drawing/2010/main" w="9525">
+                  <a14:hiddenLine xmlns:a14="http://schemas.microsoft.com/office/drawing/2010/main" xmlns="" w="9525">
                     <a:solidFill>
                       <a:srgbClr val="000000"/>
                     </a:solidFill>
@@ -9857,7 +9857,7 @@
               </a:ln>
               <a:extLst>
                 <a:ext uri="{91240B29-F687-4f45-9708-019B960494DF}">
-                  <a14:hiddenLine xmlns="" xmlns:a14="http://schemas.microsoft.com/office/drawing/2010/main" w="9525">
+                  <a14:hiddenLine xmlns:a14="http://schemas.microsoft.com/office/drawing/2010/main" xmlns="" w="9525">
                     <a:solidFill>
                       <a:srgbClr val="000000"/>
                     </a:solidFill>
@@ -9941,7 +9941,7 @@
               </a:ln>
               <a:extLst>
                 <a:ext uri="{91240B29-F687-4f45-9708-019B960494DF}">
-                  <a14:hiddenLine xmlns="" xmlns:a14="http://schemas.microsoft.com/office/drawing/2010/main" w="9525">
+                  <a14:hiddenLine xmlns:a14="http://schemas.microsoft.com/office/drawing/2010/main" xmlns="" w="9525">
                     <a:solidFill>
                       <a:srgbClr val="000000"/>
                     </a:solidFill>
@@ -10003,7 +10003,7 @@
               </a:ln>
               <a:extLst>
                 <a:ext uri="{91240B29-F687-4f45-9708-019B960494DF}">
-                  <a14:hiddenLine xmlns="" xmlns:a14="http://schemas.microsoft.com/office/drawing/2010/main" w="9525">
+                  <a14:hiddenLine xmlns:a14="http://schemas.microsoft.com/office/drawing/2010/main" xmlns="" w="9525">
                     <a:solidFill>
                       <a:srgbClr val="000000"/>
                     </a:solidFill>
@@ -10065,7 +10065,7 @@
               </a:ln>
               <a:extLst>
                 <a:ext uri="{91240B29-F687-4f45-9708-019B960494DF}">
-                  <a14:hiddenLine xmlns="" xmlns:a14="http://schemas.microsoft.com/office/drawing/2010/main" w="9525">
+                  <a14:hiddenLine xmlns:a14="http://schemas.microsoft.com/office/drawing/2010/main" xmlns="" w="9525">
                     <a:solidFill>
                       <a:srgbClr val="000000"/>
                     </a:solidFill>
@@ -10155,7 +10155,7 @@
               </a:ln>
               <a:extLst>
                 <a:ext uri="{91240B29-F687-4f45-9708-019B960494DF}">
-                  <a14:hiddenLine xmlns="" xmlns:a14="http://schemas.microsoft.com/office/drawing/2010/main" w="9525">
+                  <a14:hiddenLine xmlns:a14="http://schemas.microsoft.com/office/drawing/2010/main" xmlns="" w="9525">
                     <a:solidFill>
                       <a:srgbClr val="000000"/>
                     </a:solidFill>
@@ -10189,7 +10189,7 @@
               </a:ln>
               <a:extLst>
                 <a:ext uri="{91240B29-F687-4f45-9708-019B960494DF}">
-                  <a14:hiddenLine xmlns="" xmlns:a14="http://schemas.microsoft.com/office/drawing/2010/main" w="9525">
+                  <a14:hiddenLine xmlns:a14="http://schemas.microsoft.com/office/drawing/2010/main" xmlns="" w="9525">
                     <a:solidFill>
                       <a:srgbClr val="000000"/>
                     </a:solidFill>
@@ -10254,7 +10254,7 @@
               </a:ln>
               <a:extLst>
                 <a:ext uri="{91240B29-F687-4f45-9708-019B960494DF}">
-                  <a14:hiddenLine xmlns="" xmlns:a14="http://schemas.microsoft.com/office/drawing/2010/main" w="9525">
+                  <a14:hiddenLine xmlns:a14="http://schemas.microsoft.com/office/drawing/2010/main" xmlns="" w="9525">
                     <a:solidFill>
                       <a:srgbClr val="000000"/>
                     </a:solidFill>
@@ -10344,7 +10344,7 @@
               </a:ln>
               <a:extLst>
                 <a:ext uri="{91240B29-F687-4f45-9708-019B960494DF}">
-                  <a14:hiddenLine xmlns="" xmlns:a14="http://schemas.microsoft.com/office/drawing/2010/main" w="9525">
+                  <a14:hiddenLine xmlns:a14="http://schemas.microsoft.com/office/drawing/2010/main" xmlns="" w="9525">
                     <a:solidFill>
                       <a:srgbClr val="000000"/>
                     </a:solidFill>
@@ -10406,7 +10406,7 @@
               </a:ln>
               <a:extLst>
                 <a:ext uri="{91240B29-F687-4f45-9708-019B960494DF}">
-                  <a14:hiddenLine xmlns="" xmlns:a14="http://schemas.microsoft.com/office/drawing/2010/main" w="9525">
+                  <a14:hiddenLine xmlns:a14="http://schemas.microsoft.com/office/drawing/2010/main" xmlns="" w="9525">
                     <a:solidFill>
                       <a:srgbClr val="000000"/>
                     </a:solidFill>
@@ -10496,7 +10496,7 @@
               </a:ln>
               <a:extLst>
                 <a:ext uri="{91240B29-F687-4f45-9708-019B960494DF}">
-                  <a14:hiddenLine xmlns="" xmlns:a14="http://schemas.microsoft.com/office/drawing/2010/main" w="9525">
+                  <a14:hiddenLine xmlns:a14="http://schemas.microsoft.com/office/drawing/2010/main" xmlns="" w="9525">
                     <a:solidFill>
                       <a:srgbClr val="000000"/>
                     </a:solidFill>
@@ -10561,7 +10561,7 @@
               </a:ln>
               <a:extLst>
                 <a:ext uri="{91240B29-F687-4f45-9708-019B960494DF}">
-                  <a14:hiddenLine xmlns="" xmlns:a14="http://schemas.microsoft.com/office/drawing/2010/main" w="9525">
+                  <a14:hiddenLine xmlns:a14="http://schemas.microsoft.com/office/drawing/2010/main" xmlns="" w="9525">
                     <a:solidFill>
                       <a:srgbClr val="000000"/>
                     </a:solidFill>
@@ -10623,7 +10623,7 @@
               </a:ln>
               <a:extLst>
                 <a:ext uri="{91240B29-F687-4f45-9708-019B960494DF}">
-                  <a14:hiddenLine xmlns="" xmlns:a14="http://schemas.microsoft.com/office/drawing/2010/main" w="9525">
+                  <a14:hiddenLine xmlns:a14="http://schemas.microsoft.com/office/drawing/2010/main" xmlns="" w="9525">
                     <a:solidFill>
                       <a:srgbClr val="000000"/>
                     </a:solidFill>
@@ -10713,7 +10713,7 @@
               </a:ln>
               <a:extLst>
                 <a:ext uri="{91240B29-F687-4f45-9708-019B960494DF}">
-                  <a14:hiddenLine xmlns="" xmlns:a14="http://schemas.microsoft.com/office/drawing/2010/main" w="9525">
+                  <a14:hiddenLine xmlns:a14="http://schemas.microsoft.com/office/drawing/2010/main" xmlns="" w="9525">
                     <a:solidFill>
                       <a:srgbClr val="000000"/>
                     </a:solidFill>
@@ -10803,7 +10803,7 @@
               </a:ln>
               <a:extLst>
                 <a:ext uri="{91240B29-F687-4f45-9708-019B960494DF}">
-                  <a14:hiddenLine xmlns="" xmlns:a14="http://schemas.microsoft.com/office/drawing/2010/main" w="9525">
+                  <a14:hiddenLine xmlns:a14="http://schemas.microsoft.com/office/drawing/2010/main" xmlns="" w="9525">
                     <a:solidFill>
                       <a:srgbClr val="000000"/>
                     </a:solidFill>
@@ -10868,7 +10868,7 @@
               </a:ln>
               <a:extLst>
                 <a:ext uri="{91240B29-F687-4f45-9708-019B960494DF}">
-                  <a14:hiddenLine xmlns="" xmlns:a14="http://schemas.microsoft.com/office/drawing/2010/main" w="9525">
+                  <a14:hiddenLine xmlns:a14="http://schemas.microsoft.com/office/drawing/2010/main" xmlns="" w="9525">
                     <a:solidFill>
                       <a:srgbClr val="000000"/>
                     </a:solidFill>
@@ -10988,7 +10988,7 @@
               </a:ln>
               <a:extLst>
                 <a:ext uri="{91240B29-F687-4f45-9708-019B960494DF}">
-                  <a14:hiddenLine xmlns="" xmlns:a14="http://schemas.microsoft.com/office/drawing/2010/main" w="9525">
+                  <a14:hiddenLine xmlns:a14="http://schemas.microsoft.com/office/drawing/2010/main" xmlns="" w="9525">
                     <a:solidFill>
                       <a:srgbClr val="000000"/>
                     </a:solidFill>
@@ -11086,7 +11086,7 @@
               </a:ln>
               <a:extLst>
                 <a:ext uri="{91240B29-F687-4f45-9708-019B960494DF}">
-                  <a14:hiddenLine xmlns="" xmlns:a14="http://schemas.microsoft.com/office/drawing/2010/main" w="9525">
+                  <a14:hiddenLine xmlns:a14="http://schemas.microsoft.com/office/drawing/2010/main" xmlns="" w="9525">
                     <a:solidFill>
                       <a:srgbClr val="000000"/>
                     </a:solidFill>
@@ -11201,7 +11201,7 @@
               </a:ln>
               <a:extLst>
                 <a:ext uri="{91240B29-F687-4f45-9708-019B960494DF}">
-                  <a14:hiddenLine xmlns="" xmlns:a14="http://schemas.microsoft.com/office/drawing/2010/main" w="9525">
+                  <a14:hiddenLine xmlns:a14="http://schemas.microsoft.com/office/drawing/2010/main" xmlns="" w="9525">
                     <a:solidFill>
                       <a:srgbClr val="000000"/>
                     </a:solidFill>
@@ -11291,7 +11291,7 @@
               </a:ln>
               <a:extLst>
                 <a:ext uri="{91240B29-F687-4f45-9708-019B960494DF}">
-                  <a14:hiddenLine xmlns="" xmlns:a14="http://schemas.microsoft.com/office/drawing/2010/main" w="9525">
+                  <a14:hiddenLine xmlns:a14="http://schemas.microsoft.com/office/drawing/2010/main" xmlns="" w="9525">
                     <a:solidFill>
                       <a:srgbClr val="000000"/>
                     </a:solidFill>
@@ -11356,7 +11356,7 @@
               </a:ln>
               <a:extLst>
                 <a:ext uri="{91240B29-F687-4f45-9708-019B960494DF}">
-                  <a14:hiddenLine xmlns="" xmlns:a14="http://schemas.microsoft.com/office/drawing/2010/main" w="9525">
+                  <a14:hiddenLine xmlns:a14="http://schemas.microsoft.com/office/drawing/2010/main" xmlns="" w="9525">
                     <a:solidFill>
                       <a:srgbClr val="000000"/>
                     </a:solidFill>
@@ -11446,7 +11446,7 @@
               </a:ln>
               <a:extLst>
                 <a:ext uri="{91240B29-F687-4f45-9708-019B960494DF}">
-                  <a14:hiddenLine xmlns="" xmlns:a14="http://schemas.microsoft.com/office/drawing/2010/main" w="9525">
+                  <a14:hiddenLine xmlns:a14="http://schemas.microsoft.com/office/drawing/2010/main" xmlns="" w="9525">
                     <a:solidFill>
                       <a:srgbClr val="000000"/>
                     </a:solidFill>
@@ -11514,7 +11514,7 @@
               </a:ln>
               <a:extLst>
                 <a:ext uri="{91240B29-F687-4f45-9708-019B960494DF}">
-                  <a14:hiddenLine xmlns="" xmlns:a14="http://schemas.microsoft.com/office/drawing/2010/main" w="9525">
+                  <a14:hiddenLine xmlns:a14="http://schemas.microsoft.com/office/drawing/2010/main" xmlns="" w="9525">
                     <a:solidFill>
                       <a:srgbClr val="000000"/>
                     </a:solidFill>
@@ -11604,7 +11604,7 @@
               </a:ln>
               <a:extLst>
                 <a:ext uri="{91240B29-F687-4f45-9708-019B960494DF}">
-                  <a14:hiddenLine xmlns="" xmlns:a14="http://schemas.microsoft.com/office/drawing/2010/main" w="9525">
+                  <a14:hiddenLine xmlns:a14="http://schemas.microsoft.com/office/drawing/2010/main" xmlns="" w="9525">
                     <a:solidFill>
                       <a:srgbClr val="000000"/>
                     </a:solidFill>
@@ -11672,7 +11672,7 @@
               </a:ln>
               <a:extLst>
                 <a:ext uri="{91240B29-F687-4f45-9708-019B960494DF}">
-                  <a14:hiddenLine xmlns="" xmlns:a14="http://schemas.microsoft.com/office/drawing/2010/main" w="9525">
+                  <a14:hiddenLine xmlns:a14="http://schemas.microsoft.com/office/drawing/2010/main" xmlns="" w="9525">
                     <a:solidFill>
                       <a:srgbClr val="000000"/>
                     </a:solidFill>
@@ -11762,7 +11762,7 @@
               </a:ln>
               <a:extLst>
                 <a:ext uri="{91240B29-F687-4f45-9708-019B960494DF}">
-                  <a14:hiddenLine xmlns="" xmlns:a14="http://schemas.microsoft.com/office/drawing/2010/main" w="9525">
+                  <a14:hiddenLine xmlns:a14="http://schemas.microsoft.com/office/drawing/2010/main" xmlns="" w="9525">
                     <a:solidFill>
                       <a:srgbClr val="000000"/>
                     </a:solidFill>
@@ -11796,7 +11796,7 @@
               </a:ln>
               <a:extLst>
                 <a:ext uri="{91240B29-F687-4f45-9708-019B960494DF}">
-                  <a14:hiddenLine xmlns="" xmlns:a14="http://schemas.microsoft.com/office/drawing/2010/main" w="9525">
+                  <a14:hiddenLine xmlns:a14="http://schemas.microsoft.com/office/drawing/2010/main" xmlns="" w="9525">
                     <a:solidFill>
                       <a:srgbClr val="000000"/>
                     </a:solidFill>
@@ -11937,7 +11937,7 @@
             <a:fld id="{48A87A34-81AB-432B-8DAE-1953F412C126}" type="datetimeFigureOut">
               <a:rPr lang="en-US" dirty="0"/>
               <a:pPr/>
-              <a:t>7/20/2022</a:t>
+              <a:t>7/21/2022</a:t>
             </a:fld>
             <a:endParaRPr lang="en-US" dirty="0"/>
           </a:p>
@@ -12727,7 +12727,7 @@
         </p:spPr>
         <p:txBody>
           <a:bodyPr>
-            <a:normAutofit fontScale="92500" lnSpcReduction="20000"/>
+            <a:normAutofit fontScale="85000" lnSpcReduction="20000"/>
           </a:bodyPr>
           <a:lstStyle/>
           <a:p>
@@ -12796,7 +12796,7 @@
             </a:r>
             <a:r>
               <a:rPr lang="it-IT" dirty="0"/>
-              <a:t> e </a:t>
+              <a:t> (con e senza close) e </a:t>
             </a:r>
             <a:r>
               <a:rPr lang="it-IT" dirty="0" err="1"/>
@@ -12973,7 +12973,7 @@
         </p:spPr>
         <p:txBody>
           <a:bodyPr>
-            <a:normAutofit fontScale="92500" lnSpcReduction="20000"/>
+            <a:normAutofit fontScale="85000" lnSpcReduction="20000"/>
           </a:bodyPr>
           <a:lstStyle/>
           <a:p>

--- a/powerpoint/siqilliyya2_definitivo.pptx
+++ b/powerpoint/siqilliyya2_definitivo.pptx
@@ -167,7 +167,7 @@
           <a:noFill/>
           <a:extLst>
             <a:ext uri="{909E8E84-426E-40dd-AFC4-6F175D3DCCD1}">
-              <a14:hiddenFill xmlns:a14="http://schemas.microsoft.com/office/drawing/2010/main" xmlns="">
+              <a14:hiddenFill xmlns="" xmlns:a14="http://schemas.microsoft.com/office/drawing/2010/main">
                 <a:solidFill>
                   <a:srgbClr val="FFFFFF"/>
                 </a:solidFill>
@@ -227,7 +227,7 @@
             </a:ln>
             <a:extLst>
               <a:ext uri="{91240B29-F687-4f45-9708-019B960494DF}">
-                <a14:hiddenLine xmlns:a14="http://schemas.microsoft.com/office/drawing/2010/main" xmlns="" w="9525">
+                <a14:hiddenLine xmlns="" xmlns:a14="http://schemas.microsoft.com/office/drawing/2010/main" w="9525">
                   <a:solidFill>
                     <a:srgbClr val="000000"/>
                   </a:solidFill>
@@ -317,7 +317,7 @@
             </a:ln>
             <a:extLst>
               <a:ext uri="{91240B29-F687-4f45-9708-019B960494DF}">
-                <a14:hiddenLine xmlns:a14="http://schemas.microsoft.com/office/drawing/2010/main" xmlns="" w="9525">
+                <a14:hiddenLine xmlns="" xmlns:a14="http://schemas.microsoft.com/office/drawing/2010/main" w="9525">
                   <a:solidFill>
                     <a:srgbClr val="000000"/>
                   </a:solidFill>
@@ -407,7 +407,7 @@
             </a:ln>
             <a:extLst>
               <a:ext uri="{91240B29-F687-4f45-9708-019B960494DF}">
-                <a14:hiddenLine xmlns:a14="http://schemas.microsoft.com/office/drawing/2010/main" xmlns="" w="9525">
+                <a14:hiddenLine xmlns="" xmlns:a14="http://schemas.microsoft.com/office/drawing/2010/main" w="9525">
                   <a:solidFill>
                     <a:srgbClr val="000000"/>
                   </a:solidFill>
@@ -441,7 +441,7 @@
             </a:ln>
             <a:extLst>
               <a:ext uri="{91240B29-F687-4f45-9708-019B960494DF}">
-                <a14:hiddenLine xmlns:a14="http://schemas.microsoft.com/office/drawing/2010/main" xmlns="" w="9525">
+                <a14:hiddenLine xmlns="" xmlns:a14="http://schemas.microsoft.com/office/drawing/2010/main" w="9525">
                   <a:solidFill>
                     <a:srgbClr val="000000"/>
                   </a:solidFill>
@@ -531,7 +531,7 @@
             </a:ln>
             <a:extLst>
               <a:ext uri="{91240B29-F687-4f45-9708-019B960494DF}">
-                <a14:hiddenLine xmlns:a14="http://schemas.microsoft.com/office/drawing/2010/main" xmlns="" w="9525">
+                <a14:hiddenLine xmlns="" xmlns:a14="http://schemas.microsoft.com/office/drawing/2010/main" w="9525">
                   <a:solidFill>
                     <a:srgbClr val="000000"/>
                   </a:solidFill>
@@ -593,7 +593,7 @@
             </a:ln>
             <a:extLst>
               <a:ext uri="{91240B29-F687-4f45-9708-019B960494DF}">
-                <a14:hiddenLine xmlns:a14="http://schemas.microsoft.com/office/drawing/2010/main" xmlns="" w="9525">
+                <a14:hiddenLine xmlns="" xmlns:a14="http://schemas.microsoft.com/office/drawing/2010/main" w="9525">
                   <a:solidFill>
                     <a:srgbClr val="000000"/>
                   </a:solidFill>
@@ -655,7 +655,7 @@
             </a:ln>
             <a:extLst>
               <a:ext uri="{91240B29-F687-4f45-9708-019B960494DF}">
-                <a14:hiddenLine xmlns:a14="http://schemas.microsoft.com/office/drawing/2010/main" xmlns="" w="9525">
+                <a14:hiddenLine xmlns="" xmlns:a14="http://schemas.microsoft.com/office/drawing/2010/main" w="9525">
                   <a:solidFill>
                     <a:srgbClr val="000000"/>
                   </a:solidFill>
@@ -745,7 +745,7 @@
             </a:ln>
             <a:extLst>
               <a:ext uri="{91240B29-F687-4f45-9708-019B960494DF}">
-                <a14:hiddenLine xmlns:a14="http://schemas.microsoft.com/office/drawing/2010/main" xmlns="" w="9525">
+                <a14:hiddenLine xmlns="" xmlns:a14="http://schemas.microsoft.com/office/drawing/2010/main" w="9525">
                   <a:solidFill>
                     <a:srgbClr val="000000"/>
                   </a:solidFill>
@@ -807,7 +807,7 @@
             </a:ln>
             <a:extLst>
               <a:ext uri="{91240B29-F687-4f45-9708-019B960494DF}">
-                <a14:hiddenLine xmlns:a14="http://schemas.microsoft.com/office/drawing/2010/main" xmlns="" w="9525">
+                <a14:hiddenLine xmlns="" xmlns:a14="http://schemas.microsoft.com/office/drawing/2010/main" w="9525">
                   <a:solidFill>
                     <a:srgbClr val="000000"/>
                   </a:solidFill>
@@ -869,7 +869,7 @@
             </a:ln>
             <a:extLst>
               <a:ext uri="{91240B29-F687-4f45-9708-019B960494DF}">
-                <a14:hiddenLine xmlns:a14="http://schemas.microsoft.com/office/drawing/2010/main" xmlns="" w="9525">
+                <a14:hiddenLine xmlns="" xmlns:a14="http://schemas.microsoft.com/office/drawing/2010/main" w="9525">
                   <a:solidFill>
                     <a:srgbClr val="000000"/>
                   </a:solidFill>
@@ -959,7 +959,7 @@
             </a:ln>
             <a:extLst>
               <a:ext uri="{91240B29-F687-4f45-9708-019B960494DF}">
-                <a14:hiddenLine xmlns:a14="http://schemas.microsoft.com/office/drawing/2010/main" xmlns="" w="9525">
+                <a14:hiddenLine xmlns="" xmlns:a14="http://schemas.microsoft.com/office/drawing/2010/main" w="9525">
                   <a:solidFill>
                     <a:srgbClr val="000000"/>
                   </a:solidFill>
@@ -1049,7 +1049,7 @@
             </a:ln>
             <a:extLst>
               <a:ext uri="{91240B29-F687-4f45-9708-019B960494DF}">
-                <a14:hiddenLine xmlns:a14="http://schemas.microsoft.com/office/drawing/2010/main" xmlns="" w="9525">
+                <a14:hiddenLine xmlns="" xmlns:a14="http://schemas.microsoft.com/office/drawing/2010/main" w="9525">
                   <a:solidFill>
                     <a:srgbClr val="000000"/>
                   </a:solidFill>
@@ -1111,7 +1111,7 @@
             </a:ln>
             <a:extLst>
               <a:ext uri="{91240B29-F687-4f45-9708-019B960494DF}">
-                <a14:hiddenLine xmlns:a14="http://schemas.microsoft.com/office/drawing/2010/main" xmlns="" w="9525">
+                <a14:hiddenLine xmlns="" xmlns:a14="http://schemas.microsoft.com/office/drawing/2010/main" w="9525">
                   <a:solidFill>
                     <a:srgbClr val="000000"/>
                   </a:solidFill>
@@ -1221,7 +1221,7 @@
             </a:ln>
             <a:extLst>
               <a:ext uri="{91240B29-F687-4f45-9708-019B960494DF}">
-                <a14:hiddenLine xmlns:a14="http://schemas.microsoft.com/office/drawing/2010/main" xmlns="" w="9525">
+                <a14:hiddenLine xmlns="" xmlns:a14="http://schemas.microsoft.com/office/drawing/2010/main" w="9525">
                   <a:solidFill>
                     <a:srgbClr val="000000"/>
                   </a:solidFill>
@@ -1283,7 +1283,7 @@
             </a:ln>
             <a:extLst>
               <a:ext uri="{91240B29-F687-4f45-9708-019B960494DF}">
-                <a14:hiddenLine xmlns:a14="http://schemas.microsoft.com/office/drawing/2010/main" xmlns="" w="9525">
+                <a14:hiddenLine xmlns="" xmlns:a14="http://schemas.microsoft.com/office/drawing/2010/main" w="9525">
                   <a:solidFill>
                     <a:srgbClr val="000000"/>
                   </a:solidFill>
@@ -1373,7 +1373,7 @@
             </a:ln>
             <a:extLst>
               <a:ext uri="{91240B29-F687-4f45-9708-019B960494DF}">
-                <a14:hiddenLine xmlns:a14="http://schemas.microsoft.com/office/drawing/2010/main" xmlns="" w="9525">
+                <a14:hiddenLine xmlns="" xmlns:a14="http://schemas.microsoft.com/office/drawing/2010/main" w="9525">
                   <a:solidFill>
                     <a:srgbClr val="000000"/>
                   </a:solidFill>
@@ -1463,7 +1463,7 @@
             </a:ln>
             <a:extLst>
               <a:ext uri="{91240B29-F687-4f45-9708-019B960494DF}">
-                <a14:hiddenLine xmlns:a14="http://schemas.microsoft.com/office/drawing/2010/main" xmlns="" w="9525">
+                <a14:hiddenLine xmlns="" xmlns:a14="http://schemas.microsoft.com/office/drawing/2010/main" w="9525">
                   <a:solidFill>
                     <a:srgbClr val="000000"/>
                   </a:solidFill>
@@ -1525,7 +1525,7 @@
             </a:ln>
             <a:extLst>
               <a:ext uri="{91240B29-F687-4f45-9708-019B960494DF}">
-                <a14:hiddenLine xmlns:a14="http://schemas.microsoft.com/office/drawing/2010/main" xmlns="" w="9525">
+                <a14:hiddenLine xmlns="" xmlns:a14="http://schemas.microsoft.com/office/drawing/2010/main" w="9525">
                   <a:solidFill>
                     <a:srgbClr val="000000"/>
                   </a:solidFill>
@@ -1615,7 +1615,7 @@
             </a:ln>
             <a:extLst>
               <a:ext uri="{91240B29-F687-4f45-9708-019B960494DF}">
-                <a14:hiddenLine xmlns:a14="http://schemas.microsoft.com/office/drawing/2010/main" xmlns="" w="9525">
+                <a14:hiddenLine xmlns="" xmlns:a14="http://schemas.microsoft.com/office/drawing/2010/main" w="9525">
                   <a:solidFill>
                     <a:srgbClr val="000000"/>
                   </a:solidFill>
@@ -1705,7 +1705,7 @@
             </a:ln>
             <a:extLst>
               <a:ext uri="{91240B29-F687-4f45-9708-019B960494DF}">
-                <a14:hiddenLine xmlns:a14="http://schemas.microsoft.com/office/drawing/2010/main" xmlns="" w="9525">
+                <a14:hiddenLine xmlns="" xmlns:a14="http://schemas.microsoft.com/office/drawing/2010/main" w="9525">
                   <a:solidFill>
                     <a:srgbClr val="000000"/>
                   </a:solidFill>
@@ -1761,7 +1761,7 @@
             </a:ln>
             <a:extLst>
               <a:ext uri="{91240B29-F687-4f45-9708-019B960494DF}">
-                <a14:hiddenLine xmlns:a14="http://schemas.microsoft.com/office/drawing/2010/main" xmlns="" w="9525">
+                <a14:hiddenLine xmlns="" xmlns:a14="http://schemas.microsoft.com/office/drawing/2010/main" w="9525">
                   <a:solidFill>
                     <a:srgbClr val="000000"/>
                   </a:solidFill>
@@ -1851,7 +1851,7 @@
             </a:ln>
             <a:extLst>
               <a:ext uri="{91240B29-F687-4f45-9708-019B960494DF}">
-                <a14:hiddenLine xmlns:a14="http://schemas.microsoft.com/office/drawing/2010/main" xmlns="" w="9525">
+                <a14:hiddenLine xmlns="" xmlns:a14="http://schemas.microsoft.com/office/drawing/2010/main" w="9525">
                   <a:solidFill>
                     <a:srgbClr val="000000"/>
                   </a:solidFill>
@@ -1907,7 +1907,7 @@
             </a:ln>
             <a:extLst>
               <a:ext uri="{91240B29-F687-4f45-9708-019B960494DF}">
-                <a14:hiddenLine xmlns:a14="http://schemas.microsoft.com/office/drawing/2010/main" xmlns="" w="9525">
+                <a14:hiddenLine xmlns="" xmlns:a14="http://schemas.microsoft.com/office/drawing/2010/main" w="9525">
                   <a:solidFill>
                     <a:srgbClr val="000000"/>
                   </a:solidFill>
@@ -1997,7 +1997,7 @@
             </a:ln>
             <a:extLst>
               <a:ext uri="{91240B29-F687-4f45-9708-019B960494DF}">
-                <a14:hiddenLine xmlns:a14="http://schemas.microsoft.com/office/drawing/2010/main" xmlns="" w="9525">
+                <a14:hiddenLine xmlns="" xmlns:a14="http://schemas.microsoft.com/office/drawing/2010/main" w="9525">
                   <a:solidFill>
                     <a:srgbClr val="000000"/>
                   </a:solidFill>
@@ -2065,7 +2065,7 @@
             </a:ln>
             <a:extLst>
               <a:ext uri="{91240B29-F687-4f45-9708-019B960494DF}">
-                <a14:hiddenLine xmlns:a14="http://schemas.microsoft.com/office/drawing/2010/main" xmlns="" w="9525">
+                <a14:hiddenLine xmlns="" xmlns:a14="http://schemas.microsoft.com/office/drawing/2010/main" w="9525">
                   <a:solidFill>
                     <a:srgbClr val="000000"/>
                   </a:solidFill>
@@ -2155,7 +2155,7 @@
             </a:ln>
             <a:extLst>
               <a:ext uri="{91240B29-F687-4f45-9708-019B960494DF}">
-                <a14:hiddenLine xmlns:a14="http://schemas.microsoft.com/office/drawing/2010/main" xmlns="" w="9525">
+                <a14:hiddenLine xmlns="" xmlns:a14="http://schemas.microsoft.com/office/drawing/2010/main" w="9525">
                   <a:solidFill>
                     <a:srgbClr val="000000"/>
                   </a:solidFill>
@@ -2223,7 +2223,7 @@
             </a:ln>
             <a:extLst>
               <a:ext uri="{91240B29-F687-4f45-9708-019B960494DF}">
-                <a14:hiddenLine xmlns:a14="http://schemas.microsoft.com/office/drawing/2010/main" xmlns="" w="9525">
+                <a14:hiddenLine xmlns="" xmlns:a14="http://schemas.microsoft.com/office/drawing/2010/main" w="9525">
                   <a:solidFill>
                     <a:srgbClr val="000000"/>
                   </a:solidFill>
@@ -2313,7 +2313,7 @@
             </a:ln>
             <a:extLst>
               <a:ext uri="{91240B29-F687-4f45-9708-019B960494DF}">
-                <a14:hiddenLine xmlns:a14="http://schemas.microsoft.com/office/drawing/2010/main" xmlns="" w="9525">
+                <a14:hiddenLine xmlns="" xmlns:a14="http://schemas.microsoft.com/office/drawing/2010/main" w="9525">
                   <a:solidFill>
                     <a:srgbClr val="000000"/>
                   </a:solidFill>
@@ -2347,7 +2347,7 @@
             </a:ln>
             <a:extLst>
               <a:ext uri="{91240B29-F687-4f45-9708-019B960494DF}">
-                <a14:hiddenLine xmlns:a14="http://schemas.microsoft.com/office/drawing/2010/main" xmlns="" w="9525">
+                <a14:hiddenLine xmlns="" xmlns:a14="http://schemas.microsoft.com/office/drawing/2010/main" w="9525">
                   <a:solidFill>
                     <a:srgbClr val="000000"/>
                   </a:solidFill>
@@ -2437,7 +2437,7 @@
             </a:ln>
             <a:extLst>
               <a:ext uri="{91240B29-F687-4f45-9708-019B960494DF}">
-                <a14:hiddenLine xmlns:a14="http://schemas.microsoft.com/office/drawing/2010/main" xmlns="" w="9525">
+                <a14:hiddenLine xmlns="" xmlns:a14="http://schemas.microsoft.com/office/drawing/2010/main" w="9525">
                   <a:solidFill>
                     <a:srgbClr val="000000"/>
                   </a:solidFill>
@@ -2499,7 +2499,7 @@
             </a:ln>
             <a:extLst>
               <a:ext uri="{91240B29-F687-4f45-9708-019B960494DF}">
-                <a14:hiddenLine xmlns:a14="http://schemas.microsoft.com/office/drawing/2010/main" xmlns="" w="9525">
+                <a14:hiddenLine xmlns="" xmlns:a14="http://schemas.microsoft.com/office/drawing/2010/main" w="9525">
                   <a:solidFill>
                     <a:srgbClr val="000000"/>
                   </a:solidFill>
@@ -2561,7 +2561,7 @@
             </a:ln>
             <a:extLst>
               <a:ext uri="{91240B29-F687-4f45-9708-019B960494DF}">
-                <a14:hiddenLine xmlns:a14="http://schemas.microsoft.com/office/drawing/2010/main" xmlns="" w="9525">
+                <a14:hiddenLine xmlns="" xmlns:a14="http://schemas.microsoft.com/office/drawing/2010/main" w="9525">
                   <a:solidFill>
                     <a:srgbClr val="000000"/>
                   </a:solidFill>
@@ -2651,7 +2651,7 @@
             </a:ln>
             <a:extLst>
               <a:ext uri="{91240B29-F687-4f45-9708-019B960494DF}">
-                <a14:hiddenLine xmlns:a14="http://schemas.microsoft.com/office/drawing/2010/main" xmlns="" w="9525">
+                <a14:hiddenLine xmlns="" xmlns:a14="http://schemas.microsoft.com/office/drawing/2010/main" w="9525">
                   <a:solidFill>
                     <a:srgbClr val="000000"/>
                   </a:solidFill>
@@ -2719,7 +2719,7 @@
             </a:ln>
             <a:extLst>
               <a:ext uri="{91240B29-F687-4f45-9708-019B960494DF}">
-                <a14:hiddenLine xmlns:a14="http://schemas.microsoft.com/office/drawing/2010/main" xmlns="" w="9525">
+                <a14:hiddenLine xmlns="" xmlns:a14="http://schemas.microsoft.com/office/drawing/2010/main" w="9525">
                   <a:solidFill>
                     <a:srgbClr val="000000"/>
                   </a:solidFill>
@@ -2781,7 +2781,7 @@
             </a:ln>
             <a:extLst>
               <a:ext uri="{91240B29-F687-4f45-9708-019B960494DF}">
-                <a14:hiddenLine xmlns:a14="http://schemas.microsoft.com/office/drawing/2010/main" xmlns="" w="9525">
+                <a14:hiddenLine xmlns="" xmlns:a14="http://schemas.microsoft.com/office/drawing/2010/main" w="9525">
                   <a:solidFill>
                     <a:srgbClr val="000000"/>
                   </a:solidFill>
@@ -2871,7 +2871,7 @@
             </a:ln>
             <a:extLst>
               <a:ext uri="{91240B29-F687-4f45-9708-019B960494DF}">
-                <a14:hiddenLine xmlns:a14="http://schemas.microsoft.com/office/drawing/2010/main" xmlns="" w="9525">
+                <a14:hiddenLine xmlns="" xmlns:a14="http://schemas.microsoft.com/office/drawing/2010/main" w="9525">
                   <a:solidFill>
                     <a:srgbClr val="000000"/>
                   </a:solidFill>
@@ -2933,7 +2933,7 @@
             </a:ln>
             <a:extLst>
               <a:ext uri="{91240B29-F687-4f45-9708-019B960494DF}">
-                <a14:hiddenLine xmlns:a14="http://schemas.microsoft.com/office/drawing/2010/main" xmlns="" w="9525">
+                <a14:hiddenLine xmlns="" xmlns:a14="http://schemas.microsoft.com/office/drawing/2010/main" w="9525">
                   <a:solidFill>
                     <a:srgbClr val="000000"/>
                   </a:solidFill>
@@ -3023,7 +3023,7 @@
             </a:ln>
             <a:extLst>
               <a:ext uri="{91240B29-F687-4f45-9708-019B960494DF}">
-                <a14:hiddenLine xmlns:a14="http://schemas.microsoft.com/office/drawing/2010/main" xmlns="" w="9525">
+                <a14:hiddenLine xmlns="" xmlns:a14="http://schemas.microsoft.com/office/drawing/2010/main" w="9525">
                   <a:solidFill>
                     <a:srgbClr val="000000"/>
                   </a:solidFill>
@@ -3085,7 +3085,7 @@
             </a:ln>
             <a:extLst>
               <a:ext uri="{91240B29-F687-4f45-9708-019B960494DF}">
-                <a14:hiddenLine xmlns:a14="http://schemas.microsoft.com/office/drawing/2010/main" xmlns="" w="9525">
+                <a14:hiddenLine xmlns="" xmlns:a14="http://schemas.microsoft.com/office/drawing/2010/main" w="9525">
                   <a:solidFill>
                     <a:srgbClr val="000000"/>
                   </a:solidFill>
@@ -3175,7 +3175,7 @@
             </a:ln>
             <a:extLst>
               <a:ext uri="{91240B29-F687-4f45-9708-019B960494DF}">
-                <a14:hiddenLine xmlns:a14="http://schemas.microsoft.com/office/drawing/2010/main" xmlns="" w="9525">
+                <a14:hiddenLine xmlns="" xmlns:a14="http://schemas.microsoft.com/office/drawing/2010/main" w="9525">
                   <a:solidFill>
                     <a:srgbClr val="000000"/>
                   </a:solidFill>
@@ -3209,7 +3209,7 @@
             </a:ln>
             <a:extLst>
               <a:ext uri="{91240B29-F687-4f45-9708-019B960494DF}">
-                <a14:hiddenLine xmlns:a14="http://schemas.microsoft.com/office/drawing/2010/main" xmlns="" w="9525">
+                <a14:hiddenLine xmlns="" xmlns:a14="http://schemas.microsoft.com/office/drawing/2010/main" w="9525">
                   <a:solidFill>
                     <a:srgbClr val="000000"/>
                   </a:solidFill>
@@ -3274,7 +3274,7 @@
             </a:ln>
             <a:extLst>
               <a:ext uri="{91240B29-F687-4f45-9708-019B960494DF}">
-                <a14:hiddenLine xmlns:a14="http://schemas.microsoft.com/office/drawing/2010/main" xmlns="" w="9525">
+                <a14:hiddenLine xmlns="" xmlns:a14="http://schemas.microsoft.com/office/drawing/2010/main" w="9525">
                   <a:solidFill>
                     <a:srgbClr val="000000"/>
                   </a:solidFill>
@@ -3364,7 +3364,7 @@
             </a:ln>
             <a:extLst>
               <a:ext uri="{91240B29-F687-4f45-9708-019B960494DF}">
-                <a14:hiddenLine xmlns:a14="http://schemas.microsoft.com/office/drawing/2010/main" xmlns="" w="9525">
+                <a14:hiddenLine xmlns="" xmlns:a14="http://schemas.microsoft.com/office/drawing/2010/main" w="9525">
                   <a:solidFill>
                     <a:srgbClr val="000000"/>
                   </a:solidFill>
@@ -3426,7 +3426,7 @@
             </a:ln>
             <a:extLst>
               <a:ext uri="{91240B29-F687-4f45-9708-019B960494DF}">
-                <a14:hiddenLine xmlns:a14="http://schemas.microsoft.com/office/drawing/2010/main" xmlns="" w="9525">
+                <a14:hiddenLine xmlns="" xmlns:a14="http://schemas.microsoft.com/office/drawing/2010/main" w="9525">
                   <a:solidFill>
                     <a:srgbClr val="000000"/>
                   </a:solidFill>
@@ -3516,7 +3516,7 @@
             </a:ln>
             <a:extLst>
               <a:ext uri="{91240B29-F687-4f45-9708-019B960494DF}">
-                <a14:hiddenLine xmlns:a14="http://schemas.microsoft.com/office/drawing/2010/main" xmlns="" w="9525">
+                <a14:hiddenLine xmlns="" xmlns:a14="http://schemas.microsoft.com/office/drawing/2010/main" w="9525">
                   <a:solidFill>
                     <a:srgbClr val="000000"/>
                   </a:solidFill>
@@ -3606,7 +3606,7 @@
             </a:ln>
             <a:extLst>
               <a:ext uri="{91240B29-F687-4f45-9708-019B960494DF}">
-                <a14:hiddenLine xmlns:a14="http://schemas.microsoft.com/office/drawing/2010/main" xmlns="" w="9525">
+                <a14:hiddenLine xmlns="" xmlns:a14="http://schemas.microsoft.com/office/drawing/2010/main" w="9525">
                   <a:solidFill>
                     <a:srgbClr val="000000"/>
                   </a:solidFill>
@@ -3671,7 +3671,7 @@
             </a:ln>
             <a:extLst>
               <a:ext uri="{91240B29-F687-4f45-9708-019B960494DF}">
-                <a14:hiddenLine xmlns:a14="http://schemas.microsoft.com/office/drawing/2010/main" xmlns="" w="9525">
+                <a14:hiddenLine xmlns="" xmlns:a14="http://schemas.microsoft.com/office/drawing/2010/main" w="9525">
                   <a:solidFill>
                     <a:srgbClr val="000000"/>
                   </a:solidFill>
@@ -3733,7 +3733,7 @@
             </a:ln>
             <a:extLst>
               <a:ext uri="{91240B29-F687-4f45-9708-019B960494DF}">
-                <a14:hiddenLine xmlns:a14="http://schemas.microsoft.com/office/drawing/2010/main" xmlns="" w="9525">
+                <a14:hiddenLine xmlns="" xmlns:a14="http://schemas.microsoft.com/office/drawing/2010/main" w="9525">
                   <a:solidFill>
                     <a:srgbClr val="000000"/>
                   </a:solidFill>
@@ -3823,7 +3823,7 @@
             </a:ln>
             <a:extLst>
               <a:ext uri="{91240B29-F687-4f45-9708-019B960494DF}">
-                <a14:hiddenLine xmlns:a14="http://schemas.microsoft.com/office/drawing/2010/main" xmlns="" w="9525">
+                <a14:hiddenLine xmlns="" xmlns:a14="http://schemas.microsoft.com/office/drawing/2010/main" w="9525">
                   <a:solidFill>
                     <a:srgbClr val="000000"/>
                   </a:solidFill>
@@ -3913,7 +3913,7 @@
             </a:ln>
             <a:extLst>
               <a:ext uri="{91240B29-F687-4f45-9708-019B960494DF}">
-                <a14:hiddenLine xmlns:a14="http://schemas.microsoft.com/office/drawing/2010/main" xmlns="" w="9525">
+                <a14:hiddenLine xmlns="" xmlns:a14="http://schemas.microsoft.com/office/drawing/2010/main" w="9525">
                   <a:solidFill>
                     <a:srgbClr val="000000"/>
                   </a:solidFill>
@@ -3975,7 +3975,7 @@
             </a:ln>
             <a:extLst>
               <a:ext uri="{91240B29-F687-4f45-9708-019B960494DF}">
-                <a14:hiddenLine xmlns:a14="http://schemas.microsoft.com/office/drawing/2010/main" xmlns="" w="9525">
+                <a14:hiddenLine xmlns="" xmlns:a14="http://schemas.microsoft.com/office/drawing/2010/main" w="9525">
                   <a:solidFill>
                     <a:srgbClr val="000000"/>
                   </a:solidFill>
@@ -4095,7 +4095,7 @@
             </a:ln>
             <a:extLst>
               <a:ext uri="{91240B29-F687-4f45-9708-019B960494DF}">
-                <a14:hiddenLine xmlns:a14="http://schemas.microsoft.com/office/drawing/2010/main" xmlns="" w="9525">
+                <a14:hiddenLine xmlns="" xmlns:a14="http://schemas.microsoft.com/office/drawing/2010/main" w="9525">
                   <a:solidFill>
                     <a:srgbClr val="000000"/>
                   </a:solidFill>
@@ -4163,7 +4163,7 @@
             </a:ln>
             <a:extLst>
               <a:ext uri="{91240B29-F687-4f45-9708-019B960494DF}">
-                <a14:hiddenLine xmlns:a14="http://schemas.microsoft.com/office/drawing/2010/main" xmlns="" w="9525">
+                <a14:hiddenLine xmlns="" xmlns:a14="http://schemas.microsoft.com/office/drawing/2010/main" w="9525">
                   <a:solidFill>
                     <a:srgbClr val="000000"/>
                   </a:solidFill>
@@ -4253,7 +4253,7 @@
             </a:ln>
             <a:extLst>
               <a:ext uri="{91240B29-F687-4f45-9708-019B960494DF}">
-                <a14:hiddenLine xmlns:a14="http://schemas.microsoft.com/office/drawing/2010/main" xmlns="" w="9525">
+                <a14:hiddenLine xmlns="" xmlns:a14="http://schemas.microsoft.com/office/drawing/2010/main" w="9525">
                   <a:solidFill>
                     <a:srgbClr val="000000"/>
                   </a:solidFill>
@@ -4393,7 +4393,7 @@
           <a:p>
             <a:fld id="{48A87A34-81AB-432B-8DAE-1953F412C126}" type="datetimeFigureOut">
               <a:rPr lang="en-US" dirty="0"/>
-              <a:t>7/21/2022</a:t>
+              <a:t>7/23/2022</a:t>
             </a:fld>
             <a:endParaRPr lang="en-US" dirty="0"/>
           </a:p>
@@ -4655,7 +4655,7 @@
           <a:p>
             <a:fld id="{48A87A34-81AB-432B-8DAE-1953F412C126}" type="datetimeFigureOut">
               <a:rPr lang="en-US" dirty="0"/>
-              <a:t>7/21/2022</a:t>
+              <a:t>7/23/2022</a:t>
             </a:fld>
             <a:endParaRPr lang="en-US" dirty="0"/>
           </a:p>
@@ -4846,7 +4846,7 @@
           <a:p>
             <a:fld id="{48A87A34-81AB-432B-8DAE-1953F412C126}" type="datetimeFigureOut">
               <a:rPr lang="en-US" dirty="0"/>
-              <a:t>7/21/2022</a:t>
+              <a:t>7/23/2022</a:t>
             </a:fld>
             <a:endParaRPr lang="en-US" dirty="0"/>
           </a:p>
@@ -5104,7 +5104,7 @@
           <a:p>
             <a:fld id="{48A87A34-81AB-432B-8DAE-1953F412C126}" type="datetimeFigureOut">
               <a:rPr lang="en-US" dirty="0"/>
-              <a:t>7/21/2022</a:t>
+              <a:t>7/23/2022</a:t>
             </a:fld>
             <a:endParaRPr lang="en-US" dirty="0"/>
           </a:p>
@@ -5533,7 +5533,7 @@
           <a:p>
             <a:fld id="{48A87A34-81AB-432B-8DAE-1953F412C126}" type="datetimeFigureOut">
               <a:rPr lang="en-US" dirty="0"/>
-              <a:t>7/21/2022</a:t>
+              <a:t>7/23/2022</a:t>
             </a:fld>
             <a:endParaRPr lang="en-US" dirty="0"/>
           </a:p>
@@ -6074,7 +6074,7 @@
           <a:p>
             <a:fld id="{48A87A34-81AB-432B-8DAE-1953F412C126}" type="datetimeFigureOut">
               <a:rPr lang="en-US" dirty="0"/>
-              <a:t>7/21/2022</a:t>
+              <a:t>7/23/2022</a:t>
             </a:fld>
             <a:endParaRPr lang="en-US" dirty="0"/>
           </a:p>
@@ -6789,7 +6789,7 @@
           <a:p>
             <a:fld id="{48A87A34-81AB-432B-8DAE-1953F412C126}" type="datetimeFigureOut">
               <a:rPr lang="en-US" dirty="0"/>
-              <a:t>7/21/2022</a:t>
+              <a:t>7/23/2022</a:t>
             </a:fld>
             <a:endParaRPr lang="en-US" dirty="0"/>
           </a:p>
@@ -6954,7 +6954,7 @@
           <a:p>
             <a:fld id="{48A87A34-81AB-432B-8DAE-1953F412C126}" type="datetimeFigureOut">
               <a:rPr lang="en-US" dirty="0"/>
-              <a:t>7/21/2022</a:t>
+              <a:t>7/23/2022</a:t>
             </a:fld>
             <a:endParaRPr lang="en-US" dirty="0"/>
           </a:p>
@@ -7129,7 +7129,7 @@
           <a:p>
             <a:fld id="{48A87A34-81AB-432B-8DAE-1953F412C126}" type="datetimeFigureOut">
               <a:rPr lang="en-US" dirty="0"/>
-              <a:t>7/21/2022</a:t>
+              <a:t>7/23/2022</a:t>
             </a:fld>
             <a:endParaRPr lang="en-US" dirty="0"/>
           </a:p>
@@ -7294,7 +7294,7 @@
           <a:p>
             <a:fld id="{48A87A34-81AB-432B-8DAE-1953F412C126}" type="datetimeFigureOut">
               <a:rPr lang="en-US" dirty="0"/>
-              <a:t>7/21/2022</a:t>
+              <a:t>7/23/2022</a:t>
             </a:fld>
             <a:endParaRPr lang="en-US" dirty="0"/>
           </a:p>
@@ -7539,7 +7539,7 @@
           <a:p>
             <a:fld id="{48A87A34-81AB-432B-8DAE-1953F412C126}" type="datetimeFigureOut">
               <a:rPr lang="en-US" dirty="0"/>
-              <a:t>7/21/2022</a:t>
+              <a:t>7/23/2022</a:t>
             </a:fld>
             <a:endParaRPr lang="en-US" dirty="0"/>
           </a:p>
@@ -7766,7 +7766,7 @@
           <a:p>
             <a:fld id="{48A87A34-81AB-432B-8DAE-1953F412C126}" type="datetimeFigureOut">
               <a:rPr lang="en-US" dirty="0"/>
-              <a:t>7/21/2022</a:t>
+              <a:t>7/23/2022</a:t>
             </a:fld>
             <a:endParaRPr lang="en-US" dirty="0"/>
           </a:p>
@@ -8142,7 +8142,7 @@
           <a:p>
             <a:fld id="{48A87A34-81AB-432B-8DAE-1953F412C126}" type="datetimeFigureOut">
               <a:rPr lang="en-US" dirty="0"/>
-              <a:t>7/21/2022</a:t>
+              <a:t>7/23/2022</a:t>
             </a:fld>
             <a:endParaRPr lang="en-US" dirty="0"/>
           </a:p>
@@ -8255,7 +8255,7 @@
           <a:p>
             <a:fld id="{48A87A34-81AB-432B-8DAE-1953F412C126}" type="datetimeFigureOut">
               <a:rPr lang="en-US" dirty="0"/>
-              <a:t>7/21/2022</a:t>
+              <a:t>7/23/2022</a:t>
             </a:fld>
             <a:endParaRPr lang="en-US" dirty="0"/>
           </a:p>
@@ -8345,7 +8345,7 @@
           <a:p>
             <a:fld id="{48A87A34-81AB-432B-8DAE-1953F412C126}" type="datetimeFigureOut">
               <a:rPr lang="en-US" dirty="0"/>
-              <a:t>7/21/2022</a:t>
+              <a:t>7/23/2022</a:t>
             </a:fld>
             <a:endParaRPr lang="en-US" dirty="0"/>
           </a:p>
@@ -8589,7 +8589,7 @@
           <a:p>
             <a:fld id="{48A87A34-81AB-432B-8DAE-1953F412C126}" type="datetimeFigureOut">
               <a:rPr lang="en-US" dirty="0"/>
-              <a:t>7/21/2022</a:t>
+              <a:t>7/23/2022</a:t>
             </a:fld>
             <a:endParaRPr lang="en-US" dirty="0"/>
           </a:p>
@@ -8864,7 +8864,7 @@
           <a:p>
             <a:fld id="{48A87A34-81AB-432B-8DAE-1953F412C126}" type="datetimeFigureOut">
               <a:rPr lang="en-US" dirty="0"/>
-              <a:t>7/21/2022</a:t>
+              <a:t>7/23/2022</a:t>
             </a:fld>
             <a:endParaRPr lang="en-US" dirty="0"/>
           </a:p>
@@ -8975,7 +8975,7 @@
           <a:noFill/>
           <a:extLst>
             <a:ext uri="{909E8E84-426E-40dd-AFC4-6F175D3DCCD1}">
-              <a14:hiddenFill xmlns:a14="http://schemas.microsoft.com/office/drawing/2010/main" xmlns="">
+              <a14:hiddenFill xmlns="" xmlns:a14="http://schemas.microsoft.com/office/drawing/2010/main">
                 <a:solidFill>
                   <a:srgbClr val="FFFFFF"/>
                 </a:solidFill>
@@ -9049,7 +9049,7 @@
               </a:ln>
               <a:extLst>
                 <a:ext uri="{91240B29-F687-4f45-9708-019B960494DF}">
-                  <a14:hiddenLine xmlns:a14="http://schemas.microsoft.com/office/drawing/2010/main" xmlns="" w="9525">
+                  <a14:hiddenLine xmlns="" xmlns:a14="http://schemas.microsoft.com/office/drawing/2010/main" w="9525">
                     <a:solidFill>
                       <a:srgbClr val="000000"/>
                     </a:solidFill>
@@ -9139,7 +9139,7 @@
               </a:ln>
               <a:extLst>
                 <a:ext uri="{91240B29-F687-4f45-9708-019B960494DF}">
-                  <a14:hiddenLine xmlns:a14="http://schemas.microsoft.com/office/drawing/2010/main" xmlns="" w="9525">
+                  <a14:hiddenLine xmlns="" xmlns:a14="http://schemas.microsoft.com/office/drawing/2010/main" w="9525">
                     <a:solidFill>
                       <a:srgbClr val="000000"/>
                     </a:solidFill>
@@ -9229,7 +9229,7 @@
               </a:ln>
               <a:extLst>
                 <a:ext uri="{91240B29-F687-4f45-9708-019B960494DF}">
-                  <a14:hiddenLine xmlns:a14="http://schemas.microsoft.com/office/drawing/2010/main" xmlns="" w="9525">
+                  <a14:hiddenLine xmlns="" xmlns:a14="http://schemas.microsoft.com/office/drawing/2010/main" w="9525">
                     <a:solidFill>
                       <a:srgbClr val="000000"/>
                     </a:solidFill>
@@ -9291,7 +9291,7 @@
               </a:ln>
               <a:extLst>
                 <a:ext uri="{91240B29-F687-4f45-9708-019B960494DF}">
-                  <a14:hiddenLine xmlns:a14="http://schemas.microsoft.com/office/drawing/2010/main" xmlns="" w="9525">
+                  <a14:hiddenLine xmlns="" xmlns:a14="http://schemas.microsoft.com/office/drawing/2010/main" w="9525">
                     <a:solidFill>
                       <a:srgbClr val="000000"/>
                     </a:solidFill>
@@ -9381,7 +9381,7 @@
               </a:ln>
               <a:extLst>
                 <a:ext uri="{91240B29-F687-4f45-9708-019B960494DF}">
-                  <a14:hiddenLine xmlns:a14="http://schemas.microsoft.com/office/drawing/2010/main" xmlns="" w="9525">
+                  <a14:hiddenLine xmlns="" xmlns:a14="http://schemas.microsoft.com/office/drawing/2010/main" w="9525">
                     <a:solidFill>
                       <a:srgbClr val="000000"/>
                     </a:solidFill>
@@ -9443,7 +9443,7 @@
               </a:ln>
               <a:extLst>
                 <a:ext uri="{91240B29-F687-4f45-9708-019B960494DF}">
-                  <a14:hiddenLine xmlns:a14="http://schemas.microsoft.com/office/drawing/2010/main" xmlns="" w="9525">
+                  <a14:hiddenLine xmlns="" xmlns:a14="http://schemas.microsoft.com/office/drawing/2010/main" w="9525">
                     <a:solidFill>
                       <a:srgbClr val="000000"/>
                     </a:solidFill>
@@ -9505,7 +9505,7 @@
               </a:ln>
               <a:extLst>
                 <a:ext uri="{91240B29-F687-4f45-9708-019B960494DF}">
-                  <a14:hiddenLine xmlns:a14="http://schemas.microsoft.com/office/drawing/2010/main" xmlns="" w="9525">
+                  <a14:hiddenLine xmlns="" xmlns:a14="http://schemas.microsoft.com/office/drawing/2010/main" w="9525">
                     <a:solidFill>
                       <a:srgbClr val="000000"/>
                     </a:solidFill>
@@ -9595,7 +9595,7 @@
               </a:ln>
               <a:extLst>
                 <a:ext uri="{91240B29-F687-4f45-9708-019B960494DF}">
-                  <a14:hiddenLine xmlns:a14="http://schemas.microsoft.com/office/drawing/2010/main" xmlns="" w="9525">
+                  <a14:hiddenLine xmlns="" xmlns:a14="http://schemas.microsoft.com/office/drawing/2010/main" w="9525">
                     <a:solidFill>
                       <a:srgbClr val="000000"/>
                     </a:solidFill>
@@ -9685,7 +9685,7 @@
               </a:ln>
               <a:extLst>
                 <a:ext uri="{91240B29-F687-4f45-9708-019B960494DF}">
-                  <a14:hiddenLine xmlns:a14="http://schemas.microsoft.com/office/drawing/2010/main" xmlns="" w="9525">
+                  <a14:hiddenLine xmlns="" xmlns:a14="http://schemas.microsoft.com/office/drawing/2010/main" w="9525">
                     <a:solidFill>
                       <a:srgbClr val="000000"/>
                     </a:solidFill>
@@ -9747,7 +9747,7 @@
               </a:ln>
               <a:extLst>
                 <a:ext uri="{91240B29-F687-4f45-9708-019B960494DF}">
-                  <a14:hiddenLine xmlns:a14="http://schemas.microsoft.com/office/drawing/2010/main" xmlns="" w="9525">
+                  <a14:hiddenLine xmlns="" xmlns:a14="http://schemas.microsoft.com/office/drawing/2010/main" w="9525">
                     <a:solidFill>
                       <a:srgbClr val="000000"/>
                     </a:solidFill>
@@ -9857,7 +9857,7 @@
               </a:ln>
               <a:extLst>
                 <a:ext uri="{91240B29-F687-4f45-9708-019B960494DF}">
-                  <a14:hiddenLine xmlns:a14="http://schemas.microsoft.com/office/drawing/2010/main" xmlns="" w="9525">
+                  <a14:hiddenLine xmlns="" xmlns:a14="http://schemas.microsoft.com/office/drawing/2010/main" w="9525">
                     <a:solidFill>
                       <a:srgbClr val="000000"/>
                     </a:solidFill>
@@ -9941,7 +9941,7 @@
               </a:ln>
               <a:extLst>
                 <a:ext uri="{91240B29-F687-4f45-9708-019B960494DF}">
-                  <a14:hiddenLine xmlns:a14="http://schemas.microsoft.com/office/drawing/2010/main" xmlns="" w="9525">
+                  <a14:hiddenLine xmlns="" xmlns:a14="http://schemas.microsoft.com/office/drawing/2010/main" w="9525">
                     <a:solidFill>
                       <a:srgbClr val="000000"/>
                     </a:solidFill>
@@ -10003,7 +10003,7 @@
               </a:ln>
               <a:extLst>
                 <a:ext uri="{91240B29-F687-4f45-9708-019B960494DF}">
-                  <a14:hiddenLine xmlns:a14="http://schemas.microsoft.com/office/drawing/2010/main" xmlns="" w="9525">
+                  <a14:hiddenLine xmlns="" xmlns:a14="http://schemas.microsoft.com/office/drawing/2010/main" w="9525">
                     <a:solidFill>
                       <a:srgbClr val="000000"/>
                     </a:solidFill>
@@ -10065,7 +10065,7 @@
               </a:ln>
               <a:extLst>
                 <a:ext uri="{91240B29-F687-4f45-9708-019B960494DF}">
-                  <a14:hiddenLine xmlns:a14="http://schemas.microsoft.com/office/drawing/2010/main" xmlns="" w="9525">
+                  <a14:hiddenLine xmlns="" xmlns:a14="http://schemas.microsoft.com/office/drawing/2010/main" w="9525">
                     <a:solidFill>
                       <a:srgbClr val="000000"/>
                     </a:solidFill>
@@ -10155,7 +10155,7 @@
               </a:ln>
               <a:extLst>
                 <a:ext uri="{91240B29-F687-4f45-9708-019B960494DF}">
-                  <a14:hiddenLine xmlns:a14="http://schemas.microsoft.com/office/drawing/2010/main" xmlns="" w="9525">
+                  <a14:hiddenLine xmlns="" xmlns:a14="http://schemas.microsoft.com/office/drawing/2010/main" w="9525">
                     <a:solidFill>
                       <a:srgbClr val="000000"/>
                     </a:solidFill>
@@ -10189,7 +10189,7 @@
               </a:ln>
               <a:extLst>
                 <a:ext uri="{91240B29-F687-4f45-9708-019B960494DF}">
-                  <a14:hiddenLine xmlns:a14="http://schemas.microsoft.com/office/drawing/2010/main" xmlns="" w="9525">
+                  <a14:hiddenLine xmlns="" xmlns:a14="http://schemas.microsoft.com/office/drawing/2010/main" w="9525">
                     <a:solidFill>
                       <a:srgbClr val="000000"/>
                     </a:solidFill>
@@ -10254,7 +10254,7 @@
               </a:ln>
               <a:extLst>
                 <a:ext uri="{91240B29-F687-4f45-9708-019B960494DF}">
-                  <a14:hiddenLine xmlns:a14="http://schemas.microsoft.com/office/drawing/2010/main" xmlns="" w="9525">
+                  <a14:hiddenLine xmlns="" xmlns:a14="http://schemas.microsoft.com/office/drawing/2010/main" w="9525">
                     <a:solidFill>
                       <a:srgbClr val="000000"/>
                     </a:solidFill>
@@ -10344,7 +10344,7 @@
               </a:ln>
               <a:extLst>
                 <a:ext uri="{91240B29-F687-4f45-9708-019B960494DF}">
-                  <a14:hiddenLine xmlns:a14="http://schemas.microsoft.com/office/drawing/2010/main" xmlns="" w="9525">
+                  <a14:hiddenLine xmlns="" xmlns:a14="http://schemas.microsoft.com/office/drawing/2010/main" w="9525">
                     <a:solidFill>
                       <a:srgbClr val="000000"/>
                     </a:solidFill>
@@ -10406,7 +10406,7 @@
               </a:ln>
               <a:extLst>
                 <a:ext uri="{91240B29-F687-4f45-9708-019B960494DF}">
-                  <a14:hiddenLine xmlns:a14="http://schemas.microsoft.com/office/drawing/2010/main" xmlns="" w="9525">
+                  <a14:hiddenLine xmlns="" xmlns:a14="http://schemas.microsoft.com/office/drawing/2010/main" w="9525">
                     <a:solidFill>
                       <a:srgbClr val="000000"/>
                     </a:solidFill>
@@ -10496,7 +10496,7 @@
               </a:ln>
               <a:extLst>
                 <a:ext uri="{91240B29-F687-4f45-9708-019B960494DF}">
-                  <a14:hiddenLine xmlns:a14="http://schemas.microsoft.com/office/drawing/2010/main" xmlns="" w="9525">
+                  <a14:hiddenLine xmlns="" xmlns:a14="http://schemas.microsoft.com/office/drawing/2010/main" w="9525">
                     <a:solidFill>
                       <a:srgbClr val="000000"/>
                     </a:solidFill>
@@ -10561,7 +10561,7 @@
               </a:ln>
               <a:extLst>
                 <a:ext uri="{91240B29-F687-4f45-9708-019B960494DF}">
-                  <a14:hiddenLine xmlns:a14="http://schemas.microsoft.com/office/drawing/2010/main" xmlns="" w="9525">
+                  <a14:hiddenLine xmlns="" xmlns:a14="http://schemas.microsoft.com/office/drawing/2010/main" w="9525">
                     <a:solidFill>
                       <a:srgbClr val="000000"/>
                     </a:solidFill>
@@ -10623,7 +10623,7 @@
               </a:ln>
               <a:extLst>
                 <a:ext uri="{91240B29-F687-4f45-9708-019B960494DF}">
-                  <a14:hiddenLine xmlns:a14="http://schemas.microsoft.com/office/drawing/2010/main" xmlns="" w="9525">
+                  <a14:hiddenLine xmlns="" xmlns:a14="http://schemas.microsoft.com/office/drawing/2010/main" w="9525">
                     <a:solidFill>
                       <a:srgbClr val="000000"/>
                     </a:solidFill>
@@ -10713,7 +10713,7 @@
               </a:ln>
               <a:extLst>
                 <a:ext uri="{91240B29-F687-4f45-9708-019B960494DF}">
-                  <a14:hiddenLine xmlns:a14="http://schemas.microsoft.com/office/drawing/2010/main" xmlns="" w="9525">
+                  <a14:hiddenLine xmlns="" xmlns:a14="http://schemas.microsoft.com/office/drawing/2010/main" w="9525">
                     <a:solidFill>
                       <a:srgbClr val="000000"/>
                     </a:solidFill>
@@ -10803,7 +10803,7 @@
               </a:ln>
               <a:extLst>
                 <a:ext uri="{91240B29-F687-4f45-9708-019B960494DF}">
-                  <a14:hiddenLine xmlns:a14="http://schemas.microsoft.com/office/drawing/2010/main" xmlns="" w="9525">
+                  <a14:hiddenLine xmlns="" xmlns:a14="http://schemas.microsoft.com/office/drawing/2010/main" w="9525">
                     <a:solidFill>
                       <a:srgbClr val="000000"/>
                     </a:solidFill>
@@ -10868,7 +10868,7 @@
               </a:ln>
               <a:extLst>
                 <a:ext uri="{91240B29-F687-4f45-9708-019B960494DF}">
-                  <a14:hiddenLine xmlns:a14="http://schemas.microsoft.com/office/drawing/2010/main" xmlns="" w="9525">
+                  <a14:hiddenLine xmlns="" xmlns:a14="http://schemas.microsoft.com/office/drawing/2010/main" w="9525">
                     <a:solidFill>
                       <a:srgbClr val="000000"/>
                     </a:solidFill>
@@ -10988,7 +10988,7 @@
               </a:ln>
               <a:extLst>
                 <a:ext uri="{91240B29-F687-4f45-9708-019B960494DF}">
-                  <a14:hiddenLine xmlns:a14="http://schemas.microsoft.com/office/drawing/2010/main" xmlns="" w="9525">
+                  <a14:hiddenLine xmlns="" xmlns:a14="http://schemas.microsoft.com/office/drawing/2010/main" w="9525">
                     <a:solidFill>
                       <a:srgbClr val="000000"/>
                     </a:solidFill>
@@ -11086,7 +11086,7 @@
               </a:ln>
               <a:extLst>
                 <a:ext uri="{91240B29-F687-4f45-9708-019B960494DF}">
-                  <a14:hiddenLine xmlns:a14="http://schemas.microsoft.com/office/drawing/2010/main" xmlns="" w="9525">
+                  <a14:hiddenLine xmlns="" xmlns:a14="http://schemas.microsoft.com/office/drawing/2010/main" w="9525">
                     <a:solidFill>
                       <a:srgbClr val="000000"/>
                     </a:solidFill>
@@ -11201,7 +11201,7 @@
               </a:ln>
               <a:extLst>
                 <a:ext uri="{91240B29-F687-4f45-9708-019B960494DF}">
-                  <a14:hiddenLine xmlns:a14="http://schemas.microsoft.com/office/drawing/2010/main" xmlns="" w="9525">
+                  <a14:hiddenLine xmlns="" xmlns:a14="http://schemas.microsoft.com/office/drawing/2010/main" w="9525">
                     <a:solidFill>
                       <a:srgbClr val="000000"/>
                     </a:solidFill>
@@ -11291,7 +11291,7 @@
               </a:ln>
               <a:extLst>
                 <a:ext uri="{91240B29-F687-4f45-9708-019B960494DF}">
-                  <a14:hiddenLine xmlns:a14="http://schemas.microsoft.com/office/drawing/2010/main" xmlns="" w="9525">
+                  <a14:hiddenLine xmlns="" xmlns:a14="http://schemas.microsoft.com/office/drawing/2010/main" w="9525">
                     <a:solidFill>
                       <a:srgbClr val="000000"/>
                     </a:solidFill>
@@ -11356,7 +11356,7 @@
               </a:ln>
               <a:extLst>
                 <a:ext uri="{91240B29-F687-4f45-9708-019B960494DF}">
-                  <a14:hiddenLine xmlns:a14="http://schemas.microsoft.com/office/drawing/2010/main" xmlns="" w="9525">
+                  <a14:hiddenLine xmlns="" xmlns:a14="http://schemas.microsoft.com/office/drawing/2010/main" w="9525">
                     <a:solidFill>
                       <a:srgbClr val="000000"/>
                     </a:solidFill>
@@ -11446,7 +11446,7 @@
               </a:ln>
               <a:extLst>
                 <a:ext uri="{91240B29-F687-4f45-9708-019B960494DF}">
-                  <a14:hiddenLine xmlns:a14="http://schemas.microsoft.com/office/drawing/2010/main" xmlns="" w="9525">
+                  <a14:hiddenLine xmlns="" xmlns:a14="http://schemas.microsoft.com/office/drawing/2010/main" w="9525">
                     <a:solidFill>
                       <a:srgbClr val="000000"/>
                     </a:solidFill>
@@ -11514,7 +11514,7 @@
               </a:ln>
               <a:extLst>
                 <a:ext uri="{91240B29-F687-4f45-9708-019B960494DF}">
-                  <a14:hiddenLine xmlns:a14="http://schemas.microsoft.com/office/drawing/2010/main" xmlns="" w="9525">
+                  <a14:hiddenLine xmlns="" xmlns:a14="http://schemas.microsoft.com/office/drawing/2010/main" w="9525">
                     <a:solidFill>
                       <a:srgbClr val="000000"/>
                     </a:solidFill>
@@ -11604,7 +11604,7 @@
               </a:ln>
               <a:extLst>
                 <a:ext uri="{91240B29-F687-4f45-9708-019B960494DF}">
-                  <a14:hiddenLine xmlns:a14="http://schemas.microsoft.com/office/drawing/2010/main" xmlns="" w="9525">
+                  <a14:hiddenLine xmlns="" xmlns:a14="http://schemas.microsoft.com/office/drawing/2010/main" w="9525">
                     <a:solidFill>
                       <a:srgbClr val="000000"/>
                     </a:solidFill>
@@ -11672,7 +11672,7 @@
               </a:ln>
               <a:extLst>
                 <a:ext uri="{91240B29-F687-4f45-9708-019B960494DF}">
-                  <a14:hiddenLine xmlns:a14="http://schemas.microsoft.com/office/drawing/2010/main" xmlns="" w="9525">
+                  <a14:hiddenLine xmlns="" xmlns:a14="http://schemas.microsoft.com/office/drawing/2010/main" w="9525">
                     <a:solidFill>
                       <a:srgbClr val="000000"/>
                     </a:solidFill>
@@ -11762,7 +11762,7 @@
               </a:ln>
               <a:extLst>
                 <a:ext uri="{91240B29-F687-4f45-9708-019B960494DF}">
-                  <a14:hiddenLine xmlns:a14="http://schemas.microsoft.com/office/drawing/2010/main" xmlns="" w="9525">
+                  <a14:hiddenLine xmlns="" xmlns:a14="http://schemas.microsoft.com/office/drawing/2010/main" w="9525">
                     <a:solidFill>
                       <a:srgbClr val="000000"/>
                     </a:solidFill>
@@ -11796,7 +11796,7 @@
               </a:ln>
               <a:extLst>
                 <a:ext uri="{91240B29-F687-4f45-9708-019B960494DF}">
-                  <a14:hiddenLine xmlns:a14="http://schemas.microsoft.com/office/drawing/2010/main" xmlns="" w="9525">
+                  <a14:hiddenLine xmlns="" xmlns:a14="http://schemas.microsoft.com/office/drawing/2010/main" w="9525">
                     <a:solidFill>
                       <a:srgbClr val="000000"/>
                     </a:solidFill>
@@ -11937,7 +11937,7 @@
             <a:fld id="{48A87A34-81AB-432B-8DAE-1953F412C126}" type="datetimeFigureOut">
               <a:rPr lang="en-US" dirty="0"/>
               <a:pPr/>
-              <a:t>7/21/2022</a:t>
+              <a:t>7/23/2022</a:t>
             </a:fld>
             <a:endParaRPr lang="en-US" dirty="0"/>
           </a:p>
@@ -12664,9 +12664,10 @@
           <a:p>
             <a:pPr algn="ctr"/>
             <a:r>
-              <a:rPr lang="it-IT" dirty="0"/>
-              <a:t>COMPONENTI LOGICHE</a:t>
-            </a:r>
+              <a:rPr lang="it-IT"/>
+              <a:t>COMPONENTI LOGICHE D’INTERFACCIA</a:t>
+            </a:r>
+            <a:endParaRPr lang="it-IT" dirty="0"/>
           </a:p>
         </p:txBody>
       </p:sp>

--- a/powerpoint/siqilliyya2_definitivo.pptx
+++ b/powerpoint/siqilliyya2_definitivo.pptx
@@ -4393,7 +4393,7 @@
           <a:p>
             <a:fld id="{48A87A34-81AB-432B-8DAE-1953F412C126}" type="datetimeFigureOut">
               <a:rPr lang="en-US" dirty="0"/>
-              <a:t>7/23/2022</a:t>
+              <a:t>7/26/2022</a:t>
             </a:fld>
             <a:endParaRPr lang="en-US" dirty="0"/>
           </a:p>
@@ -4655,7 +4655,7 @@
           <a:p>
             <a:fld id="{48A87A34-81AB-432B-8DAE-1953F412C126}" type="datetimeFigureOut">
               <a:rPr lang="en-US" dirty="0"/>
-              <a:t>7/23/2022</a:t>
+              <a:t>7/26/2022</a:t>
             </a:fld>
             <a:endParaRPr lang="en-US" dirty="0"/>
           </a:p>
@@ -4846,7 +4846,7 @@
           <a:p>
             <a:fld id="{48A87A34-81AB-432B-8DAE-1953F412C126}" type="datetimeFigureOut">
               <a:rPr lang="en-US" dirty="0"/>
-              <a:t>7/23/2022</a:t>
+              <a:t>7/26/2022</a:t>
             </a:fld>
             <a:endParaRPr lang="en-US" dirty="0"/>
           </a:p>
@@ -5104,7 +5104,7 @@
           <a:p>
             <a:fld id="{48A87A34-81AB-432B-8DAE-1953F412C126}" type="datetimeFigureOut">
               <a:rPr lang="en-US" dirty="0"/>
-              <a:t>7/23/2022</a:t>
+              <a:t>7/26/2022</a:t>
             </a:fld>
             <a:endParaRPr lang="en-US" dirty="0"/>
           </a:p>
@@ -5533,7 +5533,7 @@
           <a:p>
             <a:fld id="{48A87A34-81AB-432B-8DAE-1953F412C126}" type="datetimeFigureOut">
               <a:rPr lang="en-US" dirty="0"/>
-              <a:t>7/23/2022</a:t>
+              <a:t>7/26/2022</a:t>
             </a:fld>
             <a:endParaRPr lang="en-US" dirty="0"/>
           </a:p>
@@ -6074,7 +6074,7 @@
           <a:p>
             <a:fld id="{48A87A34-81AB-432B-8DAE-1953F412C126}" type="datetimeFigureOut">
               <a:rPr lang="en-US" dirty="0"/>
-              <a:t>7/23/2022</a:t>
+              <a:t>7/26/2022</a:t>
             </a:fld>
             <a:endParaRPr lang="en-US" dirty="0"/>
           </a:p>
@@ -6789,7 +6789,7 @@
           <a:p>
             <a:fld id="{48A87A34-81AB-432B-8DAE-1953F412C126}" type="datetimeFigureOut">
               <a:rPr lang="en-US" dirty="0"/>
-              <a:t>7/23/2022</a:t>
+              <a:t>7/26/2022</a:t>
             </a:fld>
             <a:endParaRPr lang="en-US" dirty="0"/>
           </a:p>
@@ -6954,7 +6954,7 @@
           <a:p>
             <a:fld id="{48A87A34-81AB-432B-8DAE-1953F412C126}" type="datetimeFigureOut">
               <a:rPr lang="en-US" dirty="0"/>
-              <a:t>7/23/2022</a:t>
+              <a:t>7/26/2022</a:t>
             </a:fld>
             <a:endParaRPr lang="en-US" dirty="0"/>
           </a:p>
@@ -7129,7 +7129,7 @@
           <a:p>
             <a:fld id="{48A87A34-81AB-432B-8DAE-1953F412C126}" type="datetimeFigureOut">
               <a:rPr lang="en-US" dirty="0"/>
-              <a:t>7/23/2022</a:t>
+              <a:t>7/26/2022</a:t>
             </a:fld>
             <a:endParaRPr lang="en-US" dirty="0"/>
           </a:p>
@@ -7294,7 +7294,7 @@
           <a:p>
             <a:fld id="{48A87A34-81AB-432B-8DAE-1953F412C126}" type="datetimeFigureOut">
               <a:rPr lang="en-US" dirty="0"/>
-              <a:t>7/23/2022</a:t>
+              <a:t>7/26/2022</a:t>
             </a:fld>
             <a:endParaRPr lang="en-US" dirty="0"/>
           </a:p>
@@ -7539,7 +7539,7 @@
           <a:p>
             <a:fld id="{48A87A34-81AB-432B-8DAE-1953F412C126}" type="datetimeFigureOut">
               <a:rPr lang="en-US" dirty="0"/>
-              <a:t>7/23/2022</a:t>
+              <a:t>7/26/2022</a:t>
             </a:fld>
             <a:endParaRPr lang="en-US" dirty="0"/>
           </a:p>
@@ -7766,7 +7766,7 @@
           <a:p>
             <a:fld id="{48A87A34-81AB-432B-8DAE-1953F412C126}" type="datetimeFigureOut">
               <a:rPr lang="en-US" dirty="0"/>
-              <a:t>7/23/2022</a:t>
+              <a:t>7/26/2022</a:t>
             </a:fld>
             <a:endParaRPr lang="en-US" dirty="0"/>
           </a:p>
@@ -8142,7 +8142,7 @@
           <a:p>
             <a:fld id="{48A87A34-81AB-432B-8DAE-1953F412C126}" type="datetimeFigureOut">
               <a:rPr lang="en-US" dirty="0"/>
-              <a:t>7/23/2022</a:t>
+              <a:t>7/26/2022</a:t>
             </a:fld>
             <a:endParaRPr lang="en-US" dirty="0"/>
           </a:p>
@@ -8255,7 +8255,7 @@
           <a:p>
             <a:fld id="{48A87A34-81AB-432B-8DAE-1953F412C126}" type="datetimeFigureOut">
               <a:rPr lang="en-US" dirty="0"/>
-              <a:t>7/23/2022</a:t>
+              <a:t>7/26/2022</a:t>
             </a:fld>
             <a:endParaRPr lang="en-US" dirty="0"/>
           </a:p>
@@ -8345,7 +8345,7 @@
           <a:p>
             <a:fld id="{48A87A34-81AB-432B-8DAE-1953F412C126}" type="datetimeFigureOut">
               <a:rPr lang="en-US" dirty="0"/>
-              <a:t>7/23/2022</a:t>
+              <a:t>7/26/2022</a:t>
             </a:fld>
             <a:endParaRPr lang="en-US" dirty="0"/>
           </a:p>
@@ -8589,7 +8589,7 @@
           <a:p>
             <a:fld id="{48A87A34-81AB-432B-8DAE-1953F412C126}" type="datetimeFigureOut">
               <a:rPr lang="en-US" dirty="0"/>
-              <a:t>7/23/2022</a:t>
+              <a:t>7/26/2022</a:t>
             </a:fld>
             <a:endParaRPr lang="en-US" dirty="0"/>
           </a:p>
@@ -8864,7 +8864,7 @@
           <a:p>
             <a:fld id="{48A87A34-81AB-432B-8DAE-1953F412C126}" type="datetimeFigureOut">
               <a:rPr lang="en-US" dirty="0"/>
-              <a:t>7/23/2022</a:t>
+              <a:t>7/26/2022</a:t>
             </a:fld>
             <a:endParaRPr lang="en-US" dirty="0"/>
           </a:p>
@@ -11937,7 +11937,7 @@
             <a:fld id="{48A87A34-81AB-432B-8DAE-1953F412C126}" type="datetimeFigureOut">
               <a:rPr lang="en-US" dirty="0"/>
               <a:pPr/>
-              <a:t>7/23/2022</a:t>
+              <a:t>7/26/2022</a:t>
             </a:fld>
             <a:endParaRPr lang="en-US" dirty="0"/>
           </a:p>
@@ -12664,10 +12664,9 @@
           <a:p>
             <a:pPr algn="ctr"/>
             <a:r>
-              <a:rPr lang="it-IT"/>
+              <a:rPr lang="it-IT" dirty="0"/>
               <a:t>COMPONENTI LOGICHE D’INTERFACCIA</a:t>
             </a:r>
-            <a:endParaRPr lang="it-IT" dirty="0"/>
           </a:p>
         </p:txBody>
       </p:sp>
@@ -13164,7 +13163,15 @@
             </a:pPr>
             <a:r>
               <a:rPr lang="it-IT" dirty="0"/>
-              <a:t>Gli items, appartenenti a cinque categorie tipologiche, sono diversificati anche cromaticamente (blu per le poesie, rosso per le storiografie, verde per le leggende, nero per le ricette e giallo per le opere architettoniche).</a:t>
+              <a:t>Gli items, appartenenti a cinque categorie tipologiche, sono diversificati anche cromaticamente (blu per le poesie, nero per le storiografie, verde per le leggende</a:t>
+            </a:r>
+            <a:r>
+              <a:rPr lang="it-IT"/>
+              <a:t>, rosso </a:t>
+            </a:r>
+            <a:r>
+              <a:rPr lang="it-IT" dirty="0"/>
+              <a:t>per le ricette e giallo per le opere architettoniche).</a:t>
             </a:r>
           </a:p>
           <a:p>
